--- a/files/os/1_Bolum_1_Giris.pptx
+++ b/files/os/1_Bolum_1_Giris.pptx
@@ -4,6 +4,9 @@
   <p:sldMasterIdLst>
     <p:sldMasterId id="2147483935" r:id="rId1"/>
   </p:sldMasterIdLst>
+  <p:notesMasterIdLst>
+    <p:notesMasterId r:id="rId90"/>
+  </p:notesMasterIdLst>
   <p:sldIdLst>
     <p:sldId id="256" r:id="rId2"/>
     <p:sldId id="257" r:id="rId3"/>
@@ -199,6 +202,440 @@
 </p:presentation>
 </file>
 
+<file path=ppt/notesMasters/notesMaster1.xml><?xml version="1.0" encoding="utf-8"?>
+<p:notesMaster xmlns:a="http://schemas.openxmlformats.org/drawingml/2006/main" xmlns:r="http://schemas.openxmlformats.org/officeDocument/2006/relationships" xmlns:p="http://schemas.openxmlformats.org/presentationml/2006/main">
+  <p:cSld>
+    <p:bg>
+      <p:bgRef idx="1001">
+        <a:schemeClr val="bg1"/>
+      </p:bgRef>
+    </p:bg>
+    <p:spTree>
+      <p:nvGrpSpPr>
+        <p:cNvPr id="1" name=""/>
+        <p:cNvGrpSpPr/>
+        <p:nvPr/>
+      </p:nvGrpSpPr>
+      <p:grpSpPr>
+        <a:xfrm>
+          <a:off x="0" y="0"/>
+          <a:ext cx="0" cy="0"/>
+          <a:chOff x="0" y="0"/>
+          <a:chExt cx="0" cy="0"/>
+        </a:xfrm>
+      </p:grpSpPr>
+      <p:sp>
+        <p:nvSpPr>
+          <p:cNvPr id="2" name="Header Placeholder 1"/>
+          <p:cNvSpPr>
+            <a:spLocks noGrp="1"/>
+          </p:cNvSpPr>
+          <p:nvPr>
+            <p:ph type="hdr" sz="quarter"/>
+          </p:nvPr>
+        </p:nvSpPr>
+        <p:spPr>
+          <a:xfrm>
+            <a:off x="0" y="0"/>
+            <a:ext cx="2971800" cy="458788"/>
+          </a:xfrm>
+          <a:prstGeom prst="rect">
+            <a:avLst/>
+          </a:prstGeom>
+        </p:spPr>
+        <p:txBody>
+          <a:bodyPr vert="horz" lIns="91440" tIns="45720" rIns="91440" bIns="45720" rtlCol="0"/>
+          <a:lstStyle>
+            <a:lvl1pPr algn="l">
+              <a:defRPr sz="1200"/>
+            </a:lvl1pPr>
+          </a:lstStyle>
+          <a:p>
+            <a:endParaRPr lang="tr-TR"/>
+          </a:p>
+        </p:txBody>
+      </p:sp>
+      <p:sp>
+        <p:nvSpPr>
+          <p:cNvPr id="3" name="Date Placeholder 2"/>
+          <p:cNvSpPr>
+            <a:spLocks noGrp="1"/>
+          </p:cNvSpPr>
+          <p:nvPr>
+            <p:ph type="dt" idx="1"/>
+          </p:nvPr>
+        </p:nvSpPr>
+        <p:spPr>
+          <a:xfrm>
+            <a:off x="3884613" y="0"/>
+            <a:ext cx="2971800" cy="458788"/>
+          </a:xfrm>
+          <a:prstGeom prst="rect">
+            <a:avLst/>
+          </a:prstGeom>
+        </p:spPr>
+        <p:txBody>
+          <a:bodyPr vert="horz" lIns="91440" tIns="45720" rIns="91440" bIns="45720" rtlCol="0"/>
+          <a:lstStyle>
+            <a:lvl1pPr algn="r">
+              <a:defRPr sz="1200"/>
+            </a:lvl1pPr>
+          </a:lstStyle>
+          <a:p>
+            <a:fld id="{F005BE1F-7669-4022-8D50-8115A32E15FC}" type="datetimeFigureOut">
+              <a:rPr lang="tr-TR" smtClean="0"/>
+              <a:t>23.01.2023</a:t>
+            </a:fld>
+            <a:endParaRPr lang="tr-TR"/>
+          </a:p>
+        </p:txBody>
+      </p:sp>
+      <p:sp>
+        <p:nvSpPr>
+          <p:cNvPr id="4" name="Slide Image Placeholder 3"/>
+          <p:cNvSpPr>
+            <a:spLocks noGrp="1" noRot="1" noChangeAspect="1"/>
+          </p:cNvSpPr>
+          <p:nvPr>
+            <p:ph type="sldImg" idx="2"/>
+          </p:nvPr>
+        </p:nvSpPr>
+        <p:spPr>
+          <a:xfrm>
+            <a:off x="685800" y="1143000"/>
+            <a:ext cx="5486400" cy="3086100"/>
+          </a:xfrm>
+          <a:prstGeom prst="rect">
+            <a:avLst/>
+          </a:prstGeom>
+          <a:noFill/>
+          <a:ln w="12700">
+            <a:solidFill>
+              <a:prstClr val="black"/>
+            </a:solidFill>
+          </a:ln>
+        </p:spPr>
+        <p:txBody>
+          <a:bodyPr vert="horz" lIns="91440" tIns="45720" rIns="91440" bIns="45720" rtlCol="0" anchor="ctr"/>
+          <a:lstStyle/>
+          <a:p>
+            <a:endParaRPr lang="tr-TR"/>
+          </a:p>
+        </p:txBody>
+      </p:sp>
+      <p:sp>
+        <p:nvSpPr>
+          <p:cNvPr id="5" name="Notes Placeholder 4"/>
+          <p:cNvSpPr>
+            <a:spLocks noGrp="1"/>
+          </p:cNvSpPr>
+          <p:nvPr>
+            <p:ph type="body" sz="quarter" idx="3"/>
+          </p:nvPr>
+        </p:nvSpPr>
+        <p:spPr>
+          <a:xfrm>
+            <a:off x="685800" y="4400550"/>
+            <a:ext cx="5486400" cy="3600450"/>
+          </a:xfrm>
+          <a:prstGeom prst="rect">
+            <a:avLst/>
+          </a:prstGeom>
+        </p:spPr>
+        <p:txBody>
+          <a:bodyPr vert="horz" lIns="91440" tIns="45720" rIns="91440" bIns="45720" rtlCol="0"/>
+          <a:lstStyle/>
+          <a:p>
+            <a:pPr lvl="0"/>
+            <a:r>
+              <a:rPr lang="en-US" smtClean="0"/>
+              <a:t>Click to edit Master text styles</a:t>
+            </a:r>
+          </a:p>
+          <a:p>
+            <a:pPr lvl="1"/>
+            <a:r>
+              <a:rPr lang="en-US" smtClean="0"/>
+              <a:t>Second level</a:t>
+            </a:r>
+          </a:p>
+          <a:p>
+            <a:pPr lvl="2"/>
+            <a:r>
+              <a:rPr lang="en-US" smtClean="0"/>
+              <a:t>Third level</a:t>
+            </a:r>
+          </a:p>
+          <a:p>
+            <a:pPr lvl="3"/>
+            <a:r>
+              <a:rPr lang="en-US" smtClean="0"/>
+              <a:t>Fourth level</a:t>
+            </a:r>
+          </a:p>
+          <a:p>
+            <a:pPr lvl="4"/>
+            <a:r>
+              <a:rPr lang="en-US" smtClean="0"/>
+              <a:t>Fifth level</a:t>
+            </a:r>
+            <a:endParaRPr lang="tr-TR"/>
+          </a:p>
+        </p:txBody>
+      </p:sp>
+      <p:sp>
+        <p:nvSpPr>
+          <p:cNvPr id="6" name="Footer Placeholder 5"/>
+          <p:cNvSpPr>
+            <a:spLocks noGrp="1"/>
+          </p:cNvSpPr>
+          <p:nvPr>
+            <p:ph type="ftr" sz="quarter" idx="4"/>
+          </p:nvPr>
+        </p:nvSpPr>
+        <p:spPr>
+          <a:xfrm>
+            <a:off x="0" y="8685213"/>
+            <a:ext cx="2971800" cy="458787"/>
+          </a:xfrm>
+          <a:prstGeom prst="rect">
+            <a:avLst/>
+          </a:prstGeom>
+        </p:spPr>
+        <p:txBody>
+          <a:bodyPr vert="horz" lIns="91440" tIns="45720" rIns="91440" bIns="45720" rtlCol="0" anchor="b"/>
+          <a:lstStyle>
+            <a:lvl1pPr algn="l">
+              <a:defRPr sz="1200"/>
+            </a:lvl1pPr>
+          </a:lstStyle>
+          <a:p>
+            <a:endParaRPr lang="tr-TR"/>
+          </a:p>
+        </p:txBody>
+      </p:sp>
+      <p:sp>
+        <p:nvSpPr>
+          <p:cNvPr id="7" name="Slide Number Placeholder 6"/>
+          <p:cNvSpPr>
+            <a:spLocks noGrp="1"/>
+          </p:cNvSpPr>
+          <p:nvPr>
+            <p:ph type="sldNum" sz="quarter" idx="5"/>
+          </p:nvPr>
+        </p:nvSpPr>
+        <p:spPr>
+          <a:xfrm>
+            <a:off x="3884613" y="8685213"/>
+            <a:ext cx="2971800" cy="458787"/>
+          </a:xfrm>
+          <a:prstGeom prst="rect">
+            <a:avLst/>
+          </a:prstGeom>
+        </p:spPr>
+        <p:txBody>
+          <a:bodyPr vert="horz" lIns="91440" tIns="45720" rIns="91440" bIns="45720" rtlCol="0" anchor="b"/>
+          <a:lstStyle>
+            <a:lvl1pPr algn="r">
+              <a:defRPr sz="1200"/>
+            </a:lvl1pPr>
+          </a:lstStyle>
+          <a:p>
+            <a:fld id="{09AC0638-78AE-41D6-9F5A-0F3CEA1F9952}" type="slidenum">
+              <a:rPr lang="tr-TR" smtClean="0"/>
+              <a:t>‹#›</a:t>
+            </a:fld>
+            <a:endParaRPr lang="tr-TR"/>
+          </a:p>
+        </p:txBody>
+      </p:sp>
+    </p:spTree>
+    <p:extLst>
+      <p:ext uri="{BB962C8B-B14F-4D97-AF65-F5344CB8AC3E}">
+        <p14:creationId xmlns:p14="http://schemas.microsoft.com/office/powerpoint/2010/main" val="1388141098"/>
+      </p:ext>
+    </p:extLst>
+  </p:cSld>
+  <p:clrMap bg1="lt1" tx1="dk1" bg2="lt2" tx2="dk2" accent1="accent1" accent2="accent2" accent3="accent3" accent4="accent4" accent5="accent5" accent6="accent6" hlink="hlink" folHlink="folHlink"/>
+  <p:notesStyle>
+    <a:lvl1pPr marL="0" algn="l" defTabSz="914400" rtl="0" eaLnBrk="1" latinLnBrk="0" hangingPunct="1">
+      <a:defRPr sz="1200" kern="1200">
+        <a:solidFill>
+          <a:schemeClr val="tx1"/>
+        </a:solidFill>
+        <a:latin typeface="+mn-lt"/>
+        <a:ea typeface="+mn-ea"/>
+        <a:cs typeface="+mn-cs"/>
+      </a:defRPr>
+    </a:lvl1pPr>
+    <a:lvl2pPr marL="457200" algn="l" defTabSz="914400" rtl="0" eaLnBrk="1" latinLnBrk="0" hangingPunct="1">
+      <a:defRPr sz="1200" kern="1200">
+        <a:solidFill>
+          <a:schemeClr val="tx1"/>
+        </a:solidFill>
+        <a:latin typeface="+mn-lt"/>
+        <a:ea typeface="+mn-ea"/>
+        <a:cs typeface="+mn-cs"/>
+      </a:defRPr>
+    </a:lvl2pPr>
+    <a:lvl3pPr marL="914400" algn="l" defTabSz="914400" rtl="0" eaLnBrk="1" latinLnBrk="0" hangingPunct="1">
+      <a:defRPr sz="1200" kern="1200">
+        <a:solidFill>
+          <a:schemeClr val="tx1"/>
+        </a:solidFill>
+        <a:latin typeface="+mn-lt"/>
+        <a:ea typeface="+mn-ea"/>
+        <a:cs typeface="+mn-cs"/>
+      </a:defRPr>
+    </a:lvl3pPr>
+    <a:lvl4pPr marL="1371600" algn="l" defTabSz="914400" rtl="0" eaLnBrk="1" latinLnBrk="0" hangingPunct="1">
+      <a:defRPr sz="1200" kern="1200">
+        <a:solidFill>
+          <a:schemeClr val="tx1"/>
+        </a:solidFill>
+        <a:latin typeface="+mn-lt"/>
+        <a:ea typeface="+mn-ea"/>
+        <a:cs typeface="+mn-cs"/>
+      </a:defRPr>
+    </a:lvl4pPr>
+    <a:lvl5pPr marL="1828800" algn="l" defTabSz="914400" rtl="0" eaLnBrk="1" latinLnBrk="0" hangingPunct="1">
+      <a:defRPr sz="1200" kern="1200">
+        <a:solidFill>
+          <a:schemeClr val="tx1"/>
+        </a:solidFill>
+        <a:latin typeface="+mn-lt"/>
+        <a:ea typeface="+mn-ea"/>
+        <a:cs typeface="+mn-cs"/>
+      </a:defRPr>
+    </a:lvl5pPr>
+    <a:lvl6pPr marL="2286000" algn="l" defTabSz="914400" rtl="0" eaLnBrk="1" latinLnBrk="0" hangingPunct="1">
+      <a:defRPr sz="1200" kern="1200">
+        <a:solidFill>
+          <a:schemeClr val="tx1"/>
+        </a:solidFill>
+        <a:latin typeface="+mn-lt"/>
+        <a:ea typeface="+mn-ea"/>
+        <a:cs typeface="+mn-cs"/>
+      </a:defRPr>
+    </a:lvl6pPr>
+    <a:lvl7pPr marL="2743200" algn="l" defTabSz="914400" rtl="0" eaLnBrk="1" latinLnBrk="0" hangingPunct="1">
+      <a:defRPr sz="1200" kern="1200">
+        <a:solidFill>
+          <a:schemeClr val="tx1"/>
+        </a:solidFill>
+        <a:latin typeface="+mn-lt"/>
+        <a:ea typeface="+mn-ea"/>
+        <a:cs typeface="+mn-cs"/>
+      </a:defRPr>
+    </a:lvl7pPr>
+    <a:lvl8pPr marL="3200400" algn="l" defTabSz="914400" rtl="0" eaLnBrk="1" latinLnBrk="0" hangingPunct="1">
+      <a:defRPr sz="1200" kern="1200">
+        <a:solidFill>
+          <a:schemeClr val="tx1"/>
+        </a:solidFill>
+        <a:latin typeface="+mn-lt"/>
+        <a:ea typeface="+mn-ea"/>
+        <a:cs typeface="+mn-cs"/>
+      </a:defRPr>
+    </a:lvl8pPr>
+    <a:lvl9pPr marL="3657600" algn="l" defTabSz="914400" rtl="0" eaLnBrk="1" latinLnBrk="0" hangingPunct="1">
+      <a:defRPr sz="1200" kern="1200">
+        <a:solidFill>
+          <a:schemeClr val="tx1"/>
+        </a:solidFill>
+        <a:latin typeface="+mn-lt"/>
+        <a:ea typeface="+mn-ea"/>
+        <a:cs typeface="+mn-cs"/>
+      </a:defRPr>
+    </a:lvl9pPr>
+  </p:notesStyle>
+</p:notesMaster>
+</file>
+
+<file path=ppt/notesSlides/notesSlide1.xml><?xml version="1.0" encoding="utf-8"?>
+<p:notes xmlns:a="http://schemas.openxmlformats.org/drawingml/2006/main" xmlns:r="http://schemas.openxmlformats.org/officeDocument/2006/relationships" xmlns:p="http://schemas.openxmlformats.org/presentationml/2006/main">
+  <p:cSld>
+    <p:spTree>
+      <p:nvGrpSpPr>
+        <p:cNvPr id="1" name=""/>
+        <p:cNvGrpSpPr/>
+        <p:nvPr/>
+      </p:nvGrpSpPr>
+      <p:grpSpPr>
+        <a:xfrm>
+          <a:off x="0" y="0"/>
+          <a:ext cx="0" cy="0"/>
+          <a:chOff x="0" y="0"/>
+          <a:chExt cx="0" cy="0"/>
+        </a:xfrm>
+      </p:grpSpPr>
+      <p:sp>
+        <p:nvSpPr>
+          <p:cNvPr id="2" name="Slide Image Placeholder 1"/>
+          <p:cNvSpPr>
+            <a:spLocks noGrp="1" noRot="1" noChangeAspect="1"/>
+          </p:cNvSpPr>
+          <p:nvPr>
+            <p:ph type="sldImg"/>
+          </p:nvPr>
+        </p:nvSpPr>
+        <p:spPr/>
+      </p:sp>
+      <p:sp>
+        <p:nvSpPr>
+          <p:cNvPr id="3" name="Notes Placeholder 2"/>
+          <p:cNvSpPr>
+            <a:spLocks noGrp="1"/>
+          </p:cNvSpPr>
+          <p:nvPr>
+            <p:ph type="body" idx="1"/>
+          </p:nvPr>
+        </p:nvSpPr>
+        <p:spPr/>
+        <p:txBody>
+          <a:bodyPr/>
+          <a:lstStyle/>
+          <a:p>
+            <a:endParaRPr lang="tr-TR"/>
+          </a:p>
+        </p:txBody>
+      </p:sp>
+      <p:sp>
+        <p:nvSpPr>
+          <p:cNvPr id="4" name="Slide Number Placeholder 3"/>
+          <p:cNvSpPr>
+            <a:spLocks noGrp="1"/>
+          </p:cNvSpPr>
+          <p:nvPr>
+            <p:ph type="sldNum" sz="quarter" idx="10"/>
+          </p:nvPr>
+        </p:nvSpPr>
+        <p:spPr/>
+        <p:txBody>
+          <a:bodyPr/>
+          <a:lstStyle/>
+          <a:p>
+            <a:fld id="{09AC0638-78AE-41D6-9F5A-0F3CEA1F9952}" type="slidenum">
+              <a:rPr lang="tr-TR" smtClean="0"/>
+              <a:t>1</a:t>
+            </a:fld>
+            <a:endParaRPr lang="tr-TR"/>
+          </a:p>
+        </p:txBody>
+      </p:sp>
+    </p:spTree>
+    <p:extLst>
+      <p:ext uri="{BB962C8B-B14F-4D97-AF65-F5344CB8AC3E}">
+        <p14:creationId xmlns:p14="http://schemas.microsoft.com/office/powerpoint/2010/main" val="4272486218"/>
+      </p:ext>
+    </p:extLst>
+  </p:cSld>
+  <p:clrMapOvr>
+    <a:masterClrMapping/>
+  </p:clrMapOvr>
+</p:notes>
+</file>
+
 <file path=ppt/slideLayouts/slideLayout1.xml><?xml version="1.0" encoding="utf-8"?>
 <p:sldLayout xmlns:a="http://schemas.openxmlformats.org/drawingml/2006/main" xmlns:r="http://schemas.openxmlformats.org/officeDocument/2006/relationships" xmlns:p="http://schemas.openxmlformats.org/presentationml/2006/main" type="title" preserve="1">
   <p:cSld name="Title Slide">
@@ -328,11 +765,10 @@
           <a:bodyPr/>
           <a:lstStyle/>
           <a:p>
-            <a:fld id="{B61BEF0D-F0BB-DE4B-95CE-6DB70DBA9567}" type="datetimeFigureOut">
-              <a:rPr lang="en-US" smtClean="0"/>
-              <a:pPr/>
-              <a:t>1/13/2023</a:t>
-            </a:fld>
+            <a:r>
+              <a:rPr lang="en-US" smtClean="0"/>
+              <a:t>1/20/2023</a:t>
+            </a:r>
             <a:endParaRPr lang="en-US" dirty="0"/>
           </a:p>
         </p:txBody>
@@ -352,6 +788,10 @@
           <a:bodyPr/>
           <a:lstStyle/>
           <a:p>
+            <a:r>
+              <a:rPr lang="en-US" smtClean="0"/>
+              <a:t>Sercan KÜLCÜ, Tanenbaum, Modern Operating Systems 3e kitabından faydalanılmıştır. Tüm hakları saklıdır.</a:t>
+            </a:r>
             <a:endParaRPr lang="en-US" dirty="0"/>
           </a:p>
         </p:txBody>
@@ -500,11 +940,10 @@
           <a:bodyPr/>
           <a:lstStyle/>
           <a:p>
-            <a:fld id="{B61BEF0D-F0BB-DE4B-95CE-6DB70DBA9567}" type="datetimeFigureOut">
-              <a:rPr lang="en-US" smtClean="0"/>
-              <a:pPr/>
-              <a:t>1/13/2023</a:t>
-            </a:fld>
+            <a:r>
+              <a:rPr lang="en-US" smtClean="0"/>
+              <a:t>1/20/2023</a:t>
+            </a:r>
             <a:endParaRPr lang="en-US" dirty="0"/>
           </a:p>
         </p:txBody>
@@ -524,6 +963,10 @@
           <a:bodyPr/>
           <a:lstStyle/>
           <a:p>
+            <a:r>
+              <a:rPr lang="en-US" smtClean="0"/>
+              <a:t>Sercan KÜLCÜ, Tanenbaum, Modern Operating Systems 3e kitabından faydalanılmıştır. Tüm hakları saklıdır.</a:t>
+            </a:r>
             <a:endParaRPr lang="en-US" dirty="0"/>
           </a:p>
         </p:txBody>
@@ -682,11 +1125,10 @@
           <a:bodyPr/>
           <a:lstStyle/>
           <a:p>
-            <a:fld id="{B61BEF0D-F0BB-DE4B-95CE-6DB70DBA9567}" type="datetimeFigureOut">
-              <a:rPr lang="en-US" smtClean="0"/>
-              <a:pPr/>
-              <a:t>1/13/2023</a:t>
-            </a:fld>
+            <a:r>
+              <a:rPr lang="en-US" smtClean="0"/>
+              <a:t>1/20/2023</a:t>
+            </a:r>
             <a:endParaRPr lang="en-US" dirty="0"/>
           </a:p>
         </p:txBody>
@@ -706,6 +1148,10 @@
           <a:bodyPr/>
           <a:lstStyle/>
           <a:p>
+            <a:r>
+              <a:rPr lang="en-US" smtClean="0"/>
+              <a:t>Sercan KÜLCÜ, Tanenbaum, Modern Operating Systems 3e kitabından faydalanılmıştır. Tüm hakları saklıdır.</a:t>
+            </a:r>
             <a:endParaRPr lang="en-US" dirty="0"/>
           </a:p>
         </p:txBody>
@@ -777,10 +1223,18 @@
         <p:spPr/>
         <p:txBody>
           <a:bodyPr/>
-          <a:lstStyle/>
-          <a:p>
-            <a:r>
-              <a:rPr lang="en-US" smtClean="0"/>
+          <a:lstStyle>
+            <a:lvl1pPr>
+              <a:defRPr b="1" i="0" baseline="0">
+                <a:solidFill>
+                  <a:srgbClr val="0070C0"/>
+                </a:solidFill>
+              </a:defRPr>
+            </a:lvl1pPr>
+          </a:lstStyle>
+          <a:p>
+            <a:r>
+              <a:rPr lang="en-US" dirty="0" smtClean="0"/>
               <a:t>Click to edit Master title style</a:t>
             </a:r>
             <a:endParaRPr lang="en-US" dirty="0"/>
@@ -854,11 +1308,10 @@
           <a:bodyPr/>
           <a:lstStyle/>
           <a:p>
-            <a:fld id="{B61BEF0D-F0BB-DE4B-95CE-6DB70DBA9567}" type="datetimeFigureOut">
-              <a:rPr lang="en-US" smtClean="0"/>
-              <a:pPr/>
-              <a:t>1/13/2023</a:t>
-            </a:fld>
+            <a:r>
+              <a:rPr lang="en-US" smtClean="0"/>
+              <a:t>1/20/2023</a:t>
+            </a:r>
             <a:endParaRPr lang="en-US" dirty="0"/>
           </a:p>
         </p:txBody>
@@ -873,11 +1326,68 @@
             <p:ph type="ftr" sz="quarter" idx="11"/>
           </p:nvPr>
         </p:nvSpPr>
-        <p:spPr/>
-        <p:txBody>
-          <a:bodyPr/>
-          <a:lstStyle/>
-          <a:p>
+        <p:spPr>
+          <a:xfrm>
+            <a:off x="2356834" y="6356350"/>
+            <a:ext cx="6928834" cy="365125"/>
+          </a:xfrm>
+        </p:spPr>
+        <p:txBody>
+          <a:bodyPr/>
+          <a:lstStyle/>
+          <a:p>
+            <a:r>
+              <a:rPr lang="en-US" dirty="0" smtClean="0"/>
+              <a:t>Sercan KÜLCÜ, </a:t>
+            </a:r>
+            <a:r>
+              <a:rPr lang="en-US" dirty="0" err="1" smtClean="0"/>
+              <a:t>Tanenbaum</a:t>
+            </a:r>
+            <a:r>
+              <a:rPr lang="en-US" dirty="0" smtClean="0"/>
+              <a:t>, Modern Operating Systems 3e </a:t>
+            </a:r>
+            <a:r>
+              <a:rPr lang="en-US" dirty="0" err="1" smtClean="0"/>
+              <a:t>kitabından</a:t>
+            </a:r>
+            <a:r>
+              <a:rPr lang="en-US" dirty="0" smtClean="0"/>
+              <a:t> </a:t>
+            </a:r>
+            <a:r>
+              <a:rPr lang="en-US" dirty="0" err="1" smtClean="0"/>
+              <a:t>faydalanılmıştır</a:t>
+            </a:r>
+            <a:r>
+              <a:rPr lang="en-US" dirty="0" smtClean="0"/>
+              <a:t>. </a:t>
+            </a:r>
+            <a:r>
+              <a:rPr lang="en-US" dirty="0" err="1" smtClean="0"/>
+              <a:t>Tüm</a:t>
+            </a:r>
+            <a:r>
+              <a:rPr lang="en-US" dirty="0" smtClean="0"/>
+              <a:t> </a:t>
+            </a:r>
+            <a:r>
+              <a:rPr lang="en-US" dirty="0" err="1" smtClean="0"/>
+              <a:t>hakları</a:t>
+            </a:r>
+            <a:r>
+              <a:rPr lang="en-US" dirty="0" smtClean="0"/>
+              <a:t> </a:t>
+            </a:r>
+            <a:r>
+              <a:rPr lang="en-US" dirty="0" err="1" smtClean="0"/>
+              <a:t>saklıdır</a:t>
+            </a:r>
+            <a:r>
+              <a:rPr lang="en-US" dirty="0" smtClean="0"/>
+              <a:t>.</a:t>
+            </a:r>
             <a:endParaRPr lang="en-US" dirty="0"/>
           </a:p>
         </p:txBody>
@@ -1102,11 +1612,10 @@
           <a:bodyPr/>
           <a:lstStyle/>
           <a:p>
-            <a:fld id="{B61BEF0D-F0BB-DE4B-95CE-6DB70DBA9567}" type="datetimeFigureOut">
-              <a:rPr lang="en-US" smtClean="0"/>
-              <a:pPr/>
-              <a:t>1/13/2023</a:t>
-            </a:fld>
+            <a:r>
+              <a:rPr lang="en-US" smtClean="0"/>
+              <a:t>1/20/2023</a:t>
+            </a:r>
             <a:endParaRPr lang="en-US" dirty="0"/>
           </a:p>
         </p:txBody>
@@ -1126,6 +1635,10 @@
           <a:bodyPr/>
           <a:lstStyle/>
           <a:p>
+            <a:r>
+              <a:rPr lang="en-US" smtClean="0"/>
+              <a:t>Sercan KÜLCÜ, Tanenbaum, Modern Operating Systems 3e kitabından faydalanılmıştır. Tüm hakları saklıdır.</a:t>
+            </a:r>
             <a:endParaRPr lang="en-US" dirty="0"/>
           </a:p>
         </p:txBody>
@@ -1336,11 +1849,10 @@
           <a:bodyPr/>
           <a:lstStyle/>
           <a:p>
-            <a:fld id="{B61BEF0D-F0BB-DE4B-95CE-6DB70DBA9567}" type="datetimeFigureOut">
-              <a:rPr lang="en-US" smtClean="0"/>
-              <a:pPr/>
-              <a:t>1/13/2023</a:t>
-            </a:fld>
+            <a:r>
+              <a:rPr lang="en-US" smtClean="0"/>
+              <a:t>1/20/2023</a:t>
+            </a:r>
             <a:endParaRPr lang="en-US" dirty="0"/>
           </a:p>
         </p:txBody>
@@ -1360,6 +1872,10 @@
           <a:bodyPr/>
           <a:lstStyle/>
           <a:p>
+            <a:r>
+              <a:rPr lang="en-US" smtClean="0"/>
+              <a:t>Sercan KÜLCÜ, Tanenbaum, Modern Operating Systems 3e kitabından faydalanılmıştır. Tüm hakları saklıdır.</a:t>
+            </a:r>
             <a:endParaRPr lang="en-US" dirty="0"/>
           </a:p>
         </p:txBody>
@@ -1705,11 +2221,10 @@
           <a:bodyPr/>
           <a:lstStyle/>
           <a:p>
-            <a:fld id="{B61BEF0D-F0BB-DE4B-95CE-6DB70DBA9567}" type="datetimeFigureOut">
-              <a:rPr lang="en-US" smtClean="0"/>
-              <a:pPr/>
-              <a:t>1/13/2023</a:t>
-            </a:fld>
+            <a:r>
+              <a:rPr lang="en-US" smtClean="0"/>
+              <a:t>1/20/2023</a:t>
+            </a:r>
             <a:endParaRPr lang="en-US" dirty="0"/>
           </a:p>
         </p:txBody>
@@ -1729,6 +2244,10 @@
           <a:bodyPr/>
           <a:lstStyle/>
           <a:p>
+            <a:r>
+              <a:rPr lang="en-US" smtClean="0"/>
+              <a:t>Sercan KÜLCÜ, Tanenbaum, Modern Operating Systems 3e kitabından faydalanılmıştır. Tüm hakları saklıdır.</a:t>
+            </a:r>
             <a:endParaRPr lang="en-US" dirty="0"/>
           </a:p>
         </p:txBody>
@@ -1825,11 +2344,10 @@
           <a:bodyPr/>
           <a:lstStyle/>
           <a:p>
-            <a:fld id="{B61BEF0D-F0BB-DE4B-95CE-6DB70DBA9567}" type="datetimeFigureOut">
-              <a:rPr lang="en-US" smtClean="0"/>
-              <a:pPr/>
-              <a:t>1/13/2023</a:t>
-            </a:fld>
+            <a:r>
+              <a:rPr lang="en-US" smtClean="0"/>
+              <a:t>1/20/2023</a:t>
+            </a:r>
             <a:endParaRPr lang="en-US" dirty="0"/>
           </a:p>
         </p:txBody>
@@ -1849,6 +2367,10 @@
           <a:bodyPr/>
           <a:lstStyle/>
           <a:p>
+            <a:r>
+              <a:rPr lang="en-US" smtClean="0"/>
+              <a:t>Sercan KÜLCÜ, Tanenbaum, Modern Operating Systems 3e kitabından faydalanılmıştır. Tüm hakları saklıdır.</a:t>
+            </a:r>
             <a:endParaRPr lang="en-US" dirty="0"/>
           </a:p>
         </p:txBody>
@@ -1922,11 +2444,10 @@
           <a:bodyPr/>
           <a:lstStyle/>
           <a:p>
-            <a:fld id="{B61BEF0D-F0BB-DE4B-95CE-6DB70DBA9567}" type="datetimeFigureOut">
-              <a:rPr lang="en-US" smtClean="0"/>
-              <a:pPr/>
-              <a:t>1/13/2023</a:t>
-            </a:fld>
+            <a:r>
+              <a:rPr lang="en-US" smtClean="0"/>
+              <a:t>1/20/2023</a:t>
+            </a:r>
             <a:endParaRPr lang="en-US" dirty="0"/>
           </a:p>
         </p:txBody>
@@ -1946,6 +2467,10 @@
           <a:bodyPr/>
           <a:lstStyle/>
           <a:p>
+            <a:r>
+              <a:rPr lang="en-US" smtClean="0"/>
+              <a:t>Sercan KÜLCÜ, Tanenbaum, Modern Operating Systems 3e kitabından faydalanılmıştır. Tüm hakları saklıdır.</a:t>
+            </a:r>
             <a:endParaRPr lang="en-US" dirty="0"/>
           </a:p>
         </p:txBody>
@@ -2201,11 +2726,10 @@
           <a:bodyPr/>
           <a:lstStyle/>
           <a:p>
-            <a:fld id="{B61BEF0D-F0BB-DE4B-95CE-6DB70DBA9567}" type="datetimeFigureOut">
-              <a:rPr lang="en-US" smtClean="0"/>
-              <a:pPr/>
-              <a:t>1/13/2023</a:t>
-            </a:fld>
+            <a:r>
+              <a:rPr lang="en-US" smtClean="0"/>
+              <a:t>1/20/2023</a:t>
+            </a:r>
             <a:endParaRPr lang="en-US" dirty="0"/>
           </a:p>
         </p:txBody>
@@ -2225,6 +2749,10 @@
           <a:bodyPr/>
           <a:lstStyle/>
           <a:p>
+            <a:r>
+              <a:rPr lang="en-US" smtClean="0"/>
+              <a:t>Sercan KÜLCÜ, Tanenbaum, Modern Operating Systems 3e kitabından faydalanılmıştır. Tüm hakları saklıdır.</a:t>
+            </a:r>
             <a:endParaRPr lang="en-US" dirty="0"/>
           </a:p>
         </p:txBody>
@@ -2460,11 +2988,10 @@
           <a:bodyPr/>
           <a:lstStyle/>
           <a:p>
-            <a:fld id="{B61BEF0D-F0BB-DE4B-95CE-6DB70DBA9567}" type="datetimeFigureOut">
-              <a:rPr lang="en-US" smtClean="0"/>
-              <a:pPr/>
-              <a:t>1/13/2023</a:t>
-            </a:fld>
+            <a:r>
+              <a:rPr lang="en-US" smtClean="0"/>
+              <a:t>1/20/2023</a:t>
+            </a:r>
             <a:endParaRPr lang="en-US" dirty="0"/>
           </a:p>
         </p:txBody>
@@ -2484,6 +3011,10 @@
           <a:bodyPr/>
           <a:lstStyle/>
           <a:p>
+            <a:r>
+              <a:rPr lang="en-US" smtClean="0"/>
+              <a:t>Sercan KÜLCÜ, Tanenbaum, Modern Operating Systems 3e kitabından faydalanılmıştır. Tüm hakları saklıdır.</a:t>
+            </a:r>
             <a:endParaRPr lang="en-US" dirty="0"/>
           </a:p>
         </p:txBody>
@@ -2675,11 +3206,10 @@
             </a:lvl1pPr>
           </a:lstStyle>
           <a:p>
-            <a:fld id="{B61BEF0D-F0BB-DE4B-95CE-6DB70DBA9567}" type="datetimeFigureOut">
-              <a:rPr lang="en-US" smtClean="0"/>
-              <a:pPr/>
-              <a:t>1/13/2023</a:t>
-            </a:fld>
+            <a:r>
+              <a:rPr lang="en-US" smtClean="0"/>
+              <a:t>1/20/2023</a:t>
+            </a:r>
             <a:endParaRPr lang="en-US" dirty="0"/>
           </a:p>
         </p:txBody>
@@ -2717,6 +3247,10 @@
             </a:lvl1pPr>
           </a:lstStyle>
           <a:p>
+            <a:r>
+              <a:rPr lang="en-US" smtClean="0"/>
+              <a:t>Sercan KÜLCÜ, Tanenbaum, Modern Operating Systems 3e kitabından faydalanılmıştır. Tüm hakları saklıdır.</a:t>
+            </a:r>
             <a:endParaRPr lang="en-US" dirty="0"/>
           </a:p>
         </p:txBody>
@@ -2784,6 +3318,7 @@
     <p:sldLayoutId id="2147483945" r:id="rId10"/>
     <p:sldLayoutId id="2147483946" r:id="rId11"/>
   </p:sldLayoutIdLst>
+  <p:hf hdr="0"/>
   <p:txStyles>
     <p:titleStyle>
       <a:lvl1pPr algn="l" defTabSz="914400" rtl="0" eaLnBrk="1" latinLnBrk="0" hangingPunct="1">
@@ -3100,10 +3635,10 @@
           <a:lstStyle/>
           <a:p>
             <a:r>
-              <a:rPr lang="tr-TR" dirty="0" smtClean="0"/>
+              <a:rPr lang="tr-TR" b="1" dirty="0" smtClean="0"/>
               <a:t>Bölüm 1: Giriş</a:t>
             </a:r>
-            <a:endParaRPr lang="tr-TR" dirty="0"/>
+            <a:endParaRPr lang="tr-TR" b="1" dirty="0"/>
           </a:p>
         </p:txBody>
       </p:sp>
@@ -3119,14 +3654,86 @@
         </p:nvSpPr>
         <p:spPr/>
         <p:txBody>
-          <a:bodyPr/>
-          <a:lstStyle/>
-          <a:p>
-            <a:r>
-              <a:rPr lang="tr-TR" dirty="0" smtClean="0"/>
+          <a:bodyPr>
+            <a:normAutofit/>
+          </a:bodyPr>
+          <a:lstStyle/>
+          <a:p>
+            <a:r>
+              <a:rPr lang="tr-TR" sz="2800" b="1" dirty="0" smtClean="0"/>
               <a:t>İşletim Sistemleri</a:t>
             </a:r>
-            <a:endParaRPr lang="tr-TR" dirty="0"/>
+            <a:endParaRPr lang="tr-TR" sz="2800" b="1" dirty="0"/>
+          </a:p>
+        </p:txBody>
+      </p:sp>
+      <p:sp>
+        <p:nvSpPr>
+          <p:cNvPr id="4" name="Date Placeholder 3"/>
+          <p:cNvSpPr>
+            <a:spLocks noGrp="1"/>
+          </p:cNvSpPr>
+          <p:nvPr>
+            <p:ph type="dt" sz="half" idx="10"/>
+          </p:nvPr>
+        </p:nvSpPr>
+        <p:spPr/>
+        <p:txBody>
+          <a:bodyPr/>
+          <a:lstStyle/>
+          <a:p>
+            <a:r>
+              <a:rPr lang="en-US" smtClean="0"/>
+              <a:t>1/20/2023</a:t>
+            </a:r>
+            <a:endParaRPr lang="en-US" dirty="0"/>
+          </a:p>
+        </p:txBody>
+      </p:sp>
+      <p:sp>
+        <p:nvSpPr>
+          <p:cNvPr id="5" name="Footer Placeholder 4"/>
+          <p:cNvSpPr>
+            <a:spLocks noGrp="1"/>
+          </p:cNvSpPr>
+          <p:nvPr>
+            <p:ph type="ftr" sz="quarter" idx="11"/>
+          </p:nvPr>
+        </p:nvSpPr>
+        <p:spPr/>
+        <p:txBody>
+          <a:bodyPr/>
+          <a:lstStyle/>
+          <a:p>
+            <a:r>
+              <a:rPr lang="en-US" smtClean="0"/>
+              <a:t>Sercan KÜLCÜ, Tanenbaum, Modern Operating Systems 3e kitabından faydalanılmıştır. Tüm hakları saklıdır.</a:t>
+            </a:r>
+            <a:endParaRPr lang="en-US" dirty="0"/>
+          </a:p>
+        </p:txBody>
+      </p:sp>
+      <p:sp>
+        <p:nvSpPr>
+          <p:cNvPr id="6" name="Slide Number Placeholder 5"/>
+          <p:cNvSpPr>
+            <a:spLocks noGrp="1"/>
+          </p:cNvSpPr>
+          <p:nvPr>
+            <p:ph type="sldNum" sz="quarter" idx="12"/>
+          </p:nvPr>
+        </p:nvSpPr>
+        <p:spPr/>
+        <p:txBody>
+          <a:bodyPr/>
+          <a:lstStyle/>
+          <a:p>
+            <a:fld id="{D57F1E4F-1CFF-5643-939E-217C01CDF565}" type="slidenum">
+              <a:rPr lang="en-US" smtClean="0"/>
+              <a:pPr/>
+              <a:t>1</a:t>
+            </a:fld>
+            <a:endParaRPr lang="en-US" dirty="0"/>
           </a:p>
         </p:txBody>
       </p:sp>
@@ -3297,6 +3904,76 @@
           </a:p>
         </p:txBody>
       </p:sp>
+      <p:sp>
+        <p:nvSpPr>
+          <p:cNvPr id="4" name="Date Placeholder 3"/>
+          <p:cNvSpPr>
+            <a:spLocks noGrp="1"/>
+          </p:cNvSpPr>
+          <p:nvPr>
+            <p:ph type="dt" sz="half" idx="10"/>
+          </p:nvPr>
+        </p:nvSpPr>
+        <p:spPr/>
+        <p:txBody>
+          <a:bodyPr/>
+          <a:lstStyle/>
+          <a:p>
+            <a:r>
+              <a:rPr lang="en-US" smtClean="0"/>
+              <a:t>1/20/2023</a:t>
+            </a:r>
+            <a:endParaRPr lang="en-US" dirty="0"/>
+          </a:p>
+        </p:txBody>
+      </p:sp>
+      <p:sp>
+        <p:nvSpPr>
+          <p:cNvPr id="5" name="Footer Placeholder 4"/>
+          <p:cNvSpPr>
+            <a:spLocks noGrp="1"/>
+          </p:cNvSpPr>
+          <p:nvPr>
+            <p:ph type="ftr" sz="quarter" idx="11"/>
+          </p:nvPr>
+        </p:nvSpPr>
+        <p:spPr/>
+        <p:txBody>
+          <a:bodyPr/>
+          <a:lstStyle/>
+          <a:p>
+            <a:r>
+              <a:rPr lang="en-US" smtClean="0"/>
+              <a:t>Sercan KÜLCÜ, Tanenbaum, Modern Operating Systems 3e kitabından faydalanılmıştır. Tüm hakları saklıdır.</a:t>
+            </a:r>
+            <a:endParaRPr lang="en-US" dirty="0"/>
+          </a:p>
+        </p:txBody>
+      </p:sp>
+      <p:sp>
+        <p:nvSpPr>
+          <p:cNvPr id="6" name="Slide Number Placeholder 5"/>
+          <p:cNvSpPr>
+            <a:spLocks noGrp="1"/>
+          </p:cNvSpPr>
+          <p:nvPr>
+            <p:ph type="sldNum" sz="quarter" idx="12"/>
+          </p:nvPr>
+        </p:nvSpPr>
+        <p:spPr/>
+        <p:txBody>
+          <a:bodyPr/>
+          <a:lstStyle/>
+          <a:p>
+            <a:fld id="{D57F1E4F-1CFF-5643-939E-217C01CDF565}" type="slidenum">
+              <a:rPr lang="en-US" smtClean="0"/>
+              <a:pPr/>
+              <a:t>10</a:t>
+            </a:fld>
+            <a:endParaRPr lang="en-US" dirty="0"/>
+          </a:p>
+        </p:txBody>
+      </p:sp>
     </p:spTree>
     <p:extLst>
       <p:ext uri="{BB962C8B-B14F-4D97-AF65-F5344CB8AC3E}">
@@ -3468,6 +4145,76 @@
           </a:p>
         </p:txBody>
       </p:sp>
+      <p:sp>
+        <p:nvSpPr>
+          <p:cNvPr id="4" name="Date Placeholder 3"/>
+          <p:cNvSpPr>
+            <a:spLocks noGrp="1"/>
+          </p:cNvSpPr>
+          <p:nvPr>
+            <p:ph type="dt" sz="half" idx="10"/>
+          </p:nvPr>
+        </p:nvSpPr>
+        <p:spPr/>
+        <p:txBody>
+          <a:bodyPr/>
+          <a:lstStyle/>
+          <a:p>
+            <a:r>
+              <a:rPr lang="en-US" smtClean="0"/>
+              <a:t>1/20/2023</a:t>
+            </a:r>
+            <a:endParaRPr lang="en-US" dirty="0"/>
+          </a:p>
+        </p:txBody>
+      </p:sp>
+      <p:sp>
+        <p:nvSpPr>
+          <p:cNvPr id="5" name="Footer Placeholder 4"/>
+          <p:cNvSpPr>
+            <a:spLocks noGrp="1"/>
+          </p:cNvSpPr>
+          <p:nvPr>
+            <p:ph type="ftr" sz="quarter" idx="11"/>
+          </p:nvPr>
+        </p:nvSpPr>
+        <p:spPr/>
+        <p:txBody>
+          <a:bodyPr/>
+          <a:lstStyle/>
+          <a:p>
+            <a:r>
+              <a:rPr lang="en-US" smtClean="0"/>
+              <a:t>Sercan KÜLCÜ, Tanenbaum, Modern Operating Systems 3e kitabından faydalanılmıştır. Tüm hakları saklıdır.</a:t>
+            </a:r>
+            <a:endParaRPr lang="en-US" dirty="0"/>
+          </a:p>
+        </p:txBody>
+      </p:sp>
+      <p:sp>
+        <p:nvSpPr>
+          <p:cNvPr id="6" name="Slide Number Placeholder 5"/>
+          <p:cNvSpPr>
+            <a:spLocks noGrp="1"/>
+          </p:cNvSpPr>
+          <p:nvPr>
+            <p:ph type="sldNum" sz="quarter" idx="12"/>
+          </p:nvPr>
+        </p:nvSpPr>
+        <p:spPr/>
+        <p:txBody>
+          <a:bodyPr/>
+          <a:lstStyle/>
+          <a:p>
+            <a:fld id="{D57F1E4F-1CFF-5643-939E-217C01CDF565}" type="slidenum">
+              <a:rPr lang="en-US" smtClean="0"/>
+              <a:pPr/>
+              <a:t>11</a:t>
+            </a:fld>
+            <a:endParaRPr lang="en-US" dirty="0"/>
+          </a:p>
+        </p:txBody>
+      </p:sp>
     </p:spTree>
     <p:extLst>
       <p:ext uri="{BB962C8B-B14F-4D97-AF65-F5344CB8AC3E}">
@@ -3673,6 +4420,76 @@
           </a:p>
         </p:txBody>
       </p:sp>
+      <p:sp>
+        <p:nvSpPr>
+          <p:cNvPr id="4" name="Date Placeholder 3"/>
+          <p:cNvSpPr>
+            <a:spLocks noGrp="1"/>
+          </p:cNvSpPr>
+          <p:nvPr>
+            <p:ph type="dt" sz="half" idx="10"/>
+          </p:nvPr>
+        </p:nvSpPr>
+        <p:spPr/>
+        <p:txBody>
+          <a:bodyPr/>
+          <a:lstStyle/>
+          <a:p>
+            <a:r>
+              <a:rPr lang="en-US" smtClean="0"/>
+              <a:t>1/20/2023</a:t>
+            </a:r>
+            <a:endParaRPr lang="en-US" dirty="0"/>
+          </a:p>
+        </p:txBody>
+      </p:sp>
+      <p:sp>
+        <p:nvSpPr>
+          <p:cNvPr id="5" name="Footer Placeholder 4"/>
+          <p:cNvSpPr>
+            <a:spLocks noGrp="1"/>
+          </p:cNvSpPr>
+          <p:nvPr>
+            <p:ph type="ftr" sz="quarter" idx="11"/>
+          </p:nvPr>
+        </p:nvSpPr>
+        <p:spPr/>
+        <p:txBody>
+          <a:bodyPr/>
+          <a:lstStyle/>
+          <a:p>
+            <a:r>
+              <a:rPr lang="en-US" smtClean="0"/>
+              <a:t>Sercan KÜLCÜ, Tanenbaum, Modern Operating Systems 3e kitabından faydalanılmıştır. Tüm hakları saklıdır.</a:t>
+            </a:r>
+            <a:endParaRPr lang="en-US" dirty="0"/>
+          </a:p>
+        </p:txBody>
+      </p:sp>
+      <p:sp>
+        <p:nvSpPr>
+          <p:cNvPr id="6" name="Slide Number Placeholder 5"/>
+          <p:cNvSpPr>
+            <a:spLocks noGrp="1"/>
+          </p:cNvSpPr>
+          <p:nvPr>
+            <p:ph type="sldNum" sz="quarter" idx="12"/>
+          </p:nvPr>
+        </p:nvSpPr>
+        <p:spPr/>
+        <p:txBody>
+          <a:bodyPr/>
+          <a:lstStyle/>
+          <a:p>
+            <a:fld id="{D57F1E4F-1CFF-5643-939E-217C01CDF565}" type="slidenum">
+              <a:rPr lang="en-US" smtClean="0"/>
+              <a:pPr/>
+              <a:t>12</a:t>
+            </a:fld>
+            <a:endParaRPr lang="en-US" dirty="0"/>
+          </a:p>
+        </p:txBody>
+      </p:sp>
     </p:spTree>
     <p:extLst>
       <p:ext uri="{BB962C8B-B14F-4D97-AF65-F5344CB8AC3E}">
@@ -3886,6 +4703,76 @@
           </a:p>
         </p:txBody>
       </p:sp>
+      <p:sp>
+        <p:nvSpPr>
+          <p:cNvPr id="4" name="Date Placeholder 3"/>
+          <p:cNvSpPr>
+            <a:spLocks noGrp="1"/>
+          </p:cNvSpPr>
+          <p:nvPr>
+            <p:ph type="dt" sz="half" idx="10"/>
+          </p:nvPr>
+        </p:nvSpPr>
+        <p:spPr/>
+        <p:txBody>
+          <a:bodyPr/>
+          <a:lstStyle/>
+          <a:p>
+            <a:r>
+              <a:rPr lang="en-US" smtClean="0"/>
+              <a:t>1/20/2023</a:t>
+            </a:r>
+            <a:endParaRPr lang="en-US" dirty="0"/>
+          </a:p>
+        </p:txBody>
+      </p:sp>
+      <p:sp>
+        <p:nvSpPr>
+          <p:cNvPr id="5" name="Footer Placeholder 4"/>
+          <p:cNvSpPr>
+            <a:spLocks noGrp="1"/>
+          </p:cNvSpPr>
+          <p:nvPr>
+            <p:ph type="ftr" sz="quarter" idx="11"/>
+          </p:nvPr>
+        </p:nvSpPr>
+        <p:spPr/>
+        <p:txBody>
+          <a:bodyPr/>
+          <a:lstStyle/>
+          <a:p>
+            <a:r>
+              <a:rPr lang="en-US" smtClean="0"/>
+              <a:t>Sercan KÜLCÜ, Tanenbaum, Modern Operating Systems 3e kitabından faydalanılmıştır. Tüm hakları saklıdır.</a:t>
+            </a:r>
+            <a:endParaRPr lang="en-US" dirty="0"/>
+          </a:p>
+        </p:txBody>
+      </p:sp>
+      <p:sp>
+        <p:nvSpPr>
+          <p:cNvPr id="6" name="Slide Number Placeholder 5"/>
+          <p:cNvSpPr>
+            <a:spLocks noGrp="1"/>
+          </p:cNvSpPr>
+          <p:nvPr>
+            <p:ph type="sldNum" sz="quarter" idx="12"/>
+          </p:nvPr>
+        </p:nvSpPr>
+        <p:spPr/>
+        <p:txBody>
+          <a:bodyPr/>
+          <a:lstStyle/>
+          <a:p>
+            <a:fld id="{D57F1E4F-1CFF-5643-939E-217C01CDF565}" type="slidenum">
+              <a:rPr lang="en-US" smtClean="0"/>
+              <a:pPr/>
+              <a:t>13</a:t>
+            </a:fld>
+            <a:endParaRPr lang="en-US" dirty="0"/>
+          </a:p>
+        </p:txBody>
+      </p:sp>
     </p:spTree>
     <p:extLst>
       <p:ext uri="{BB962C8B-B14F-4D97-AF65-F5344CB8AC3E}">
@@ -4037,6 +4924,76 @@
           </a:p>
         </p:txBody>
       </p:sp>
+      <p:sp>
+        <p:nvSpPr>
+          <p:cNvPr id="4" name="Date Placeholder 3"/>
+          <p:cNvSpPr>
+            <a:spLocks noGrp="1"/>
+          </p:cNvSpPr>
+          <p:nvPr>
+            <p:ph type="dt" sz="half" idx="10"/>
+          </p:nvPr>
+        </p:nvSpPr>
+        <p:spPr/>
+        <p:txBody>
+          <a:bodyPr/>
+          <a:lstStyle/>
+          <a:p>
+            <a:r>
+              <a:rPr lang="en-US" smtClean="0"/>
+              <a:t>1/20/2023</a:t>
+            </a:r>
+            <a:endParaRPr lang="en-US" dirty="0"/>
+          </a:p>
+        </p:txBody>
+      </p:sp>
+      <p:sp>
+        <p:nvSpPr>
+          <p:cNvPr id="5" name="Footer Placeholder 4"/>
+          <p:cNvSpPr>
+            <a:spLocks noGrp="1"/>
+          </p:cNvSpPr>
+          <p:nvPr>
+            <p:ph type="ftr" sz="quarter" idx="11"/>
+          </p:nvPr>
+        </p:nvSpPr>
+        <p:spPr/>
+        <p:txBody>
+          <a:bodyPr/>
+          <a:lstStyle/>
+          <a:p>
+            <a:r>
+              <a:rPr lang="en-US" smtClean="0"/>
+              <a:t>Sercan KÜLCÜ, Tanenbaum, Modern Operating Systems 3e kitabından faydalanılmıştır. Tüm hakları saklıdır.</a:t>
+            </a:r>
+            <a:endParaRPr lang="en-US" dirty="0"/>
+          </a:p>
+        </p:txBody>
+      </p:sp>
+      <p:sp>
+        <p:nvSpPr>
+          <p:cNvPr id="6" name="Slide Number Placeholder 5"/>
+          <p:cNvSpPr>
+            <a:spLocks noGrp="1"/>
+          </p:cNvSpPr>
+          <p:nvPr>
+            <p:ph type="sldNum" sz="quarter" idx="12"/>
+          </p:nvPr>
+        </p:nvSpPr>
+        <p:spPr/>
+        <p:txBody>
+          <a:bodyPr/>
+          <a:lstStyle/>
+          <a:p>
+            <a:fld id="{D57F1E4F-1CFF-5643-939E-217C01CDF565}" type="slidenum">
+              <a:rPr lang="en-US" smtClean="0"/>
+              <a:pPr/>
+              <a:t>14</a:t>
+            </a:fld>
+            <a:endParaRPr lang="en-US" dirty="0"/>
+          </a:p>
+        </p:txBody>
+      </p:sp>
     </p:spTree>
     <p:extLst>
       <p:ext uri="{BB962C8B-B14F-4D97-AF65-F5344CB8AC3E}">
@@ -4286,6 +5243,76 @@
           </a:p>
           <a:p>
             <a:endParaRPr lang="tr-TR" dirty="0"/>
+          </a:p>
+        </p:txBody>
+      </p:sp>
+      <p:sp>
+        <p:nvSpPr>
+          <p:cNvPr id="4" name="Date Placeholder 3"/>
+          <p:cNvSpPr>
+            <a:spLocks noGrp="1"/>
+          </p:cNvSpPr>
+          <p:nvPr>
+            <p:ph type="dt" sz="half" idx="10"/>
+          </p:nvPr>
+        </p:nvSpPr>
+        <p:spPr/>
+        <p:txBody>
+          <a:bodyPr/>
+          <a:lstStyle/>
+          <a:p>
+            <a:r>
+              <a:rPr lang="en-US" smtClean="0"/>
+              <a:t>1/20/2023</a:t>
+            </a:r>
+            <a:endParaRPr lang="en-US" dirty="0"/>
+          </a:p>
+        </p:txBody>
+      </p:sp>
+      <p:sp>
+        <p:nvSpPr>
+          <p:cNvPr id="5" name="Footer Placeholder 4"/>
+          <p:cNvSpPr>
+            <a:spLocks noGrp="1"/>
+          </p:cNvSpPr>
+          <p:nvPr>
+            <p:ph type="ftr" sz="quarter" idx="11"/>
+          </p:nvPr>
+        </p:nvSpPr>
+        <p:spPr/>
+        <p:txBody>
+          <a:bodyPr/>
+          <a:lstStyle/>
+          <a:p>
+            <a:r>
+              <a:rPr lang="en-US" smtClean="0"/>
+              <a:t>Sercan KÜLCÜ, Tanenbaum, Modern Operating Systems 3e kitabından faydalanılmıştır. Tüm hakları saklıdır.</a:t>
+            </a:r>
+            <a:endParaRPr lang="en-US" dirty="0"/>
+          </a:p>
+        </p:txBody>
+      </p:sp>
+      <p:sp>
+        <p:nvSpPr>
+          <p:cNvPr id="6" name="Slide Number Placeholder 5"/>
+          <p:cNvSpPr>
+            <a:spLocks noGrp="1"/>
+          </p:cNvSpPr>
+          <p:nvPr>
+            <p:ph type="sldNum" sz="quarter" idx="12"/>
+          </p:nvPr>
+        </p:nvSpPr>
+        <p:spPr/>
+        <p:txBody>
+          <a:bodyPr/>
+          <a:lstStyle/>
+          <a:p>
+            <a:fld id="{D57F1E4F-1CFF-5643-939E-217C01CDF565}" type="slidenum">
+              <a:rPr lang="en-US" smtClean="0"/>
+              <a:pPr/>
+              <a:t>15</a:t>
+            </a:fld>
+            <a:endParaRPr lang="en-US" dirty="0"/>
           </a:p>
         </p:txBody>
       </p:sp>
@@ -4493,6 +5520,76 @@
           </a:extLst>
         </p:spPr>
       </p:pic>
+      <p:sp>
+        <p:nvSpPr>
+          <p:cNvPr id="5" name="Date Placeholder 4"/>
+          <p:cNvSpPr>
+            <a:spLocks noGrp="1"/>
+          </p:cNvSpPr>
+          <p:nvPr>
+            <p:ph type="dt" sz="half" idx="10"/>
+          </p:nvPr>
+        </p:nvSpPr>
+        <p:spPr/>
+        <p:txBody>
+          <a:bodyPr/>
+          <a:lstStyle/>
+          <a:p>
+            <a:r>
+              <a:rPr lang="en-US" smtClean="0"/>
+              <a:t>1/20/2023</a:t>
+            </a:r>
+            <a:endParaRPr lang="en-US" dirty="0"/>
+          </a:p>
+        </p:txBody>
+      </p:sp>
+      <p:sp>
+        <p:nvSpPr>
+          <p:cNvPr id="6" name="Footer Placeholder 5"/>
+          <p:cNvSpPr>
+            <a:spLocks noGrp="1"/>
+          </p:cNvSpPr>
+          <p:nvPr>
+            <p:ph type="ftr" sz="quarter" idx="11"/>
+          </p:nvPr>
+        </p:nvSpPr>
+        <p:spPr/>
+        <p:txBody>
+          <a:bodyPr/>
+          <a:lstStyle/>
+          <a:p>
+            <a:r>
+              <a:rPr lang="en-US" smtClean="0"/>
+              <a:t>Sercan KÜLCÜ, Tanenbaum, Modern Operating Systems 3e kitabından faydalanılmıştır. Tüm hakları saklıdır.</a:t>
+            </a:r>
+            <a:endParaRPr lang="en-US" dirty="0"/>
+          </a:p>
+        </p:txBody>
+      </p:sp>
+      <p:sp>
+        <p:nvSpPr>
+          <p:cNvPr id="7" name="Slide Number Placeholder 6"/>
+          <p:cNvSpPr>
+            <a:spLocks noGrp="1"/>
+          </p:cNvSpPr>
+          <p:nvPr>
+            <p:ph type="sldNum" sz="quarter" idx="12"/>
+          </p:nvPr>
+        </p:nvSpPr>
+        <p:spPr/>
+        <p:txBody>
+          <a:bodyPr/>
+          <a:lstStyle/>
+          <a:p>
+            <a:fld id="{D57F1E4F-1CFF-5643-939E-217C01CDF565}" type="slidenum">
+              <a:rPr lang="en-US" smtClean="0"/>
+              <a:pPr/>
+              <a:t>16</a:t>
+            </a:fld>
+            <a:endParaRPr lang="en-US" dirty="0"/>
+          </a:p>
+        </p:txBody>
+      </p:sp>
     </p:spTree>
     <p:extLst>
       <p:ext uri="{BB962C8B-B14F-4D97-AF65-F5344CB8AC3E}">
@@ -4734,6 +5831,76 @@
           </a:extLst>
         </p:spPr>
       </p:pic>
+      <p:sp>
+        <p:nvSpPr>
+          <p:cNvPr id="5" name="Date Placeholder 4"/>
+          <p:cNvSpPr>
+            <a:spLocks noGrp="1"/>
+          </p:cNvSpPr>
+          <p:nvPr>
+            <p:ph type="dt" sz="half" idx="10"/>
+          </p:nvPr>
+        </p:nvSpPr>
+        <p:spPr/>
+        <p:txBody>
+          <a:bodyPr/>
+          <a:lstStyle/>
+          <a:p>
+            <a:r>
+              <a:rPr lang="en-US" smtClean="0"/>
+              <a:t>1/20/2023</a:t>
+            </a:r>
+            <a:endParaRPr lang="en-US" dirty="0"/>
+          </a:p>
+        </p:txBody>
+      </p:sp>
+      <p:sp>
+        <p:nvSpPr>
+          <p:cNvPr id="6" name="Footer Placeholder 5"/>
+          <p:cNvSpPr>
+            <a:spLocks noGrp="1"/>
+          </p:cNvSpPr>
+          <p:nvPr>
+            <p:ph type="ftr" sz="quarter" idx="11"/>
+          </p:nvPr>
+        </p:nvSpPr>
+        <p:spPr/>
+        <p:txBody>
+          <a:bodyPr/>
+          <a:lstStyle/>
+          <a:p>
+            <a:r>
+              <a:rPr lang="en-US" smtClean="0"/>
+              <a:t>Sercan KÜLCÜ, Tanenbaum, Modern Operating Systems 3e kitabından faydalanılmıştır. Tüm hakları saklıdır.</a:t>
+            </a:r>
+            <a:endParaRPr lang="en-US" dirty="0"/>
+          </a:p>
+        </p:txBody>
+      </p:sp>
+      <p:sp>
+        <p:nvSpPr>
+          <p:cNvPr id="7" name="Slide Number Placeholder 6"/>
+          <p:cNvSpPr>
+            <a:spLocks noGrp="1"/>
+          </p:cNvSpPr>
+          <p:nvPr>
+            <p:ph type="sldNum" sz="quarter" idx="12"/>
+          </p:nvPr>
+        </p:nvSpPr>
+        <p:spPr/>
+        <p:txBody>
+          <a:bodyPr/>
+          <a:lstStyle/>
+          <a:p>
+            <a:fld id="{D57F1E4F-1CFF-5643-939E-217C01CDF565}" type="slidenum">
+              <a:rPr lang="en-US" smtClean="0"/>
+              <a:pPr/>
+              <a:t>17</a:t>
+            </a:fld>
+            <a:endParaRPr lang="en-US" dirty="0"/>
+          </a:p>
+        </p:txBody>
+      </p:sp>
     </p:spTree>
     <p:extLst>
       <p:ext uri="{BB962C8B-B14F-4D97-AF65-F5344CB8AC3E}">
@@ -4917,6 +6084,76 @@
           </a:extLst>
         </p:spPr>
       </p:pic>
+      <p:sp>
+        <p:nvSpPr>
+          <p:cNvPr id="5" name="Date Placeholder 4"/>
+          <p:cNvSpPr>
+            <a:spLocks noGrp="1"/>
+          </p:cNvSpPr>
+          <p:nvPr>
+            <p:ph type="dt" sz="half" idx="10"/>
+          </p:nvPr>
+        </p:nvSpPr>
+        <p:spPr/>
+        <p:txBody>
+          <a:bodyPr/>
+          <a:lstStyle/>
+          <a:p>
+            <a:r>
+              <a:rPr lang="en-US" smtClean="0"/>
+              <a:t>1/20/2023</a:t>
+            </a:r>
+            <a:endParaRPr lang="en-US" dirty="0"/>
+          </a:p>
+        </p:txBody>
+      </p:sp>
+      <p:sp>
+        <p:nvSpPr>
+          <p:cNvPr id="6" name="Footer Placeholder 5"/>
+          <p:cNvSpPr>
+            <a:spLocks noGrp="1"/>
+          </p:cNvSpPr>
+          <p:nvPr>
+            <p:ph type="ftr" sz="quarter" idx="11"/>
+          </p:nvPr>
+        </p:nvSpPr>
+        <p:spPr/>
+        <p:txBody>
+          <a:bodyPr/>
+          <a:lstStyle/>
+          <a:p>
+            <a:r>
+              <a:rPr lang="en-US" smtClean="0"/>
+              <a:t>Sercan KÜLCÜ, Tanenbaum, Modern Operating Systems 3e kitabından faydalanılmıştır. Tüm hakları saklıdır.</a:t>
+            </a:r>
+            <a:endParaRPr lang="en-US" dirty="0"/>
+          </a:p>
+        </p:txBody>
+      </p:sp>
+      <p:sp>
+        <p:nvSpPr>
+          <p:cNvPr id="7" name="Slide Number Placeholder 6"/>
+          <p:cNvSpPr>
+            <a:spLocks noGrp="1"/>
+          </p:cNvSpPr>
+          <p:nvPr>
+            <p:ph type="sldNum" sz="quarter" idx="12"/>
+          </p:nvPr>
+        </p:nvSpPr>
+        <p:spPr/>
+        <p:txBody>
+          <a:bodyPr/>
+          <a:lstStyle/>
+          <a:p>
+            <a:fld id="{D57F1E4F-1CFF-5643-939E-217C01CDF565}" type="slidenum">
+              <a:rPr lang="en-US" smtClean="0"/>
+              <a:pPr/>
+              <a:t>18</a:t>
+            </a:fld>
+            <a:endParaRPr lang="en-US" dirty="0"/>
+          </a:p>
+        </p:txBody>
+      </p:sp>
     </p:spTree>
     <p:extLst>
       <p:ext uri="{BB962C8B-B14F-4D97-AF65-F5344CB8AC3E}">
@@ -5119,6 +6356,76 @@
           </a:p>
         </p:txBody>
       </p:sp>
+      <p:sp>
+        <p:nvSpPr>
+          <p:cNvPr id="4" name="Date Placeholder 3"/>
+          <p:cNvSpPr>
+            <a:spLocks noGrp="1"/>
+          </p:cNvSpPr>
+          <p:nvPr>
+            <p:ph type="dt" sz="half" idx="10"/>
+          </p:nvPr>
+        </p:nvSpPr>
+        <p:spPr/>
+        <p:txBody>
+          <a:bodyPr/>
+          <a:lstStyle/>
+          <a:p>
+            <a:r>
+              <a:rPr lang="en-US" smtClean="0"/>
+              <a:t>1/20/2023</a:t>
+            </a:r>
+            <a:endParaRPr lang="en-US" dirty="0"/>
+          </a:p>
+        </p:txBody>
+      </p:sp>
+      <p:sp>
+        <p:nvSpPr>
+          <p:cNvPr id="5" name="Footer Placeholder 4"/>
+          <p:cNvSpPr>
+            <a:spLocks noGrp="1"/>
+          </p:cNvSpPr>
+          <p:nvPr>
+            <p:ph type="ftr" sz="quarter" idx="11"/>
+          </p:nvPr>
+        </p:nvSpPr>
+        <p:spPr/>
+        <p:txBody>
+          <a:bodyPr/>
+          <a:lstStyle/>
+          <a:p>
+            <a:r>
+              <a:rPr lang="en-US" smtClean="0"/>
+              <a:t>Sercan KÜLCÜ, Tanenbaum, Modern Operating Systems 3e kitabından faydalanılmıştır. Tüm hakları saklıdır.</a:t>
+            </a:r>
+            <a:endParaRPr lang="en-US" dirty="0"/>
+          </a:p>
+        </p:txBody>
+      </p:sp>
+      <p:sp>
+        <p:nvSpPr>
+          <p:cNvPr id="6" name="Slide Number Placeholder 5"/>
+          <p:cNvSpPr>
+            <a:spLocks noGrp="1"/>
+          </p:cNvSpPr>
+          <p:nvPr>
+            <p:ph type="sldNum" sz="quarter" idx="12"/>
+          </p:nvPr>
+        </p:nvSpPr>
+        <p:spPr/>
+        <p:txBody>
+          <a:bodyPr/>
+          <a:lstStyle/>
+          <a:p>
+            <a:fld id="{D57F1E4F-1CFF-5643-939E-217C01CDF565}" type="slidenum">
+              <a:rPr lang="en-US" smtClean="0"/>
+              <a:pPr/>
+              <a:t>19</a:t>
+            </a:fld>
+            <a:endParaRPr lang="en-US" dirty="0"/>
+          </a:p>
+        </p:txBody>
+      </p:sp>
     </p:spTree>
     <p:extLst>
       <p:ext uri="{BB962C8B-B14F-4D97-AF65-F5344CB8AC3E}">
@@ -5252,6 +6559,76 @@
               <a:rPr lang="tr-TR" dirty="0"/>
               <a:t>G/Ç cihazları</a:t>
             </a:r>
+          </a:p>
+        </p:txBody>
+      </p:sp>
+      <p:sp>
+        <p:nvSpPr>
+          <p:cNvPr id="4" name="Date Placeholder 3"/>
+          <p:cNvSpPr>
+            <a:spLocks noGrp="1"/>
+          </p:cNvSpPr>
+          <p:nvPr>
+            <p:ph type="dt" sz="half" idx="10"/>
+          </p:nvPr>
+        </p:nvSpPr>
+        <p:spPr/>
+        <p:txBody>
+          <a:bodyPr/>
+          <a:lstStyle/>
+          <a:p>
+            <a:r>
+              <a:rPr lang="en-US" smtClean="0"/>
+              <a:t>1/20/2023</a:t>
+            </a:r>
+            <a:endParaRPr lang="en-US" dirty="0"/>
+          </a:p>
+        </p:txBody>
+      </p:sp>
+      <p:sp>
+        <p:nvSpPr>
+          <p:cNvPr id="5" name="Footer Placeholder 4"/>
+          <p:cNvSpPr>
+            <a:spLocks noGrp="1"/>
+          </p:cNvSpPr>
+          <p:nvPr>
+            <p:ph type="ftr" sz="quarter" idx="11"/>
+          </p:nvPr>
+        </p:nvSpPr>
+        <p:spPr/>
+        <p:txBody>
+          <a:bodyPr/>
+          <a:lstStyle/>
+          <a:p>
+            <a:r>
+              <a:rPr lang="en-US" smtClean="0"/>
+              <a:t>Sercan KÜLCÜ, Tanenbaum, Modern Operating Systems 3e kitabından faydalanılmıştır. Tüm hakları saklıdır.</a:t>
+            </a:r>
+            <a:endParaRPr lang="en-US" dirty="0"/>
+          </a:p>
+        </p:txBody>
+      </p:sp>
+      <p:sp>
+        <p:nvSpPr>
+          <p:cNvPr id="6" name="Slide Number Placeholder 5"/>
+          <p:cNvSpPr>
+            <a:spLocks noGrp="1"/>
+          </p:cNvSpPr>
+          <p:nvPr>
+            <p:ph type="sldNum" sz="quarter" idx="12"/>
+          </p:nvPr>
+        </p:nvSpPr>
+        <p:spPr/>
+        <p:txBody>
+          <a:bodyPr/>
+          <a:lstStyle/>
+          <a:p>
+            <a:fld id="{D57F1E4F-1CFF-5643-939E-217C01CDF565}" type="slidenum">
+              <a:rPr lang="en-US" smtClean="0"/>
+              <a:pPr/>
+              <a:t>2</a:t>
+            </a:fld>
+            <a:endParaRPr lang="en-US" dirty="0"/>
           </a:p>
         </p:txBody>
       </p:sp>
@@ -5418,6 +6795,76 @@
           </a:extLst>
         </p:spPr>
       </p:pic>
+      <p:sp>
+        <p:nvSpPr>
+          <p:cNvPr id="5" name="Date Placeholder 4"/>
+          <p:cNvSpPr>
+            <a:spLocks noGrp="1"/>
+          </p:cNvSpPr>
+          <p:nvPr>
+            <p:ph type="dt" sz="half" idx="10"/>
+          </p:nvPr>
+        </p:nvSpPr>
+        <p:spPr/>
+        <p:txBody>
+          <a:bodyPr/>
+          <a:lstStyle/>
+          <a:p>
+            <a:r>
+              <a:rPr lang="en-US" smtClean="0"/>
+              <a:t>1/20/2023</a:t>
+            </a:r>
+            <a:endParaRPr lang="en-US" dirty="0"/>
+          </a:p>
+        </p:txBody>
+      </p:sp>
+      <p:sp>
+        <p:nvSpPr>
+          <p:cNvPr id="6" name="Footer Placeholder 5"/>
+          <p:cNvSpPr>
+            <a:spLocks noGrp="1"/>
+          </p:cNvSpPr>
+          <p:nvPr>
+            <p:ph type="ftr" sz="quarter" idx="11"/>
+          </p:nvPr>
+        </p:nvSpPr>
+        <p:spPr/>
+        <p:txBody>
+          <a:bodyPr/>
+          <a:lstStyle/>
+          <a:p>
+            <a:r>
+              <a:rPr lang="en-US" smtClean="0"/>
+              <a:t>Sercan KÜLCÜ, Tanenbaum, Modern Operating Systems 3e kitabından faydalanılmıştır. Tüm hakları saklıdır.</a:t>
+            </a:r>
+            <a:endParaRPr lang="en-US" dirty="0"/>
+          </a:p>
+        </p:txBody>
+      </p:sp>
+      <p:sp>
+        <p:nvSpPr>
+          <p:cNvPr id="7" name="Slide Number Placeholder 6"/>
+          <p:cNvSpPr>
+            <a:spLocks noGrp="1"/>
+          </p:cNvSpPr>
+          <p:nvPr>
+            <p:ph type="sldNum" sz="quarter" idx="12"/>
+          </p:nvPr>
+        </p:nvSpPr>
+        <p:spPr/>
+        <p:txBody>
+          <a:bodyPr/>
+          <a:lstStyle/>
+          <a:p>
+            <a:fld id="{D57F1E4F-1CFF-5643-939E-217C01CDF565}" type="slidenum">
+              <a:rPr lang="en-US" smtClean="0"/>
+              <a:pPr/>
+              <a:t>20</a:t>
+            </a:fld>
+            <a:endParaRPr lang="en-US" dirty="0"/>
+          </a:p>
+        </p:txBody>
+      </p:sp>
     </p:spTree>
     <p:extLst>
       <p:ext uri="{BB962C8B-B14F-4D97-AF65-F5344CB8AC3E}">
@@ -5587,6 +7034,76 @@
           </a:p>
           <a:p>
             <a:endParaRPr lang="tr-TR" dirty="0"/>
+          </a:p>
+        </p:txBody>
+      </p:sp>
+      <p:sp>
+        <p:nvSpPr>
+          <p:cNvPr id="4" name="Date Placeholder 3"/>
+          <p:cNvSpPr>
+            <a:spLocks noGrp="1"/>
+          </p:cNvSpPr>
+          <p:nvPr>
+            <p:ph type="dt" sz="half" idx="10"/>
+          </p:nvPr>
+        </p:nvSpPr>
+        <p:spPr/>
+        <p:txBody>
+          <a:bodyPr/>
+          <a:lstStyle/>
+          <a:p>
+            <a:r>
+              <a:rPr lang="en-US" smtClean="0"/>
+              <a:t>1/20/2023</a:t>
+            </a:r>
+            <a:endParaRPr lang="en-US" dirty="0"/>
+          </a:p>
+        </p:txBody>
+      </p:sp>
+      <p:sp>
+        <p:nvSpPr>
+          <p:cNvPr id="5" name="Footer Placeholder 4"/>
+          <p:cNvSpPr>
+            <a:spLocks noGrp="1"/>
+          </p:cNvSpPr>
+          <p:nvPr>
+            <p:ph type="ftr" sz="quarter" idx="11"/>
+          </p:nvPr>
+        </p:nvSpPr>
+        <p:spPr/>
+        <p:txBody>
+          <a:bodyPr/>
+          <a:lstStyle/>
+          <a:p>
+            <a:r>
+              <a:rPr lang="en-US" smtClean="0"/>
+              <a:t>Sercan KÜLCÜ, Tanenbaum, Modern Operating Systems 3e kitabından faydalanılmıştır. Tüm hakları saklıdır.</a:t>
+            </a:r>
+            <a:endParaRPr lang="en-US" dirty="0"/>
+          </a:p>
+        </p:txBody>
+      </p:sp>
+      <p:sp>
+        <p:nvSpPr>
+          <p:cNvPr id="6" name="Slide Number Placeholder 5"/>
+          <p:cNvSpPr>
+            <a:spLocks noGrp="1"/>
+          </p:cNvSpPr>
+          <p:nvPr>
+            <p:ph type="sldNum" sz="quarter" idx="12"/>
+          </p:nvPr>
+        </p:nvSpPr>
+        <p:spPr/>
+        <p:txBody>
+          <a:bodyPr/>
+          <a:lstStyle/>
+          <a:p>
+            <a:fld id="{D57F1E4F-1CFF-5643-939E-217C01CDF565}" type="slidenum">
+              <a:rPr lang="en-US" smtClean="0"/>
+              <a:pPr/>
+              <a:t>21</a:t>
+            </a:fld>
+            <a:endParaRPr lang="en-US" dirty="0"/>
           </a:p>
         </p:txBody>
       </p:sp>
@@ -5736,6 +7253,76 @@
           </a:extLst>
         </p:spPr>
       </p:pic>
+      <p:sp>
+        <p:nvSpPr>
+          <p:cNvPr id="5" name="Date Placeholder 4"/>
+          <p:cNvSpPr>
+            <a:spLocks noGrp="1"/>
+          </p:cNvSpPr>
+          <p:nvPr>
+            <p:ph type="dt" sz="half" idx="10"/>
+          </p:nvPr>
+        </p:nvSpPr>
+        <p:spPr/>
+        <p:txBody>
+          <a:bodyPr/>
+          <a:lstStyle/>
+          <a:p>
+            <a:r>
+              <a:rPr lang="en-US" smtClean="0"/>
+              <a:t>1/20/2023</a:t>
+            </a:r>
+            <a:endParaRPr lang="en-US" dirty="0"/>
+          </a:p>
+        </p:txBody>
+      </p:sp>
+      <p:sp>
+        <p:nvSpPr>
+          <p:cNvPr id="6" name="Footer Placeholder 5"/>
+          <p:cNvSpPr>
+            <a:spLocks noGrp="1"/>
+          </p:cNvSpPr>
+          <p:nvPr>
+            <p:ph type="ftr" sz="quarter" idx="11"/>
+          </p:nvPr>
+        </p:nvSpPr>
+        <p:spPr/>
+        <p:txBody>
+          <a:bodyPr/>
+          <a:lstStyle/>
+          <a:p>
+            <a:r>
+              <a:rPr lang="en-US" smtClean="0"/>
+              <a:t>Sercan KÜLCÜ, Tanenbaum, Modern Operating Systems 3e kitabından faydalanılmıştır. Tüm hakları saklıdır.</a:t>
+            </a:r>
+            <a:endParaRPr lang="en-US" dirty="0"/>
+          </a:p>
+        </p:txBody>
+      </p:sp>
+      <p:sp>
+        <p:nvSpPr>
+          <p:cNvPr id="7" name="Slide Number Placeholder 6"/>
+          <p:cNvSpPr>
+            <a:spLocks noGrp="1"/>
+          </p:cNvSpPr>
+          <p:nvPr>
+            <p:ph type="sldNum" sz="quarter" idx="12"/>
+          </p:nvPr>
+        </p:nvSpPr>
+        <p:spPr/>
+        <p:txBody>
+          <a:bodyPr/>
+          <a:lstStyle/>
+          <a:p>
+            <a:fld id="{D57F1E4F-1CFF-5643-939E-217C01CDF565}" type="slidenum">
+              <a:rPr lang="en-US" smtClean="0"/>
+              <a:pPr/>
+              <a:t>22</a:t>
+            </a:fld>
+            <a:endParaRPr lang="en-US" dirty="0"/>
+          </a:p>
+        </p:txBody>
+      </p:sp>
     </p:spTree>
     <p:extLst>
       <p:ext uri="{BB962C8B-B14F-4D97-AF65-F5344CB8AC3E}">
@@ -5904,6 +7491,76 @@
           </a:p>
         </p:txBody>
       </p:sp>
+      <p:sp>
+        <p:nvSpPr>
+          <p:cNvPr id="4" name="Date Placeholder 3"/>
+          <p:cNvSpPr>
+            <a:spLocks noGrp="1"/>
+          </p:cNvSpPr>
+          <p:nvPr>
+            <p:ph type="dt" sz="half" idx="10"/>
+          </p:nvPr>
+        </p:nvSpPr>
+        <p:spPr/>
+        <p:txBody>
+          <a:bodyPr/>
+          <a:lstStyle/>
+          <a:p>
+            <a:r>
+              <a:rPr lang="en-US" smtClean="0"/>
+              <a:t>1/20/2023</a:t>
+            </a:r>
+            <a:endParaRPr lang="en-US" dirty="0"/>
+          </a:p>
+        </p:txBody>
+      </p:sp>
+      <p:sp>
+        <p:nvSpPr>
+          <p:cNvPr id="5" name="Footer Placeholder 4"/>
+          <p:cNvSpPr>
+            <a:spLocks noGrp="1"/>
+          </p:cNvSpPr>
+          <p:nvPr>
+            <p:ph type="ftr" sz="quarter" idx="11"/>
+          </p:nvPr>
+        </p:nvSpPr>
+        <p:spPr/>
+        <p:txBody>
+          <a:bodyPr/>
+          <a:lstStyle/>
+          <a:p>
+            <a:r>
+              <a:rPr lang="en-US" smtClean="0"/>
+              <a:t>Sercan KÜLCÜ, Tanenbaum, Modern Operating Systems 3e kitabından faydalanılmıştır. Tüm hakları saklıdır.</a:t>
+            </a:r>
+            <a:endParaRPr lang="en-US" dirty="0"/>
+          </a:p>
+        </p:txBody>
+      </p:sp>
+      <p:sp>
+        <p:nvSpPr>
+          <p:cNvPr id="6" name="Slide Number Placeholder 5"/>
+          <p:cNvSpPr>
+            <a:spLocks noGrp="1"/>
+          </p:cNvSpPr>
+          <p:nvPr>
+            <p:ph type="sldNum" sz="quarter" idx="12"/>
+          </p:nvPr>
+        </p:nvSpPr>
+        <p:spPr/>
+        <p:txBody>
+          <a:bodyPr/>
+          <a:lstStyle/>
+          <a:p>
+            <a:fld id="{D57F1E4F-1CFF-5643-939E-217C01CDF565}" type="slidenum">
+              <a:rPr lang="en-US" smtClean="0"/>
+              <a:pPr/>
+              <a:t>23</a:t>
+            </a:fld>
+            <a:endParaRPr lang="en-US" dirty="0"/>
+          </a:p>
+        </p:txBody>
+      </p:sp>
     </p:spTree>
     <p:extLst>
       <p:ext uri="{BB962C8B-B14F-4D97-AF65-F5344CB8AC3E}">
@@ -6159,6 +7816,76 @@
           </a:p>
           <a:p>
             <a:endParaRPr lang="tr-TR" dirty="0"/>
+          </a:p>
+        </p:txBody>
+      </p:sp>
+      <p:sp>
+        <p:nvSpPr>
+          <p:cNvPr id="4" name="Date Placeholder 3"/>
+          <p:cNvSpPr>
+            <a:spLocks noGrp="1"/>
+          </p:cNvSpPr>
+          <p:nvPr>
+            <p:ph type="dt" sz="half" idx="10"/>
+          </p:nvPr>
+        </p:nvSpPr>
+        <p:spPr/>
+        <p:txBody>
+          <a:bodyPr/>
+          <a:lstStyle/>
+          <a:p>
+            <a:r>
+              <a:rPr lang="en-US" smtClean="0"/>
+              <a:t>1/20/2023</a:t>
+            </a:r>
+            <a:endParaRPr lang="en-US" dirty="0"/>
+          </a:p>
+        </p:txBody>
+      </p:sp>
+      <p:sp>
+        <p:nvSpPr>
+          <p:cNvPr id="5" name="Footer Placeholder 4"/>
+          <p:cNvSpPr>
+            <a:spLocks noGrp="1"/>
+          </p:cNvSpPr>
+          <p:nvPr>
+            <p:ph type="ftr" sz="quarter" idx="11"/>
+          </p:nvPr>
+        </p:nvSpPr>
+        <p:spPr/>
+        <p:txBody>
+          <a:bodyPr/>
+          <a:lstStyle/>
+          <a:p>
+            <a:r>
+              <a:rPr lang="en-US" smtClean="0"/>
+              <a:t>Sercan KÜLCÜ, Tanenbaum, Modern Operating Systems 3e kitabından faydalanılmıştır. Tüm hakları saklıdır.</a:t>
+            </a:r>
+            <a:endParaRPr lang="en-US" dirty="0"/>
+          </a:p>
+        </p:txBody>
+      </p:sp>
+      <p:sp>
+        <p:nvSpPr>
+          <p:cNvPr id="6" name="Slide Number Placeholder 5"/>
+          <p:cNvSpPr>
+            <a:spLocks noGrp="1"/>
+          </p:cNvSpPr>
+          <p:nvPr>
+            <p:ph type="sldNum" sz="quarter" idx="12"/>
+          </p:nvPr>
+        </p:nvSpPr>
+        <p:spPr/>
+        <p:txBody>
+          <a:bodyPr/>
+          <a:lstStyle/>
+          <a:p>
+            <a:fld id="{D57F1E4F-1CFF-5643-939E-217C01CDF565}" type="slidenum">
+              <a:rPr lang="en-US" smtClean="0"/>
+              <a:pPr/>
+              <a:t>24</a:t>
+            </a:fld>
+            <a:endParaRPr lang="en-US" dirty="0"/>
           </a:p>
         </p:txBody>
       </p:sp>
@@ -6349,6 +8076,76 @@
           </a:extLst>
         </p:spPr>
       </p:pic>
+      <p:sp>
+        <p:nvSpPr>
+          <p:cNvPr id="5" name="Date Placeholder 4"/>
+          <p:cNvSpPr>
+            <a:spLocks noGrp="1"/>
+          </p:cNvSpPr>
+          <p:nvPr>
+            <p:ph type="dt" sz="half" idx="10"/>
+          </p:nvPr>
+        </p:nvSpPr>
+        <p:spPr/>
+        <p:txBody>
+          <a:bodyPr/>
+          <a:lstStyle/>
+          <a:p>
+            <a:r>
+              <a:rPr lang="en-US" smtClean="0"/>
+              <a:t>1/20/2023</a:t>
+            </a:r>
+            <a:endParaRPr lang="en-US" dirty="0"/>
+          </a:p>
+        </p:txBody>
+      </p:sp>
+      <p:sp>
+        <p:nvSpPr>
+          <p:cNvPr id="6" name="Footer Placeholder 5"/>
+          <p:cNvSpPr>
+            <a:spLocks noGrp="1"/>
+          </p:cNvSpPr>
+          <p:nvPr>
+            <p:ph type="ftr" sz="quarter" idx="11"/>
+          </p:nvPr>
+        </p:nvSpPr>
+        <p:spPr/>
+        <p:txBody>
+          <a:bodyPr/>
+          <a:lstStyle/>
+          <a:p>
+            <a:r>
+              <a:rPr lang="en-US" smtClean="0"/>
+              <a:t>Sercan KÜLCÜ, Tanenbaum, Modern Operating Systems 3e kitabından faydalanılmıştır. Tüm hakları saklıdır.</a:t>
+            </a:r>
+            <a:endParaRPr lang="en-US" dirty="0"/>
+          </a:p>
+        </p:txBody>
+      </p:sp>
+      <p:sp>
+        <p:nvSpPr>
+          <p:cNvPr id="7" name="Slide Number Placeholder 6"/>
+          <p:cNvSpPr>
+            <a:spLocks noGrp="1"/>
+          </p:cNvSpPr>
+          <p:nvPr>
+            <p:ph type="sldNum" sz="quarter" idx="12"/>
+          </p:nvPr>
+        </p:nvSpPr>
+        <p:spPr/>
+        <p:txBody>
+          <a:bodyPr/>
+          <a:lstStyle/>
+          <a:p>
+            <a:fld id="{D57F1E4F-1CFF-5643-939E-217C01CDF565}" type="slidenum">
+              <a:rPr lang="en-US" smtClean="0"/>
+              <a:pPr/>
+              <a:t>25</a:t>
+            </a:fld>
+            <a:endParaRPr lang="en-US" dirty="0"/>
+          </a:p>
+        </p:txBody>
+      </p:sp>
     </p:spTree>
     <p:extLst>
       <p:ext uri="{BB962C8B-B14F-4D97-AF65-F5344CB8AC3E}">
@@ -6503,6 +8300,76 @@
           </a:p>
           <a:p>
             <a:endParaRPr lang="tr-TR" dirty="0"/>
+          </a:p>
+        </p:txBody>
+      </p:sp>
+      <p:sp>
+        <p:nvSpPr>
+          <p:cNvPr id="4" name="Date Placeholder 3"/>
+          <p:cNvSpPr>
+            <a:spLocks noGrp="1"/>
+          </p:cNvSpPr>
+          <p:nvPr>
+            <p:ph type="dt" sz="half" idx="10"/>
+          </p:nvPr>
+        </p:nvSpPr>
+        <p:spPr/>
+        <p:txBody>
+          <a:bodyPr/>
+          <a:lstStyle/>
+          <a:p>
+            <a:r>
+              <a:rPr lang="en-US" smtClean="0"/>
+              <a:t>1/20/2023</a:t>
+            </a:r>
+            <a:endParaRPr lang="en-US" dirty="0"/>
+          </a:p>
+        </p:txBody>
+      </p:sp>
+      <p:sp>
+        <p:nvSpPr>
+          <p:cNvPr id="5" name="Footer Placeholder 4"/>
+          <p:cNvSpPr>
+            <a:spLocks noGrp="1"/>
+          </p:cNvSpPr>
+          <p:nvPr>
+            <p:ph type="ftr" sz="quarter" idx="11"/>
+          </p:nvPr>
+        </p:nvSpPr>
+        <p:spPr/>
+        <p:txBody>
+          <a:bodyPr/>
+          <a:lstStyle/>
+          <a:p>
+            <a:r>
+              <a:rPr lang="en-US" smtClean="0"/>
+              <a:t>Sercan KÜLCÜ, Tanenbaum, Modern Operating Systems 3e kitabından faydalanılmıştır. Tüm hakları saklıdır.</a:t>
+            </a:r>
+            <a:endParaRPr lang="en-US" dirty="0"/>
+          </a:p>
+        </p:txBody>
+      </p:sp>
+      <p:sp>
+        <p:nvSpPr>
+          <p:cNvPr id="6" name="Slide Number Placeholder 5"/>
+          <p:cNvSpPr>
+            <a:spLocks noGrp="1"/>
+          </p:cNvSpPr>
+          <p:nvPr>
+            <p:ph type="sldNum" sz="quarter" idx="12"/>
+          </p:nvPr>
+        </p:nvSpPr>
+        <p:spPr/>
+        <p:txBody>
+          <a:bodyPr/>
+          <a:lstStyle/>
+          <a:p>
+            <a:fld id="{D57F1E4F-1CFF-5643-939E-217C01CDF565}" type="slidenum">
+              <a:rPr lang="en-US" smtClean="0"/>
+              <a:pPr/>
+              <a:t>26</a:t>
+            </a:fld>
+            <a:endParaRPr lang="en-US" dirty="0"/>
           </a:p>
         </p:txBody>
       </p:sp>
@@ -6699,6 +8566,76 @@
           </a:extLst>
         </p:spPr>
       </p:pic>
+      <p:sp>
+        <p:nvSpPr>
+          <p:cNvPr id="5" name="Date Placeholder 4"/>
+          <p:cNvSpPr>
+            <a:spLocks noGrp="1"/>
+          </p:cNvSpPr>
+          <p:nvPr>
+            <p:ph type="dt" sz="half" idx="10"/>
+          </p:nvPr>
+        </p:nvSpPr>
+        <p:spPr/>
+        <p:txBody>
+          <a:bodyPr/>
+          <a:lstStyle/>
+          <a:p>
+            <a:r>
+              <a:rPr lang="en-US" smtClean="0"/>
+              <a:t>1/20/2023</a:t>
+            </a:r>
+            <a:endParaRPr lang="en-US" dirty="0"/>
+          </a:p>
+        </p:txBody>
+      </p:sp>
+      <p:sp>
+        <p:nvSpPr>
+          <p:cNvPr id="6" name="Footer Placeholder 5"/>
+          <p:cNvSpPr>
+            <a:spLocks noGrp="1"/>
+          </p:cNvSpPr>
+          <p:nvPr>
+            <p:ph type="ftr" sz="quarter" idx="11"/>
+          </p:nvPr>
+        </p:nvSpPr>
+        <p:spPr/>
+        <p:txBody>
+          <a:bodyPr/>
+          <a:lstStyle/>
+          <a:p>
+            <a:r>
+              <a:rPr lang="en-US" smtClean="0"/>
+              <a:t>Sercan KÜLCÜ, Tanenbaum, Modern Operating Systems 3e kitabından faydalanılmıştır. Tüm hakları saklıdır.</a:t>
+            </a:r>
+            <a:endParaRPr lang="en-US" dirty="0"/>
+          </a:p>
+        </p:txBody>
+      </p:sp>
+      <p:sp>
+        <p:nvSpPr>
+          <p:cNvPr id="7" name="Slide Number Placeholder 6"/>
+          <p:cNvSpPr>
+            <a:spLocks noGrp="1"/>
+          </p:cNvSpPr>
+          <p:nvPr>
+            <p:ph type="sldNum" sz="quarter" idx="12"/>
+          </p:nvPr>
+        </p:nvSpPr>
+        <p:spPr/>
+        <p:txBody>
+          <a:bodyPr/>
+          <a:lstStyle/>
+          <a:p>
+            <a:fld id="{D57F1E4F-1CFF-5643-939E-217C01CDF565}" type="slidenum">
+              <a:rPr lang="en-US" smtClean="0"/>
+              <a:pPr/>
+              <a:t>27</a:t>
+            </a:fld>
+            <a:endParaRPr lang="en-US" dirty="0"/>
+          </a:p>
+        </p:txBody>
+      </p:sp>
     </p:spTree>
     <p:extLst>
       <p:ext uri="{BB962C8B-B14F-4D97-AF65-F5344CB8AC3E}">
@@ -6920,6 +8857,76 @@
           </a:p>
           <a:p>
             <a:endParaRPr lang="tr-TR" dirty="0"/>
+          </a:p>
+        </p:txBody>
+      </p:sp>
+      <p:sp>
+        <p:nvSpPr>
+          <p:cNvPr id="4" name="Date Placeholder 3"/>
+          <p:cNvSpPr>
+            <a:spLocks noGrp="1"/>
+          </p:cNvSpPr>
+          <p:nvPr>
+            <p:ph type="dt" sz="half" idx="10"/>
+          </p:nvPr>
+        </p:nvSpPr>
+        <p:spPr/>
+        <p:txBody>
+          <a:bodyPr/>
+          <a:lstStyle/>
+          <a:p>
+            <a:r>
+              <a:rPr lang="en-US" smtClean="0"/>
+              <a:t>1/20/2023</a:t>
+            </a:r>
+            <a:endParaRPr lang="en-US" dirty="0"/>
+          </a:p>
+        </p:txBody>
+      </p:sp>
+      <p:sp>
+        <p:nvSpPr>
+          <p:cNvPr id="5" name="Footer Placeholder 4"/>
+          <p:cNvSpPr>
+            <a:spLocks noGrp="1"/>
+          </p:cNvSpPr>
+          <p:nvPr>
+            <p:ph type="ftr" sz="quarter" idx="11"/>
+          </p:nvPr>
+        </p:nvSpPr>
+        <p:spPr/>
+        <p:txBody>
+          <a:bodyPr/>
+          <a:lstStyle/>
+          <a:p>
+            <a:r>
+              <a:rPr lang="en-US" smtClean="0"/>
+              <a:t>Sercan KÜLCÜ, Tanenbaum, Modern Operating Systems 3e kitabından faydalanılmıştır. Tüm hakları saklıdır.</a:t>
+            </a:r>
+            <a:endParaRPr lang="en-US" dirty="0"/>
+          </a:p>
+        </p:txBody>
+      </p:sp>
+      <p:sp>
+        <p:nvSpPr>
+          <p:cNvPr id="6" name="Slide Number Placeholder 5"/>
+          <p:cNvSpPr>
+            <a:spLocks noGrp="1"/>
+          </p:cNvSpPr>
+          <p:nvPr>
+            <p:ph type="sldNum" sz="quarter" idx="12"/>
+          </p:nvPr>
+        </p:nvSpPr>
+        <p:spPr/>
+        <p:txBody>
+          <a:bodyPr/>
+          <a:lstStyle/>
+          <a:p>
+            <a:fld id="{D57F1E4F-1CFF-5643-939E-217C01CDF565}" type="slidenum">
+              <a:rPr lang="en-US" smtClean="0"/>
+              <a:pPr/>
+              <a:t>28</a:t>
+            </a:fld>
+            <a:endParaRPr lang="en-US" dirty="0"/>
           </a:p>
         </p:txBody>
       </p:sp>
@@ -7082,6 +9089,76 @@
           </a:extLst>
         </p:spPr>
       </p:pic>
+      <p:sp>
+        <p:nvSpPr>
+          <p:cNvPr id="5" name="Date Placeholder 4"/>
+          <p:cNvSpPr>
+            <a:spLocks noGrp="1"/>
+          </p:cNvSpPr>
+          <p:nvPr>
+            <p:ph type="dt" sz="half" idx="10"/>
+          </p:nvPr>
+        </p:nvSpPr>
+        <p:spPr/>
+        <p:txBody>
+          <a:bodyPr/>
+          <a:lstStyle/>
+          <a:p>
+            <a:r>
+              <a:rPr lang="en-US" smtClean="0"/>
+              <a:t>1/20/2023</a:t>
+            </a:r>
+            <a:endParaRPr lang="en-US" dirty="0"/>
+          </a:p>
+        </p:txBody>
+      </p:sp>
+      <p:sp>
+        <p:nvSpPr>
+          <p:cNvPr id="6" name="Footer Placeholder 5"/>
+          <p:cNvSpPr>
+            <a:spLocks noGrp="1"/>
+          </p:cNvSpPr>
+          <p:nvPr>
+            <p:ph type="ftr" sz="quarter" idx="11"/>
+          </p:nvPr>
+        </p:nvSpPr>
+        <p:spPr/>
+        <p:txBody>
+          <a:bodyPr/>
+          <a:lstStyle/>
+          <a:p>
+            <a:r>
+              <a:rPr lang="en-US" smtClean="0"/>
+              <a:t>Sercan KÜLCÜ, Tanenbaum, Modern Operating Systems 3e kitabından faydalanılmıştır. Tüm hakları saklıdır.</a:t>
+            </a:r>
+            <a:endParaRPr lang="en-US" dirty="0"/>
+          </a:p>
+        </p:txBody>
+      </p:sp>
+      <p:sp>
+        <p:nvSpPr>
+          <p:cNvPr id="7" name="Slide Number Placeholder 6"/>
+          <p:cNvSpPr>
+            <a:spLocks noGrp="1"/>
+          </p:cNvSpPr>
+          <p:nvPr>
+            <p:ph type="sldNum" sz="quarter" idx="12"/>
+          </p:nvPr>
+        </p:nvSpPr>
+        <p:spPr/>
+        <p:txBody>
+          <a:bodyPr/>
+          <a:lstStyle/>
+          <a:p>
+            <a:fld id="{D57F1E4F-1CFF-5643-939E-217C01CDF565}" type="slidenum">
+              <a:rPr lang="en-US" smtClean="0"/>
+              <a:pPr/>
+              <a:t>29</a:t>
+            </a:fld>
+            <a:endParaRPr lang="en-US" dirty="0"/>
+          </a:p>
+        </p:txBody>
+      </p:sp>
     </p:spTree>
     <p:extLst>
       <p:ext uri="{BB962C8B-B14F-4D97-AF65-F5344CB8AC3E}">
@@ -7273,6 +9350,76 @@
           </a:p>
         </p:txBody>
       </p:sp>
+      <p:sp>
+        <p:nvSpPr>
+          <p:cNvPr id="4" name="Date Placeholder 3"/>
+          <p:cNvSpPr>
+            <a:spLocks noGrp="1"/>
+          </p:cNvSpPr>
+          <p:nvPr>
+            <p:ph type="dt" sz="half" idx="10"/>
+          </p:nvPr>
+        </p:nvSpPr>
+        <p:spPr/>
+        <p:txBody>
+          <a:bodyPr/>
+          <a:lstStyle/>
+          <a:p>
+            <a:r>
+              <a:rPr lang="en-US" smtClean="0"/>
+              <a:t>1/20/2023</a:t>
+            </a:r>
+            <a:endParaRPr lang="en-US" dirty="0"/>
+          </a:p>
+        </p:txBody>
+      </p:sp>
+      <p:sp>
+        <p:nvSpPr>
+          <p:cNvPr id="5" name="Footer Placeholder 4"/>
+          <p:cNvSpPr>
+            <a:spLocks noGrp="1"/>
+          </p:cNvSpPr>
+          <p:nvPr>
+            <p:ph type="ftr" sz="quarter" idx="11"/>
+          </p:nvPr>
+        </p:nvSpPr>
+        <p:spPr/>
+        <p:txBody>
+          <a:bodyPr/>
+          <a:lstStyle/>
+          <a:p>
+            <a:r>
+              <a:rPr lang="en-US" smtClean="0"/>
+              <a:t>Sercan KÜLCÜ, Tanenbaum, Modern Operating Systems 3e kitabından faydalanılmıştır. Tüm hakları saklıdır.</a:t>
+            </a:r>
+            <a:endParaRPr lang="en-US" dirty="0"/>
+          </a:p>
+        </p:txBody>
+      </p:sp>
+      <p:sp>
+        <p:nvSpPr>
+          <p:cNvPr id="6" name="Slide Number Placeholder 5"/>
+          <p:cNvSpPr>
+            <a:spLocks noGrp="1"/>
+          </p:cNvSpPr>
+          <p:nvPr>
+            <p:ph type="sldNum" sz="quarter" idx="12"/>
+          </p:nvPr>
+        </p:nvSpPr>
+        <p:spPr/>
+        <p:txBody>
+          <a:bodyPr/>
+          <a:lstStyle/>
+          <a:p>
+            <a:fld id="{D57F1E4F-1CFF-5643-939E-217C01CDF565}" type="slidenum">
+              <a:rPr lang="en-US" smtClean="0"/>
+              <a:pPr/>
+              <a:t>3</a:t>
+            </a:fld>
+            <a:endParaRPr lang="en-US" dirty="0"/>
+          </a:p>
+        </p:txBody>
+      </p:sp>
     </p:spTree>
     <p:extLst>
       <p:ext uri="{BB962C8B-B14F-4D97-AF65-F5344CB8AC3E}">
@@ -7459,6 +9606,76 @@
           </a:p>
         </p:txBody>
       </p:sp>
+      <p:sp>
+        <p:nvSpPr>
+          <p:cNvPr id="4" name="Date Placeholder 3"/>
+          <p:cNvSpPr>
+            <a:spLocks noGrp="1"/>
+          </p:cNvSpPr>
+          <p:nvPr>
+            <p:ph type="dt" sz="half" idx="10"/>
+          </p:nvPr>
+        </p:nvSpPr>
+        <p:spPr/>
+        <p:txBody>
+          <a:bodyPr/>
+          <a:lstStyle/>
+          <a:p>
+            <a:r>
+              <a:rPr lang="en-US" smtClean="0"/>
+              <a:t>1/20/2023</a:t>
+            </a:r>
+            <a:endParaRPr lang="en-US" dirty="0"/>
+          </a:p>
+        </p:txBody>
+      </p:sp>
+      <p:sp>
+        <p:nvSpPr>
+          <p:cNvPr id="5" name="Footer Placeholder 4"/>
+          <p:cNvSpPr>
+            <a:spLocks noGrp="1"/>
+          </p:cNvSpPr>
+          <p:nvPr>
+            <p:ph type="ftr" sz="quarter" idx="11"/>
+          </p:nvPr>
+        </p:nvSpPr>
+        <p:spPr/>
+        <p:txBody>
+          <a:bodyPr/>
+          <a:lstStyle/>
+          <a:p>
+            <a:r>
+              <a:rPr lang="en-US" smtClean="0"/>
+              <a:t>Sercan KÜLCÜ, Tanenbaum, Modern Operating Systems 3e kitabından faydalanılmıştır. Tüm hakları saklıdır.</a:t>
+            </a:r>
+            <a:endParaRPr lang="en-US" dirty="0"/>
+          </a:p>
+        </p:txBody>
+      </p:sp>
+      <p:sp>
+        <p:nvSpPr>
+          <p:cNvPr id="6" name="Slide Number Placeholder 5"/>
+          <p:cNvSpPr>
+            <a:spLocks noGrp="1"/>
+          </p:cNvSpPr>
+          <p:nvPr>
+            <p:ph type="sldNum" sz="quarter" idx="12"/>
+          </p:nvPr>
+        </p:nvSpPr>
+        <p:spPr/>
+        <p:txBody>
+          <a:bodyPr/>
+          <a:lstStyle/>
+          <a:p>
+            <a:fld id="{D57F1E4F-1CFF-5643-939E-217C01CDF565}" type="slidenum">
+              <a:rPr lang="en-US" smtClean="0"/>
+              <a:pPr/>
+              <a:t>30</a:t>
+            </a:fld>
+            <a:endParaRPr lang="en-US" dirty="0"/>
+          </a:p>
+        </p:txBody>
+      </p:sp>
     </p:spTree>
     <p:extLst>
       <p:ext uri="{BB962C8B-B14F-4D97-AF65-F5344CB8AC3E}">
@@ -7666,6 +9883,76 @@
           </a:p>
         </p:txBody>
       </p:sp>
+      <p:sp>
+        <p:nvSpPr>
+          <p:cNvPr id="4" name="Date Placeholder 3"/>
+          <p:cNvSpPr>
+            <a:spLocks noGrp="1"/>
+          </p:cNvSpPr>
+          <p:nvPr>
+            <p:ph type="dt" sz="half" idx="10"/>
+          </p:nvPr>
+        </p:nvSpPr>
+        <p:spPr/>
+        <p:txBody>
+          <a:bodyPr/>
+          <a:lstStyle/>
+          <a:p>
+            <a:r>
+              <a:rPr lang="en-US" smtClean="0"/>
+              <a:t>1/20/2023</a:t>
+            </a:r>
+            <a:endParaRPr lang="en-US" dirty="0"/>
+          </a:p>
+        </p:txBody>
+      </p:sp>
+      <p:sp>
+        <p:nvSpPr>
+          <p:cNvPr id="5" name="Footer Placeholder 4"/>
+          <p:cNvSpPr>
+            <a:spLocks noGrp="1"/>
+          </p:cNvSpPr>
+          <p:nvPr>
+            <p:ph type="ftr" sz="quarter" idx="11"/>
+          </p:nvPr>
+        </p:nvSpPr>
+        <p:spPr/>
+        <p:txBody>
+          <a:bodyPr/>
+          <a:lstStyle/>
+          <a:p>
+            <a:r>
+              <a:rPr lang="en-US" smtClean="0"/>
+              <a:t>Sercan KÜLCÜ, Tanenbaum, Modern Operating Systems 3e kitabından faydalanılmıştır. Tüm hakları saklıdır.</a:t>
+            </a:r>
+            <a:endParaRPr lang="en-US" dirty="0"/>
+          </a:p>
+        </p:txBody>
+      </p:sp>
+      <p:sp>
+        <p:nvSpPr>
+          <p:cNvPr id="6" name="Slide Number Placeholder 5"/>
+          <p:cNvSpPr>
+            <a:spLocks noGrp="1"/>
+          </p:cNvSpPr>
+          <p:nvPr>
+            <p:ph type="sldNum" sz="quarter" idx="12"/>
+          </p:nvPr>
+        </p:nvSpPr>
+        <p:spPr/>
+        <p:txBody>
+          <a:bodyPr/>
+          <a:lstStyle/>
+          <a:p>
+            <a:fld id="{D57F1E4F-1CFF-5643-939E-217C01CDF565}" type="slidenum">
+              <a:rPr lang="en-US" smtClean="0"/>
+              <a:pPr/>
+              <a:t>31</a:t>
+            </a:fld>
+            <a:endParaRPr lang="en-US" dirty="0"/>
+          </a:p>
+        </p:txBody>
+      </p:sp>
     </p:spTree>
     <p:extLst>
       <p:ext uri="{BB962C8B-B14F-4D97-AF65-F5344CB8AC3E}">
@@ -7817,6 +10104,76 @@
           </a:p>
         </p:txBody>
       </p:sp>
+      <p:sp>
+        <p:nvSpPr>
+          <p:cNvPr id="4" name="Date Placeholder 3"/>
+          <p:cNvSpPr>
+            <a:spLocks noGrp="1"/>
+          </p:cNvSpPr>
+          <p:nvPr>
+            <p:ph type="dt" sz="half" idx="10"/>
+          </p:nvPr>
+        </p:nvSpPr>
+        <p:spPr/>
+        <p:txBody>
+          <a:bodyPr/>
+          <a:lstStyle/>
+          <a:p>
+            <a:r>
+              <a:rPr lang="en-US" smtClean="0"/>
+              <a:t>1/20/2023</a:t>
+            </a:r>
+            <a:endParaRPr lang="en-US" dirty="0"/>
+          </a:p>
+        </p:txBody>
+      </p:sp>
+      <p:sp>
+        <p:nvSpPr>
+          <p:cNvPr id="5" name="Footer Placeholder 4"/>
+          <p:cNvSpPr>
+            <a:spLocks noGrp="1"/>
+          </p:cNvSpPr>
+          <p:nvPr>
+            <p:ph type="ftr" sz="quarter" idx="11"/>
+          </p:nvPr>
+        </p:nvSpPr>
+        <p:spPr/>
+        <p:txBody>
+          <a:bodyPr/>
+          <a:lstStyle/>
+          <a:p>
+            <a:r>
+              <a:rPr lang="en-US" smtClean="0"/>
+              <a:t>Sercan KÜLCÜ, Tanenbaum, Modern Operating Systems 3e kitabından faydalanılmıştır. Tüm hakları saklıdır.</a:t>
+            </a:r>
+            <a:endParaRPr lang="en-US" dirty="0"/>
+          </a:p>
+        </p:txBody>
+      </p:sp>
+      <p:sp>
+        <p:nvSpPr>
+          <p:cNvPr id="6" name="Slide Number Placeholder 5"/>
+          <p:cNvSpPr>
+            <a:spLocks noGrp="1"/>
+          </p:cNvSpPr>
+          <p:nvPr>
+            <p:ph type="sldNum" sz="quarter" idx="12"/>
+          </p:nvPr>
+        </p:nvSpPr>
+        <p:spPr/>
+        <p:txBody>
+          <a:bodyPr/>
+          <a:lstStyle/>
+          <a:p>
+            <a:fld id="{D57F1E4F-1CFF-5643-939E-217C01CDF565}" type="slidenum">
+              <a:rPr lang="en-US" smtClean="0"/>
+              <a:pPr/>
+              <a:t>32</a:t>
+            </a:fld>
+            <a:endParaRPr lang="en-US" dirty="0"/>
+          </a:p>
+        </p:txBody>
+      </p:sp>
     </p:spTree>
     <p:extLst>
       <p:ext uri="{BB962C8B-B14F-4D97-AF65-F5344CB8AC3E}">
@@ -8012,6 +10369,76 @@
           </a:p>
         </p:txBody>
       </p:sp>
+      <p:sp>
+        <p:nvSpPr>
+          <p:cNvPr id="4" name="Date Placeholder 3"/>
+          <p:cNvSpPr>
+            <a:spLocks noGrp="1"/>
+          </p:cNvSpPr>
+          <p:nvPr>
+            <p:ph type="dt" sz="half" idx="10"/>
+          </p:nvPr>
+        </p:nvSpPr>
+        <p:spPr/>
+        <p:txBody>
+          <a:bodyPr/>
+          <a:lstStyle/>
+          <a:p>
+            <a:r>
+              <a:rPr lang="en-US" smtClean="0"/>
+              <a:t>1/20/2023</a:t>
+            </a:r>
+            <a:endParaRPr lang="en-US" dirty="0"/>
+          </a:p>
+        </p:txBody>
+      </p:sp>
+      <p:sp>
+        <p:nvSpPr>
+          <p:cNvPr id="5" name="Footer Placeholder 4"/>
+          <p:cNvSpPr>
+            <a:spLocks noGrp="1"/>
+          </p:cNvSpPr>
+          <p:nvPr>
+            <p:ph type="ftr" sz="quarter" idx="11"/>
+          </p:nvPr>
+        </p:nvSpPr>
+        <p:spPr/>
+        <p:txBody>
+          <a:bodyPr/>
+          <a:lstStyle/>
+          <a:p>
+            <a:r>
+              <a:rPr lang="en-US" smtClean="0"/>
+              <a:t>Sercan KÜLCÜ, Tanenbaum, Modern Operating Systems 3e kitabından faydalanılmıştır. Tüm hakları saklıdır.</a:t>
+            </a:r>
+            <a:endParaRPr lang="en-US" dirty="0"/>
+          </a:p>
+        </p:txBody>
+      </p:sp>
+      <p:sp>
+        <p:nvSpPr>
+          <p:cNvPr id="6" name="Slide Number Placeholder 5"/>
+          <p:cNvSpPr>
+            <a:spLocks noGrp="1"/>
+          </p:cNvSpPr>
+          <p:nvPr>
+            <p:ph type="sldNum" sz="quarter" idx="12"/>
+          </p:nvPr>
+        </p:nvSpPr>
+        <p:spPr/>
+        <p:txBody>
+          <a:bodyPr/>
+          <a:lstStyle/>
+          <a:p>
+            <a:fld id="{D57F1E4F-1CFF-5643-939E-217C01CDF565}" type="slidenum">
+              <a:rPr lang="en-US" smtClean="0"/>
+              <a:pPr/>
+              <a:t>33</a:t>
+            </a:fld>
+            <a:endParaRPr lang="en-US" dirty="0"/>
+          </a:p>
+        </p:txBody>
+      </p:sp>
     </p:spTree>
     <p:extLst>
       <p:ext uri="{BB962C8B-B14F-4D97-AF65-F5344CB8AC3E}">
@@ -8098,7 +10525,6 @@
               <a:rPr lang="tr-TR" dirty="0" smtClean="0"/>
               <a:t>Ucuz, büyük, Yavaş</a:t>
             </a:r>
-            <a:endParaRPr lang="tr-TR" dirty="0" smtClean="0"/>
           </a:p>
           <a:p>
             <a:r>
@@ -8117,11 +10543,7 @@
             </a:r>
             <a:r>
               <a:rPr lang="tr-TR" dirty="0" smtClean="0"/>
-              <a:t>kez tabla </a:t>
-            </a:r>
-            <a:r>
-              <a:rPr lang="tr-TR" dirty="0" smtClean="0"/>
-              <a:t>döndürme</a:t>
+              <a:t>kez tabla döndürme</a:t>
             </a:r>
           </a:p>
           <a:p>
@@ -8256,6 +10678,76 @@
           </a:p>
           <a:p>
             <a:endParaRPr lang="tr-TR" dirty="0"/>
+          </a:p>
+        </p:txBody>
+      </p:sp>
+      <p:sp>
+        <p:nvSpPr>
+          <p:cNvPr id="4" name="Date Placeholder 3"/>
+          <p:cNvSpPr>
+            <a:spLocks noGrp="1"/>
+          </p:cNvSpPr>
+          <p:nvPr>
+            <p:ph type="dt" sz="half" idx="10"/>
+          </p:nvPr>
+        </p:nvSpPr>
+        <p:spPr/>
+        <p:txBody>
+          <a:bodyPr/>
+          <a:lstStyle/>
+          <a:p>
+            <a:r>
+              <a:rPr lang="en-US" smtClean="0"/>
+              <a:t>1/20/2023</a:t>
+            </a:r>
+            <a:endParaRPr lang="en-US" dirty="0"/>
+          </a:p>
+        </p:txBody>
+      </p:sp>
+      <p:sp>
+        <p:nvSpPr>
+          <p:cNvPr id="5" name="Footer Placeholder 4"/>
+          <p:cNvSpPr>
+            <a:spLocks noGrp="1"/>
+          </p:cNvSpPr>
+          <p:nvPr>
+            <p:ph type="ftr" sz="quarter" idx="11"/>
+          </p:nvPr>
+        </p:nvSpPr>
+        <p:spPr/>
+        <p:txBody>
+          <a:bodyPr/>
+          <a:lstStyle/>
+          <a:p>
+            <a:r>
+              <a:rPr lang="en-US" smtClean="0"/>
+              <a:t>Sercan KÜLCÜ, Tanenbaum, Modern Operating Systems 3e kitabından faydalanılmıştır. Tüm hakları saklıdır.</a:t>
+            </a:r>
+            <a:endParaRPr lang="en-US" dirty="0"/>
+          </a:p>
+        </p:txBody>
+      </p:sp>
+      <p:sp>
+        <p:nvSpPr>
+          <p:cNvPr id="6" name="Slide Number Placeholder 5"/>
+          <p:cNvSpPr>
+            <a:spLocks noGrp="1"/>
+          </p:cNvSpPr>
+          <p:nvPr>
+            <p:ph type="sldNum" sz="quarter" idx="12"/>
+          </p:nvPr>
+        </p:nvSpPr>
+        <p:spPr/>
+        <p:txBody>
+          <a:bodyPr/>
+          <a:lstStyle/>
+          <a:p>
+            <a:fld id="{D57F1E4F-1CFF-5643-939E-217C01CDF565}" type="slidenum">
+              <a:rPr lang="en-US" smtClean="0"/>
+              <a:pPr/>
+              <a:t>34</a:t>
+            </a:fld>
+            <a:endParaRPr lang="en-US" dirty="0"/>
           </a:p>
         </p:txBody>
       </p:sp>
@@ -8407,6 +10899,76 @@
           </a:extLst>
         </p:spPr>
       </p:pic>
+      <p:sp>
+        <p:nvSpPr>
+          <p:cNvPr id="5" name="Date Placeholder 4"/>
+          <p:cNvSpPr>
+            <a:spLocks noGrp="1"/>
+          </p:cNvSpPr>
+          <p:nvPr>
+            <p:ph type="dt" sz="half" idx="10"/>
+          </p:nvPr>
+        </p:nvSpPr>
+        <p:spPr/>
+        <p:txBody>
+          <a:bodyPr/>
+          <a:lstStyle/>
+          <a:p>
+            <a:r>
+              <a:rPr lang="en-US" smtClean="0"/>
+              <a:t>1/20/2023</a:t>
+            </a:r>
+            <a:endParaRPr lang="en-US" dirty="0"/>
+          </a:p>
+        </p:txBody>
+      </p:sp>
+      <p:sp>
+        <p:nvSpPr>
+          <p:cNvPr id="6" name="Footer Placeholder 5"/>
+          <p:cNvSpPr>
+            <a:spLocks noGrp="1"/>
+          </p:cNvSpPr>
+          <p:nvPr>
+            <p:ph type="ftr" sz="quarter" idx="11"/>
+          </p:nvPr>
+        </p:nvSpPr>
+        <p:spPr/>
+        <p:txBody>
+          <a:bodyPr/>
+          <a:lstStyle/>
+          <a:p>
+            <a:r>
+              <a:rPr lang="en-US" smtClean="0"/>
+              <a:t>Sercan KÜLCÜ, Tanenbaum, Modern Operating Systems 3e kitabından faydalanılmıştır. Tüm hakları saklıdır.</a:t>
+            </a:r>
+            <a:endParaRPr lang="en-US" dirty="0"/>
+          </a:p>
+        </p:txBody>
+      </p:sp>
+      <p:sp>
+        <p:nvSpPr>
+          <p:cNvPr id="7" name="Slide Number Placeholder 6"/>
+          <p:cNvSpPr>
+            <a:spLocks noGrp="1"/>
+          </p:cNvSpPr>
+          <p:nvPr>
+            <p:ph type="sldNum" sz="quarter" idx="12"/>
+          </p:nvPr>
+        </p:nvSpPr>
+        <p:spPr/>
+        <p:txBody>
+          <a:bodyPr/>
+          <a:lstStyle/>
+          <a:p>
+            <a:fld id="{D57F1E4F-1CFF-5643-939E-217C01CDF565}" type="slidenum">
+              <a:rPr lang="en-US" smtClean="0"/>
+              <a:pPr/>
+              <a:t>35</a:t>
+            </a:fld>
+            <a:endParaRPr lang="en-US" dirty="0"/>
+          </a:p>
+        </p:txBody>
+      </p:sp>
     </p:spTree>
     <p:extLst>
       <p:ext uri="{BB962C8B-B14F-4D97-AF65-F5344CB8AC3E}">
@@ -8549,6 +11111,76 @@
           </a:p>
         </p:txBody>
       </p:sp>
+      <p:sp>
+        <p:nvSpPr>
+          <p:cNvPr id="4" name="Date Placeholder 3"/>
+          <p:cNvSpPr>
+            <a:spLocks noGrp="1"/>
+          </p:cNvSpPr>
+          <p:nvPr>
+            <p:ph type="dt" sz="half" idx="10"/>
+          </p:nvPr>
+        </p:nvSpPr>
+        <p:spPr/>
+        <p:txBody>
+          <a:bodyPr/>
+          <a:lstStyle/>
+          <a:p>
+            <a:r>
+              <a:rPr lang="en-US" smtClean="0"/>
+              <a:t>1/20/2023</a:t>
+            </a:r>
+            <a:endParaRPr lang="en-US" dirty="0"/>
+          </a:p>
+        </p:txBody>
+      </p:sp>
+      <p:sp>
+        <p:nvSpPr>
+          <p:cNvPr id="5" name="Footer Placeholder 4"/>
+          <p:cNvSpPr>
+            <a:spLocks noGrp="1"/>
+          </p:cNvSpPr>
+          <p:nvPr>
+            <p:ph type="ftr" sz="quarter" idx="11"/>
+          </p:nvPr>
+        </p:nvSpPr>
+        <p:spPr/>
+        <p:txBody>
+          <a:bodyPr/>
+          <a:lstStyle/>
+          <a:p>
+            <a:r>
+              <a:rPr lang="en-US" smtClean="0"/>
+              <a:t>Sercan KÜLCÜ, Tanenbaum, Modern Operating Systems 3e kitabından faydalanılmıştır. Tüm hakları saklıdır.</a:t>
+            </a:r>
+            <a:endParaRPr lang="en-US" dirty="0"/>
+          </a:p>
+        </p:txBody>
+      </p:sp>
+      <p:sp>
+        <p:nvSpPr>
+          <p:cNvPr id="6" name="Slide Number Placeholder 5"/>
+          <p:cNvSpPr>
+            <a:spLocks noGrp="1"/>
+          </p:cNvSpPr>
+          <p:nvPr>
+            <p:ph type="sldNum" sz="quarter" idx="12"/>
+          </p:nvPr>
+        </p:nvSpPr>
+        <p:spPr/>
+        <p:txBody>
+          <a:bodyPr/>
+          <a:lstStyle/>
+          <a:p>
+            <a:fld id="{D57F1E4F-1CFF-5643-939E-217C01CDF565}" type="slidenum">
+              <a:rPr lang="en-US" smtClean="0"/>
+              <a:pPr/>
+              <a:t>36</a:t>
+            </a:fld>
+            <a:endParaRPr lang="en-US" dirty="0"/>
+          </a:p>
+        </p:txBody>
+      </p:sp>
     </p:spTree>
     <p:extLst>
       <p:ext uri="{BB962C8B-B14F-4D97-AF65-F5344CB8AC3E}">
@@ -8679,6 +11311,76 @@
           </a:p>
         </p:txBody>
       </p:sp>
+      <p:sp>
+        <p:nvSpPr>
+          <p:cNvPr id="4" name="Date Placeholder 3"/>
+          <p:cNvSpPr>
+            <a:spLocks noGrp="1"/>
+          </p:cNvSpPr>
+          <p:nvPr>
+            <p:ph type="dt" sz="half" idx="10"/>
+          </p:nvPr>
+        </p:nvSpPr>
+        <p:spPr/>
+        <p:txBody>
+          <a:bodyPr/>
+          <a:lstStyle/>
+          <a:p>
+            <a:r>
+              <a:rPr lang="en-US" smtClean="0"/>
+              <a:t>1/20/2023</a:t>
+            </a:r>
+            <a:endParaRPr lang="en-US" dirty="0"/>
+          </a:p>
+        </p:txBody>
+      </p:sp>
+      <p:sp>
+        <p:nvSpPr>
+          <p:cNvPr id="5" name="Footer Placeholder 4"/>
+          <p:cNvSpPr>
+            <a:spLocks noGrp="1"/>
+          </p:cNvSpPr>
+          <p:nvPr>
+            <p:ph type="ftr" sz="quarter" idx="11"/>
+          </p:nvPr>
+        </p:nvSpPr>
+        <p:spPr/>
+        <p:txBody>
+          <a:bodyPr/>
+          <a:lstStyle/>
+          <a:p>
+            <a:r>
+              <a:rPr lang="en-US" smtClean="0"/>
+              <a:t>Sercan KÜLCÜ, Tanenbaum, Modern Operating Systems 3e kitabından faydalanılmıştır. Tüm hakları saklıdır.</a:t>
+            </a:r>
+            <a:endParaRPr lang="en-US" dirty="0"/>
+          </a:p>
+        </p:txBody>
+      </p:sp>
+      <p:sp>
+        <p:nvSpPr>
+          <p:cNvPr id="6" name="Slide Number Placeholder 5"/>
+          <p:cNvSpPr>
+            <a:spLocks noGrp="1"/>
+          </p:cNvSpPr>
+          <p:nvPr>
+            <p:ph type="sldNum" sz="quarter" idx="12"/>
+          </p:nvPr>
+        </p:nvSpPr>
+        <p:spPr/>
+        <p:txBody>
+          <a:bodyPr/>
+          <a:lstStyle/>
+          <a:p>
+            <a:fld id="{D57F1E4F-1CFF-5643-939E-217C01CDF565}" type="slidenum">
+              <a:rPr lang="en-US" smtClean="0"/>
+              <a:pPr/>
+              <a:t>37</a:t>
+            </a:fld>
+            <a:endParaRPr lang="en-US" dirty="0"/>
+          </a:p>
+        </p:txBody>
+      </p:sp>
     </p:spTree>
     <p:extLst>
       <p:ext uri="{BB962C8B-B14F-4D97-AF65-F5344CB8AC3E}">
@@ -8874,6 +11576,76 @@
           </a:p>
         </p:txBody>
       </p:sp>
+      <p:sp>
+        <p:nvSpPr>
+          <p:cNvPr id="4" name="Date Placeholder 3"/>
+          <p:cNvSpPr>
+            <a:spLocks noGrp="1"/>
+          </p:cNvSpPr>
+          <p:nvPr>
+            <p:ph type="dt" sz="half" idx="10"/>
+          </p:nvPr>
+        </p:nvSpPr>
+        <p:spPr/>
+        <p:txBody>
+          <a:bodyPr/>
+          <a:lstStyle/>
+          <a:p>
+            <a:r>
+              <a:rPr lang="en-US" smtClean="0"/>
+              <a:t>1/20/2023</a:t>
+            </a:r>
+            <a:endParaRPr lang="en-US" dirty="0"/>
+          </a:p>
+        </p:txBody>
+      </p:sp>
+      <p:sp>
+        <p:nvSpPr>
+          <p:cNvPr id="5" name="Footer Placeholder 4"/>
+          <p:cNvSpPr>
+            <a:spLocks noGrp="1"/>
+          </p:cNvSpPr>
+          <p:nvPr>
+            <p:ph type="ftr" sz="quarter" idx="11"/>
+          </p:nvPr>
+        </p:nvSpPr>
+        <p:spPr/>
+        <p:txBody>
+          <a:bodyPr/>
+          <a:lstStyle/>
+          <a:p>
+            <a:r>
+              <a:rPr lang="en-US" smtClean="0"/>
+              <a:t>Sercan KÜLCÜ, Tanenbaum, Modern Operating Systems 3e kitabından faydalanılmıştır. Tüm hakları saklıdır.</a:t>
+            </a:r>
+            <a:endParaRPr lang="en-US" dirty="0"/>
+          </a:p>
+        </p:txBody>
+      </p:sp>
+      <p:sp>
+        <p:nvSpPr>
+          <p:cNvPr id="6" name="Slide Number Placeholder 5"/>
+          <p:cNvSpPr>
+            <a:spLocks noGrp="1"/>
+          </p:cNvSpPr>
+          <p:nvPr>
+            <p:ph type="sldNum" sz="quarter" idx="12"/>
+          </p:nvPr>
+        </p:nvSpPr>
+        <p:spPr/>
+        <p:txBody>
+          <a:bodyPr/>
+          <a:lstStyle/>
+          <a:p>
+            <a:fld id="{D57F1E4F-1CFF-5643-939E-217C01CDF565}" type="slidenum">
+              <a:rPr lang="en-US" smtClean="0"/>
+              <a:pPr/>
+              <a:t>38</a:t>
+            </a:fld>
+            <a:endParaRPr lang="en-US" dirty="0"/>
+          </a:p>
+        </p:txBody>
+      </p:sp>
     </p:spTree>
     <p:extLst>
       <p:ext uri="{BB962C8B-B14F-4D97-AF65-F5344CB8AC3E}">
@@ -9046,6 +11818,76 @@
           </a:p>
         </p:txBody>
       </p:sp>
+      <p:sp>
+        <p:nvSpPr>
+          <p:cNvPr id="4" name="Date Placeholder 3"/>
+          <p:cNvSpPr>
+            <a:spLocks noGrp="1"/>
+          </p:cNvSpPr>
+          <p:nvPr>
+            <p:ph type="dt" sz="half" idx="10"/>
+          </p:nvPr>
+        </p:nvSpPr>
+        <p:spPr/>
+        <p:txBody>
+          <a:bodyPr/>
+          <a:lstStyle/>
+          <a:p>
+            <a:r>
+              <a:rPr lang="en-US" smtClean="0"/>
+              <a:t>1/20/2023</a:t>
+            </a:r>
+            <a:endParaRPr lang="en-US" dirty="0"/>
+          </a:p>
+        </p:txBody>
+      </p:sp>
+      <p:sp>
+        <p:nvSpPr>
+          <p:cNvPr id="5" name="Footer Placeholder 4"/>
+          <p:cNvSpPr>
+            <a:spLocks noGrp="1"/>
+          </p:cNvSpPr>
+          <p:nvPr>
+            <p:ph type="ftr" sz="quarter" idx="11"/>
+          </p:nvPr>
+        </p:nvSpPr>
+        <p:spPr/>
+        <p:txBody>
+          <a:bodyPr/>
+          <a:lstStyle/>
+          <a:p>
+            <a:r>
+              <a:rPr lang="en-US" smtClean="0"/>
+              <a:t>Sercan KÜLCÜ, Tanenbaum, Modern Operating Systems 3e kitabından faydalanılmıştır. Tüm hakları saklıdır.</a:t>
+            </a:r>
+            <a:endParaRPr lang="en-US" dirty="0"/>
+          </a:p>
+        </p:txBody>
+      </p:sp>
+      <p:sp>
+        <p:nvSpPr>
+          <p:cNvPr id="6" name="Slide Number Placeholder 5"/>
+          <p:cNvSpPr>
+            <a:spLocks noGrp="1"/>
+          </p:cNvSpPr>
+          <p:nvPr>
+            <p:ph type="sldNum" sz="quarter" idx="12"/>
+          </p:nvPr>
+        </p:nvSpPr>
+        <p:spPr/>
+        <p:txBody>
+          <a:bodyPr/>
+          <a:lstStyle/>
+          <a:p>
+            <a:fld id="{D57F1E4F-1CFF-5643-939E-217C01CDF565}" type="slidenum">
+              <a:rPr lang="en-US" smtClean="0"/>
+              <a:pPr/>
+              <a:t>39</a:t>
+            </a:fld>
+            <a:endParaRPr lang="en-US" dirty="0"/>
+          </a:p>
+        </p:txBody>
+      </p:sp>
     </p:spTree>
     <p:extLst>
       <p:ext uri="{BB962C8B-B14F-4D97-AF65-F5344CB8AC3E}">
@@ -9175,6 +12017,76 @@
               <a:rPr lang="tr-TR" dirty="0"/>
               <a:t>sistemi, yazılımın donanımı kullanmasını kontrol ederken, aynı zamanda donanımın kullanımını optimize eder ve sistemin güvenliğini sağlar.</a:t>
             </a:r>
+          </a:p>
+        </p:txBody>
+      </p:sp>
+      <p:sp>
+        <p:nvSpPr>
+          <p:cNvPr id="4" name="Date Placeholder 3"/>
+          <p:cNvSpPr>
+            <a:spLocks noGrp="1"/>
+          </p:cNvSpPr>
+          <p:nvPr>
+            <p:ph type="dt" sz="half" idx="10"/>
+          </p:nvPr>
+        </p:nvSpPr>
+        <p:spPr/>
+        <p:txBody>
+          <a:bodyPr/>
+          <a:lstStyle/>
+          <a:p>
+            <a:r>
+              <a:rPr lang="en-US" smtClean="0"/>
+              <a:t>1/20/2023</a:t>
+            </a:r>
+            <a:endParaRPr lang="en-US" dirty="0"/>
+          </a:p>
+        </p:txBody>
+      </p:sp>
+      <p:sp>
+        <p:nvSpPr>
+          <p:cNvPr id="5" name="Footer Placeholder 4"/>
+          <p:cNvSpPr>
+            <a:spLocks noGrp="1"/>
+          </p:cNvSpPr>
+          <p:nvPr>
+            <p:ph type="ftr" sz="quarter" idx="11"/>
+          </p:nvPr>
+        </p:nvSpPr>
+        <p:spPr/>
+        <p:txBody>
+          <a:bodyPr/>
+          <a:lstStyle/>
+          <a:p>
+            <a:r>
+              <a:rPr lang="en-US" smtClean="0"/>
+              <a:t>Sercan KÜLCÜ, Tanenbaum, Modern Operating Systems 3e kitabından faydalanılmıştır. Tüm hakları saklıdır.</a:t>
+            </a:r>
+            <a:endParaRPr lang="en-US" dirty="0"/>
+          </a:p>
+        </p:txBody>
+      </p:sp>
+      <p:sp>
+        <p:nvSpPr>
+          <p:cNvPr id="6" name="Slide Number Placeholder 5"/>
+          <p:cNvSpPr>
+            <a:spLocks noGrp="1"/>
+          </p:cNvSpPr>
+          <p:nvPr>
+            <p:ph type="sldNum" sz="quarter" idx="12"/>
+          </p:nvPr>
+        </p:nvSpPr>
+        <p:spPr/>
+        <p:txBody>
+          <a:bodyPr/>
+          <a:lstStyle/>
+          <a:p>
+            <a:fld id="{D57F1E4F-1CFF-5643-939E-217C01CDF565}" type="slidenum">
+              <a:rPr lang="en-US" smtClean="0"/>
+              <a:pPr/>
+              <a:t>4</a:t>
+            </a:fld>
+            <a:endParaRPr lang="en-US" dirty="0"/>
           </a:p>
         </p:txBody>
       </p:sp>
@@ -9331,6 +12243,76 @@
           </a:extLst>
         </p:spPr>
       </p:pic>
+      <p:sp>
+        <p:nvSpPr>
+          <p:cNvPr id="5" name="Date Placeholder 4"/>
+          <p:cNvSpPr>
+            <a:spLocks noGrp="1"/>
+          </p:cNvSpPr>
+          <p:nvPr>
+            <p:ph type="dt" sz="half" idx="10"/>
+          </p:nvPr>
+        </p:nvSpPr>
+        <p:spPr/>
+        <p:txBody>
+          <a:bodyPr/>
+          <a:lstStyle/>
+          <a:p>
+            <a:r>
+              <a:rPr lang="en-US" smtClean="0"/>
+              <a:t>1/20/2023</a:t>
+            </a:r>
+            <a:endParaRPr lang="en-US" dirty="0"/>
+          </a:p>
+        </p:txBody>
+      </p:sp>
+      <p:sp>
+        <p:nvSpPr>
+          <p:cNvPr id="6" name="Footer Placeholder 5"/>
+          <p:cNvSpPr>
+            <a:spLocks noGrp="1"/>
+          </p:cNvSpPr>
+          <p:nvPr>
+            <p:ph type="ftr" sz="quarter" idx="11"/>
+          </p:nvPr>
+        </p:nvSpPr>
+        <p:spPr/>
+        <p:txBody>
+          <a:bodyPr/>
+          <a:lstStyle/>
+          <a:p>
+            <a:r>
+              <a:rPr lang="en-US" smtClean="0"/>
+              <a:t>Sercan KÜLCÜ, Tanenbaum, Modern Operating Systems 3e kitabından faydalanılmıştır. Tüm hakları saklıdır.</a:t>
+            </a:r>
+            <a:endParaRPr lang="en-US" dirty="0"/>
+          </a:p>
+        </p:txBody>
+      </p:sp>
+      <p:sp>
+        <p:nvSpPr>
+          <p:cNvPr id="7" name="Slide Number Placeholder 6"/>
+          <p:cNvSpPr>
+            <a:spLocks noGrp="1"/>
+          </p:cNvSpPr>
+          <p:nvPr>
+            <p:ph type="sldNum" sz="quarter" idx="12"/>
+          </p:nvPr>
+        </p:nvSpPr>
+        <p:spPr/>
+        <p:txBody>
+          <a:bodyPr/>
+          <a:lstStyle/>
+          <a:p>
+            <a:fld id="{D57F1E4F-1CFF-5643-939E-217C01CDF565}" type="slidenum">
+              <a:rPr lang="en-US" smtClean="0"/>
+              <a:pPr/>
+              <a:t>40</a:t>
+            </a:fld>
+            <a:endParaRPr lang="en-US" dirty="0"/>
+          </a:p>
+        </p:txBody>
+      </p:sp>
     </p:spTree>
     <p:extLst>
       <p:ext uri="{BB962C8B-B14F-4D97-AF65-F5344CB8AC3E}">
@@ -9545,6 +12527,76 @@
           </a:extLst>
         </p:spPr>
       </p:pic>
+      <p:sp>
+        <p:nvSpPr>
+          <p:cNvPr id="4" name="Date Placeholder 3"/>
+          <p:cNvSpPr>
+            <a:spLocks noGrp="1"/>
+          </p:cNvSpPr>
+          <p:nvPr>
+            <p:ph type="dt" sz="half" idx="10"/>
+          </p:nvPr>
+        </p:nvSpPr>
+        <p:spPr/>
+        <p:txBody>
+          <a:bodyPr/>
+          <a:lstStyle/>
+          <a:p>
+            <a:r>
+              <a:rPr lang="en-US" smtClean="0"/>
+              <a:t>1/20/2023</a:t>
+            </a:r>
+            <a:endParaRPr lang="en-US" dirty="0"/>
+          </a:p>
+        </p:txBody>
+      </p:sp>
+      <p:sp>
+        <p:nvSpPr>
+          <p:cNvPr id="6" name="Footer Placeholder 5"/>
+          <p:cNvSpPr>
+            <a:spLocks noGrp="1"/>
+          </p:cNvSpPr>
+          <p:nvPr>
+            <p:ph type="ftr" sz="quarter" idx="11"/>
+          </p:nvPr>
+        </p:nvSpPr>
+        <p:spPr/>
+        <p:txBody>
+          <a:bodyPr/>
+          <a:lstStyle/>
+          <a:p>
+            <a:r>
+              <a:rPr lang="en-US" smtClean="0"/>
+              <a:t>Sercan KÜLCÜ, Tanenbaum, Modern Operating Systems 3e kitabından faydalanılmıştır. Tüm hakları saklıdır.</a:t>
+            </a:r>
+            <a:endParaRPr lang="en-US" dirty="0"/>
+          </a:p>
+        </p:txBody>
+      </p:sp>
+      <p:sp>
+        <p:nvSpPr>
+          <p:cNvPr id="7" name="Slide Number Placeholder 6"/>
+          <p:cNvSpPr>
+            <a:spLocks noGrp="1"/>
+          </p:cNvSpPr>
+          <p:nvPr>
+            <p:ph type="sldNum" sz="quarter" idx="12"/>
+          </p:nvPr>
+        </p:nvSpPr>
+        <p:spPr/>
+        <p:txBody>
+          <a:bodyPr/>
+          <a:lstStyle/>
+          <a:p>
+            <a:fld id="{D57F1E4F-1CFF-5643-939E-217C01CDF565}" type="slidenum">
+              <a:rPr lang="en-US" smtClean="0"/>
+              <a:pPr/>
+              <a:t>41</a:t>
+            </a:fld>
+            <a:endParaRPr lang="en-US" dirty="0"/>
+          </a:p>
+        </p:txBody>
+      </p:sp>
     </p:spTree>
     <p:extLst>
       <p:ext uri="{BB962C8B-B14F-4D97-AF65-F5344CB8AC3E}">
@@ -9660,6 +12712,76 @@
           </a:p>
         </p:txBody>
       </p:sp>
+      <p:sp>
+        <p:nvSpPr>
+          <p:cNvPr id="4" name="Date Placeholder 3"/>
+          <p:cNvSpPr>
+            <a:spLocks noGrp="1"/>
+          </p:cNvSpPr>
+          <p:nvPr>
+            <p:ph type="dt" sz="half" idx="10"/>
+          </p:nvPr>
+        </p:nvSpPr>
+        <p:spPr/>
+        <p:txBody>
+          <a:bodyPr/>
+          <a:lstStyle/>
+          <a:p>
+            <a:r>
+              <a:rPr lang="en-US" smtClean="0"/>
+              <a:t>1/20/2023</a:t>
+            </a:r>
+            <a:endParaRPr lang="en-US" dirty="0"/>
+          </a:p>
+        </p:txBody>
+      </p:sp>
+      <p:sp>
+        <p:nvSpPr>
+          <p:cNvPr id="5" name="Footer Placeholder 4"/>
+          <p:cNvSpPr>
+            <a:spLocks noGrp="1"/>
+          </p:cNvSpPr>
+          <p:nvPr>
+            <p:ph type="ftr" sz="quarter" idx="11"/>
+          </p:nvPr>
+        </p:nvSpPr>
+        <p:spPr/>
+        <p:txBody>
+          <a:bodyPr/>
+          <a:lstStyle/>
+          <a:p>
+            <a:r>
+              <a:rPr lang="en-US" smtClean="0"/>
+              <a:t>Sercan KÜLCÜ, Tanenbaum, Modern Operating Systems 3e kitabından faydalanılmıştır. Tüm hakları saklıdır.</a:t>
+            </a:r>
+            <a:endParaRPr lang="en-US" dirty="0"/>
+          </a:p>
+        </p:txBody>
+      </p:sp>
+      <p:sp>
+        <p:nvSpPr>
+          <p:cNvPr id="6" name="Slide Number Placeholder 5"/>
+          <p:cNvSpPr>
+            <a:spLocks noGrp="1"/>
+          </p:cNvSpPr>
+          <p:nvPr>
+            <p:ph type="sldNum" sz="quarter" idx="12"/>
+          </p:nvPr>
+        </p:nvSpPr>
+        <p:spPr/>
+        <p:txBody>
+          <a:bodyPr/>
+          <a:lstStyle/>
+          <a:p>
+            <a:fld id="{D57F1E4F-1CFF-5643-939E-217C01CDF565}" type="slidenum">
+              <a:rPr lang="en-US" smtClean="0"/>
+              <a:pPr/>
+              <a:t>42</a:t>
+            </a:fld>
+            <a:endParaRPr lang="en-US" dirty="0"/>
+          </a:p>
+        </p:txBody>
+      </p:sp>
     </p:spTree>
     <p:extLst>
       <p:ext uri="{BB962C8B-B14F-4D97-AF65-F5344CB8AC3E}">
@@ -9823,6 +12945,76 @@
           </a:p>
           <a:p>
             <a:endParaRPr lang="tr-TR" dirty="0"/>
+          </a:p>
+        </p:txBody>
+      </p:sp>
+      <p:sp>
+        <p:nvSpPr>
+          <p:cNvPr id="4" name="Date Placeholder 3"/>
+          <p:cNvSpPr>
+            <a:spLocks noGrp="1"/>
+          </p:cNvSpPr>
+          <p:nvPr>
+            <p:ph type="dt" sz="half" idx="10"/>
+          </p:nvPr>
+        </p:nvSpPr>
+        <p:spPr/>
+        <p:txBody>
+          <a:bodyPr/>
+          <a:lstStyle/>
+          <a:p>
+            <a:r>
+              <a:rPr lang="en-US" smtClean="0"/>
+              <a:t>1/20/2023</a:t>
+            </a:r>
+            <a:endParaRPr lang="en-US" dirty="0"/>
+          </a:p>
+        </p:txBody>
+      </p:sp>
+      <p:sp>
+        <p:nvSpPr>
+          <p:cNvPr id="5" name="Footer Placeholder 4"/>
+          <p:cNvSpPr>
+            <a:spLocks noGrp="1"/>
+          </p:cNvSpPr>
+          <p:nvPr>
+            <p:ph type="ftr" sz="quarter" idx="11"/>
+          </p:nvPr>
+        </p:nvSpPr>
+        <p:spPr/>
+        <p:txBody>
+          <a:bodyPr/>
+          <a:lstStyle/>
+          <a:p>
+            <a:r>
+              <a:rPr lang="en-US" smtClean="0"/>
+              <a:t>Sercan KÜLCÜ, Tanenbaum, Modern Operating Systems 3e kitabından faydalanılmıştır. Tüm hakları saklıdır.</a:t>
+            </a:r>
+            <a:endParaRPr lang="en-US" dirty="0"/>
+          </a:p>
+        </p:txBody>
+      </p:sp>
+      <p:sp>
+        <p:nvSpPr>
+          <p:cNvPr id="6" name="Slide Number Placeholder 5"/>
+          <p:cNvSpPr>
+            <a:spLocks noGrp="1"/>
+          </p:cNvSpPr>
+          <p:nvPr>
+            <p:ph type="sldNum" sz="quarter" idx="12"/>
+          </p:nvPr>
+        </p:nvSpPr>
+        <p:spPr/>
+        <p:txBody>
+          <a:bodyPr/>
+          <a:lstStyle/>
+          <a:p>
+            <a:fld id="{D57F1E4F-1CFF-5643-939E-217C01CDF565}" type="slidenum">
+              <a:rPr lang="en-US" smtClean="0"/>
+              <a:pPr/>
+              <a:t>43</a:t>
+            </a:fld>
+            <a:endParaRPr lang="en-US" dirty="0"/>
           </a:p>
         </p:txBody>
       </p:sp>
@@ -9975,6 +13167,76 @@
           </a:extLst>
         </p:spPr>
       </p:pic>
+      <p:sp>
+        <p:nvSpPr>
+          <p:cNvPr id="5" name="Date Placeholder 4"/>
+          <p:cNvSpPr>
+            <a:spLocks noGrp="1"/>
+          </p:cNvSpPr>
+          <p:nvPr>
+            <p:ph type="dt" sz="half" idx="10"/>
+          </p:nvPr>
+        </p:nvSpPr>
+        <p:spPr/>
+        <p:txBody>
+          <a:bodyPr/>
+          <a:lstStyle/>
+          <a:p>
+            <a:r>
+              <a:rPr lang="en-US" smtClean="0"/>
+              <a:t>1/20/2023</a:t>
+            </a:r>
+            <a:endParaRPr lang="en-US" dirty="0"/>
+          </a:p>
+        </p:txBody>
+      </p:sp>
+      <p:sp>
+        <p:nvSpPr>
+          <p:cNvPr id="6" name="Footer Placeholder 5"/>
+          <p:cNvSpPr>
+            <a:spLocks noGrp="1"/>
+          </p:cNvSpPr>
+          <p:nvPr>
+            <p:ph type="ftr" sz="quarter" idx="11"/>
+          </p:nvPr>
+        </p:nvSpPr>
+        <p:spPr/>
+        <p:txBody>
+          <a:bodyPr/>
+          <a:lstStyle/>
+          <a:p>
+            <a:r>
+              <a:rPr lang="en-US" smtClean="0"/>
+              <a:t>Sercan KÜLCÜ, Tanenbaum, Modern Operating Systems 3e kitabından faydalanılmıştır. Tüm hakları saklıdır.</a:t>
+            </a:r>
+            <a:endParaRPr lang="en-US" dirty="0"/>
+          </a:p>
+        </p:txBody>
+      </p:sp>
+      <p:sp>
+        <p:nvSpPr>
+          <p:cNvPr id="7" name="Slide Number Placeholder 6"/>
+          <p:cNvSpPr>
+            <a:spLocks noGrp="1"/>
+          </p:cNvSpPr>
+          <p:nvPr>
+            <p:ph type="sldNum" sz="quarter" idx="12"/>
+          </p:nvPr>
+        </p:nvSpPr>
+        <p:spPr/>
+        <p:txBody>
+          <a:bodyPr/>
+          <a:lstStyle/>
+          <a:p>
+            <a:fld id="{D57F1E4F-1CFF-5643-939E-217C01CDF565}" type="slidenum">
+              <a:rPr lang="en-US" smtClean="0"/>
+              <a:pPr/>
+              <a:t>44</a:t>
+            </a:fld>
+            <a:endParaRPr lang="en-US" dirty="0"/>
+          </a:p>
+        </p:txBody>
+      </p:sp>
     </p:spTree>
     <p:extLst>
       <p:ext uri="{BB962C8B-B14F-4D97-AF65-F5344CB8AC3E}">
@@ -10124,6 +13386,76 @@
           </a:extLst>
         </p:spPr>
       </p:pic>
+      <p:sp>
+        <p:nvSpPr>
+          <p:cNvPr id="4" name="Date Placeholder 3"/>
+          <p:cNvSpPr>
+            <a:spLocks noGrp="1"/>
+          </p:cNvSpPr>
+          <p:nvPr>
+            <p:ph type="dt" sz="half" idx="10"/>
+          </p:nvPr>
+        </p:nvSpPr>
+        <p:spPr/>
+        <p:txBody>
+          <a:bodyPr/>
+          <a:lstStyle/>
+          <a:p>
+            <a:r>
+              <a:rPr lang="en-US" smtClean="0"/>
+              <a:t>1/20/2023</a:t>
+            </a:r>
+            <a:endParaRPr lang="en-US" dirty="0"/>
+          </a:p>
+        </p:txBody>
+      </p:sp>
+      <p:sp>
+        <p:nvSpPr>
+          <p:cNvPr id="6" name="Footer Placeholder 5"/>
+          <p:cNvSpPr>
+            <a:spLocks noGrp="1"/>
+          </p:cNvSpPr>
+          <p:nvPr>
+            <p:ph type="ftr" sz="quarter" idx="11"/>
+          </p:nvPr>
+        </p:nvSpPr>
+        <p:spPr/>
+        <p:txBody>
+          <a:bodyPr/>
+          <a:lstStyle/>
+          <a:p>
+            <a:r>
+              <a:rPr lang="en-US" smtClean="0"/>
+              <a:t>Sercan KÜLCÜ, Tanenbaum, Modern Operating Systems 3e kitabından faydalanılmıştır. Tüm hakları saklıdır.</a:t>
+            </a:r>
+            <a:endParaRPr lang="en-US" dirty="0"/>
+          </a:p>
+        </p:txBody>
+      </p:sp>
+      <p:sp>
+        <p:nvSpPr>
+          <p:cNvPr id="7" name="Slide Number Placeholder 6"/>
+          <p:cNvSpPr>
+            <a:spLocks noGrp="1"/>
+          </p:cNvSpPr>
+          <p:nvPr>
+            <p:ph type="sldNum" sz="quarter" idx="12"/>
+          </p:nvPr>
+        </p:nvSpPr>
+        <p:spPr/>
+        <p:txBody>
+          <a:bodyPr/>
+          <a:lstStyle/>
+          <a:p>
+            <a:fld id="{D57F1E4F-1CFF-5643-939E-217C01CDF565}" type="slidenum">
+              <a:rPr lang="en-US" smtClean="0"/>
+              <a:pPr/>
+              <a:t>45</a:t>
+            </a:fld>
+            <a:endParaRPr lang="en-US" dirty="0"/>
+          </a:p>
+        </p:txBody>
+      </p:sp>
     </p:spTree>
     <p:extLst>
       <p:ext uri="{BB962C8B-B14F-4D97-AF65-F5344CB8AC3E}">
@@ -10341,6 +13673,76 @@
           </a:p>
         </p:txBody>
       </p:sp>
+      <p:sp>
+        <p:nvSpPr>
+          <p:cNvPr id="4" name="Date Placeholder 3"/>
+          <p:cNvSpPr>
+            <a:spLocks noGrp="1"/>
+          </p:cNvSpPr>
+          <p:nvPr>
+            <p:ph type="dt" sz="half" idx="10"/>
+          </p:nvPr>
+        </p:nvSpPr>
+        <p:spPr/>
+        <p:txBody>
+          <a:bodyPr/>
+          <a:lstStyle/>
+          <a:p>
+            <a:r>
+              <a:rPr lang="en-US" smtClean="0"/>
+              <a:t>1/20/2023</a:t>
+            </a:r>
+            <a:endParaRPr lang="en-US" dirty="0"/>
+          </a:p>
+        </p:txBody>
+      </p:sp>
+      <p:sp>
+        <p:nvSpPr>
+          <p:cNvPr id="5" name="Footer Placeholder 4"/>
+          <p:cNvSpPr>
+            <a:spLocks noGrp="1"/>
+          </p:cNvSpPr>
+          <p:nvPr>
+            <p:ph type="ftr" sz="quarter" idx="11"/>
+          </p:nvPr>
+        </p:nvSpPr>
+        <p:spPr/>
+        <p:txBody>
+          <a:bodyPr/>
+          <a:lstStyle/>
+          <a:p>
+            <a:r>
+              <a:rPr lang="en-US" smtClean="0"/>
+              <a:t>Sercan KÜLCÜ, Tanenbaum, Modern Operating Systems 3e kitabından faydalanılmıştır. Tüm hakları saklıdır.</a:t>
+            </a:r>
+            <a:endParaRPr lang="en-US" dirty="0"/>
+          </a:p>
+        </p:txBody>
+      </p:sp>
+      <p:sp>
+        <p:nvSpPr>
+          <p:cNvPr id="6" name="Slide Number Placeholder 5"/>
+          <p:cNvSpPr>
+            <a:spLocks noGrp="1"/>
+          </p:cNvSpPr>
+          <p:nvPr>
+            <p:ph type="sldNum" sz="quarter" idx="12"/>
+          </p:nvPr>
+        </p:nvSpPr>
+        <p:spPr/>
+        <p:txBody>
+          <a:bodyPr/>
+          <a:lstStyle/>
+          <a:p>
+            <a:fld id="{D57F1E4F-1CFF-5643-939E-217C01CDF565}" type="slidenum">
+              <a:rPr lang="en-US" smtClean="0"/>
+              <a:pPr/>
+              <a:t>46</a:t>
+            </a:fld>
+            <a:endParaRPr lang="en-US" dirty="0"/>
+          </a:p>
+        </p:txBody>
+      </p:sp>
     </p:spTree>
     <p:extLst>
       <p:ext uri="{BB962C8B-B14F-4D97-AF65-F5344CB8AC3E}">
@@ -10425,11 +13827,7 @@
           <a:p>
             <a:r>
               <a:rPr lang="tr-TR" dirty="0" smtClean="0"/>
-              <a:t>Anabilgisayar </a:t>
-            </a:r>
-            <a:r>
-              <a:rPr lang="tr-TR" dirty="0" smtClean="0"/>
-              <a:t>(</a:t>
+              <a:t>Anabilgisayar (</a:t>
             </a:r>
             <a:r>
               <a:rPr lang="tr-TR" dirty="0" err="1" smtClean="0"/>
@@ -10449,11 +13847,7 @@
           <a:p>
             <a:r>
               <a:rPr lang="tr-TR" dirty="0" smtClean="0"/>
-              <a:t>Çoklu işlemci </a:t>
-            </a:r>
-            <a:r>
-              <a:rPr lang="tr-TR" dirty="0" smtClean="0"/>
-              <a:t>(</a:t>
+              <a:t>Çoklu işlemci (</a:t>
             </a:r>
             <a:r>
               <a:rPr lang="tr-TR" dirty="0" err="1" smtClean="0"/>
@@ -10565,6 +13959,76 @@
           </a:p>
           <a:p>
             <a:endParaRPr lang="tr-TR" dirty="0"/>
+          </a:p>
+        </p:txBody>
+      </p:sp>
+      <p:sp>
+        <p:nvSpPr>
+          <p:cNvPr id="4" name="Date Placeholder 3"/>
+          <p:cNvSpPr>
+            <a:spLocks noGrp="1"/>
+          </p:cNvSpPr>
+          <p:nvPr>
+            <p:ph type="dt" sz="half" idx="10"/>
+          </p:nvPr>
+        </p:nvSpPr>
+        <p:spPr/>
+        <p:txBody>
+          <a:bodyPr/>
+          <a:lstStyle/>
+          <a:p>
+            <a:r>
+              <a:rPr lang="en-US" smtClean="0"/>
+              <a:t>1/20/2023</a:t>
+            </a:r>
+            <a:endParaRPr lang="en-US" dirty="0"/>
+          </a:p>
+        </p:txBody>
+      </p:sp>
+      <p:sp>
+        <p:nvSpPr>
+          <p:cNvPr id="5" name="Footer Placeholder 4"/>
+          <p:cNvSpPr>
+            <a:spLocks noGrp="1"/>
+          </p:cNvSpPr>
+          <p:nvPr>
+            <p:ph type="ftr" sz="quarter" idx="11"/>
+          </p:nvPr>
+        </p:nvSpPr>
+        <p:spPr/>
+        <p:txBody>
+          <a:bodyPr/>
+          <a:lstStyle/>
+          <a:p>
+            <a:r>
+              <a:rPr lang="en-US" smtClean="0"/>
+              <a:t>Sercan KÜLCÜ, Tanenbaum, Modern Operating Systems 3e kitabından faydalanılmıştır. Tüm hakları saklıdır.</a:t>
+            </a:r>
+            <a:endParaRPr lang="en-US" dirty="0"/>
+          </a:p>
+        </p:txBody>
+      </p:sp>
+      <p:sp>
+        <p:nvSpPr>
+          <p:cNvPr id="6" name="Slide Number Placeholder 5"/>
+          <p:cNvSpPr>
+            <a:spLocks noGrp="1"/>
+          </p:cNvSpPr>
+          <p:nvPr>
+            <p:ph type="sldNum" sz="quarter" idx="12"/>
+          </p:nvPr>
+        </p:nvSpPr>
+        <p:spPr/>
+        <p:txBody>
+          <a:bodyPr/>
+          <a:lstStyle/>
+          <a:p>
+            <a:fld id="{D57F1E4F-1CFF-5643-939E-217C01CDF565}" type="slidenum">
+              <a:rPr lang="en-US" smtClean="0"/>
+              <a:pPr/>
+              <a:t>47</a:t>
+            </a:fld>
+            <a:endParaRPr lang="en-US" dirty="0"/>
           </a:p>
         </p:txBody>
       </p:sp>
@@ -10630,11 +14094,7 @@
             </a:r>
             <a:r>
               <a:rPr lang="tr-TR" dirty="0" smtClean="0"/>
-              <a:t>) İşletim </a:t>
-            </a:r>
-            <a:r>
-              <a:rPr lang="tr-TR" dirty="0" smtClean="0"/>
-              <a:t>Sistemi</a:t>
+              <a:t>) İşletim Sistemi</a:t>
             </a:r>
             <a:endParaRPr lang="tr-TR" dirty="0"/>
           </a:p>
@@ -10747,6 +14207,76 @@
           </a:p>
           <a:p>
             <a:endParaRPr lang="tr-TR" dirty="0"/>
+          </a:p>
+        </p:txBody>
+      </p:sp>
+      <p:sp>
+        <p:nvSpPr>
+          <p:cNvPr id="4" name="Date Placeholder 3"/>
+          <p:cNvSpPr>
+            <a:spLocks noGrp="1"/>
+          </p:cNvSpPr>
+          <p:nvPr>
+            <p:ph type="dt" sz="half" idx="10"/>
+          </p:nvPr>
+        </p:nvSpPr>
+        <p:spPr/>
+        <p:txBody>
+          <a:bodyPr/>
+          <a:lstStyle/>
+          <a:p>
+            <a:r>
+              <a:rPr lang="en-US" smtClean="0"/>
+              <a:t>1/20/2023</a:t>
+            </a:r>
+            <a:endParaRPr lang="en-US" dirty="0"/>
+          </a:p>
+        </p:txBody>
+      </p:sp>
+      <p:sp>
+        <p:nvSpPr>
+          <p:cNvPr id="5" name="Footer Placeholder 4"/>
+          <p:cNvSpPr>
+            <a:spLocks noGrp="1"/>
+          </p:cNvSpPr>
+          <p:nvPr>
+            <p:ph type="ftr" sz="quarter" idx="11"/>
+          </p:nvPr>
+        </p:nvSpPr>
+        <p:spPr/>
+        <p:txBody>
+          <a:bodyPr/>
+          <a:lstStyle/>
+          <a:p>
+            <a:r>
+              <a:rPr lang="en-US" smtClean="0"/>
+              <a:t>Sercan KÜLCÜ, Tanenbaum, Modern Operating Systems 3e kitabından faydalanılmıştır. Tüm hakları saklıdır.</a:t>
+            </a:r>
+            <a:endParaRPr lang="en-US" dirty="0"/>
+          </a:p>
+        </p:txBody>
+      </p:sp>
+      <p:sp>
+        <p:nvSpPr>
+          <p:cNvPr id="6" name="Slide Number Placeholder 5"/>
+          <p:cNvSpPr>
+            <a:spLocks noGrp="1"/>
+          </p:cNvSpPr>
+          <p:nvPr>
+            <p:ph type="sldNum" sz="quarter" idx="12"/>
+          </p:nvPr>
+        </p:nvSpPr>
+        <p:spPr/>
+        <p:txBody>
+          <a:bodyPr/>
+          <a:lstStyle/>
+          <a:p>
+            <a:fld id="{D57F1E4F-1CFF-5643-939E-217C01CDF565}" type="slidenum">
+              <a:rPr lang="en-US" smtClean="0"/>
+              <a:pPr/>
+              <a:t>48</a:t>
+            </a:fld>
+            <a:endParaRPr lang="en-US" dirty="0"/>
           </a:p>
         </p:txBody>
       </p:sp>
@@ -10808,11 +14338,7 @@
             </a:r>
             <a:r>
               <a:rPr lang="tr-TR" dirty="0" smtClean="0"/>
-              <a:t>) İşletim </a:t>
-            </a:r>
-            <a:r>
-              <a:rPr lang="tr-TR" dirty="0" smtClean="0"/>
-              <a:t>Sistemi</a:t>
+              <a:t>) İşletim Sistemi</a:t>
             </a:r>
             <a:endParaRPr lang="tr-TR" dirty="0"/>
           </a:p>
@@ -10878,7 +14404,6 @@
               <a:rPr lang="tr-TR" dirty="0"/>
               <a:t>veri merkezleri, bulut bilişim ve diğer hizmetleri sağlamak için kullanılır.</a:t>
             </a:r>
-            <a:endParaRPr lang="tr-TR" dirty="0"/>
           </a:p>
           <a:p>
             <a:r>
@@ -10896,6 +14421,76 @@
           </a:p>
           <a:p>
             <a:endParaRPr lang="tr-TR" dirty="0"/>
+          </a:p>
+        </p:txBody>
+      </p:sp>
+      <p:sp>
+        <p:nvSpPr>
+          <p:cNvPr id="4" name="Date Placeholder 3"/>
+          <p:cNvSpPr>
+            <a:spLocks noGrp="1"/>
+          </p:cNvSpPr>
+          <p:nvPr>
+            <p:ph type="dt" sz="half" idx="10"/>
+          </p:nvPr>
+        </p:nvSpPr>
+        <p:spPr/>
+        <p:txBody>
+          <a:bodyPr/>
+          <a:lstStyle/>
+          <a:p>
+            <a:r>
+              <a:rPr lang="en-US" smtClean="0"/>
+              <a:t>1/20/2023</a:t>
+            </a:r>
+            <a:endParaRPr lang="en-US" dirty="0"/>
+          </a:p>
+        </p:txBody>
+      </p:sp>
+      <p:sp>
+        <p:nvSpPr>
+          <p:cNvPr id="5" name="Footer Placeholder 4"/>
+          <p:cNvSpPr>
+            <a:spLocks noGrp="1"/>
+          </p:cNvSpPr>
+          <p:nvPr>
+            <p:ph type="ftr" sz="quarter" idx="11"/>
+          </p:nvPr>
+        </p:nvSpPr>
+        <p:spPr/>
+        <p:txBody>
+          <a:bodyPr/>
+          <a:lstStyle/>
+          <a:p>
+            <a:r>
+              <a:rPr lang="en-US" smtClean="0"/>
+              <a:t>Sercan KÜLCÜ, Tanenbaum, Modern Operating Systems 3e kitabından faydalanılmıştır. Tüm hakları saklıdır.</a:t>
+            </a:r>
+            <a:endParaRPr lang="en-US" dirty="0"/>
+          </a:p>
+        </p:txBody>
+      </p:sp>
+      <p:sp>
+        <p:nvSpPr>
+          <p:cNvPr id="6" name="Slide Number Placeholder 5"/>
+          <p:cNvSpPr>
+            <a:spLocks noGrp="1"/>
+          </p:cNvSpPr>
+          <p:nvPr>
+            <p:ph type="sldNum" sz="quarter" idx="12"/>
+          </p:nvPr>
+        </p:nvSpPr>
+        <p:spPr/>
+        <p:txBody>
+          <a:bodyPr/>
+          <a:lstStyle/>
+          <a:p>
+            <a:fld id="{D57F1E4F-1CFF-5643-939E-217C01CDF565}" type="slidenum">
+              <a:rPr lang="en-US" smtClean="0"/>
+              <a:pPr/>
+              <a:t>49</a:t>
+            </a:fld>
+            <a:endParaRPr lang="en-US" dirty="0"/>
           </a:p>
         </p:txBody>
       </p:sp>
@@ -11057,6 +14652,76 @@
           </a:extLst>
         </p:spPr>
       </p:pic>
+      <p:sp>
+        <p:nvSpPr>
+          <p:cNvPr id="5" name="Date Placeholder 4"/>
+          <p:cNvSpPr>
+            <a:spLocks noGrp="1"/>
+          </p:cNvSpPr>
+          <p:nvPr>
+            <p:ph type="dt" sz="half" idx="10"/>
+          </p:nvPr>
+        </p:nvSpPr>
+        <p:spPr/>
+        <p:txBody>
+          <a:bodyPr/>
+          <a:lstStyle/>
+          <a:p>
+            <a:r>
+              <a:rPr lang="en-US" smtClean="0"/>
+              <a:t>1/20/2023</a:t>
+            </a:r>
+            <a:endParaRPr lang="en-US" dirty="0"/>
+          </a:p>
+        </p:txBody>
+      </p:sp>
+      <p:sp>
+        <p:nvSpPr>
+          <p:cNvPr id="6" name="Footer Placeholder 5"/>
+          <p:cNvSpPr>
+            <a:spLocks noGrp="1"/>
+          </p:cNvSpPr>
+          <p:nvPr>
+            <p:ph type="ftr" sz="quarter" idx="11"/>
+          </p:nvPr>
+        </p:nvSpPr>
+        <p:spPr/>
+        <p:txBody>
+          <a:bodyPr/>
+          <a:lstStyle/>
+          <a:p>
+            <a:r>
+              <a:rPr lang="en-US" smtClean="0"/>
+              <a:t>Sercan KÜLCÜ, Tanenbaum, Modern Operating Systems 3e kitabından faydalanılmıştır. Tüm hakları saklıdır.</a:t>
+            </a:r>
+            <a:endParaRPr lang="en-US" dirty="0"/>
+          </a:p>
+        </p:txBody>
+      </p:sp>
+      <p:sp>
+        <p:nvSpPr>
+          <p:cNvPr id="7" name="Slide Number Placeholder 6"/>
+          <p:cNvSpPr>
+            <a:spLocks noGrp="1"/>
+          </p:cNvSpPr>
+          <p:nvPr>
+            <p:ph type="sldNum" sz="quarter" idx="12"/>
+          </p:nvPr>
+        </p:nvSpPr>
+        <p:spPr/>
+        <p:txBody>
+          <a:bodyPr/>
+          <a:lstStyle/>
+          <a:p>
+            <a:fld id="{D57F1E4F-1CFF-5643-939E-217C01CDF565}" type="slidenum">
+              <a:rPr lang="en-US" smtClean="0"/>
+              <a:pPr/>
+              <a:t>5</a:t>
+            </a:fld>
+            <a:endParaRPr lang="en-US" dirty="0"/>
+          </a:p>
+        </p:txBody>
+      </p:sp>
     </p:spTree>
     <p:extLst>
       <p:ext uri="{BB962C8B-B14F-4D97-AF65-F5344CB8AC3E}">
@@ -11123,11 +14788,7 @@
             </a:r>
             <a:r>
               <a:rPr lang="tr-TR" dirty="0" smtClean="0"/>
-              <a:t>) İşletim </a:t>
-            </a:r>
-            <a:r>
-              <a:rPr lang="tr-TR" dirty="0" smtClean="0"/>
-              <a:t>Sistemi</a:t>
+              <a:t>) İşletim Sistemi</a:t>
             </a:r>
             <a:endParaRPr lang="tr-TR" dirty="0"/>
           </a:p>
@@ -11194,6 +14855,76 @@
           </a:p>
           <a:p>
             <a:endParaRPr lang="tr-TR" dirty="0"/>
+          </a:p>
+        </p:txBody>
+      </p:sp>
+      <p:sp>
+        <p:nvSpPr>
+          <p:cNvPr id="4" name="Date Placeholder 3"/>
+          <p:cNvSpPr>
+            <a:spLocks noGrp="1"/>
+          </p:cNvSpPr>
+          <p:nvPr>
+            <p:ph type="dt" sz="half" idx="10"/>
+          </p:nvPr>
+        </p:nvSpPr>
+        <p:spPr/>
+        <p:txBody>
+          <a:bodyPr/>
+          <a:lstStyle/>
+          <a:p>
+            <a:r>
+              <a:rPr lang="en-US" smtClean="0"/>
+              <a:t>1/20/2023</a:t>
+            </a:r>
+            <a:endParaRPr lang="en-US" dirty="0"/>
+          </a:p>
+        </p:txBody>
+      </p:sp>
+      <p:sp>
+        <p:nvSpPr>
+          <p:cNvPr id="5" name="Footer Placeholder 4"/>
+          <p:cNvSpPr>
+            <a:spLocks noGrp="1"/>
+          </p:cNvSpPr>
+          <p:nvPr>
+            <p:ph type="ftr" sz="quarter" idx="11"/>
+          </p:nvPr>
+        </p:nvSpPr>
+        <p:spPr/>
+        <p:txBody>
+          <a:bodyPr/>
+          <a:lstStyle/>
+          <a:p>
+            <a:r>
+              <a:rPr lang="en-US" smtClean="0"/>
+              <a:t>Sercan KÜLCÜ, Tanenbaum, Modern Operating Systems 3e kitabından faydalanılmıştır. Tüm hakları saklıdır.</a:t>
+            </a:r>
+            <a:endParaRPr lang="en-US" dirty="0"/>
+          </a:p>
+        </p:txBody>
+      </p:sp>
+      <p:sp>
+        <p:nvSpPr>
+          <p:cNvPr id="6" name="Slide Number Placeholder 5"/>
+          <p:cNvSpPr>
+            <a:spLocks noGrp="1"/>
+          </p:cNvSpPr>
+          <p:nvPr>
+            <p:ph type="sldNum" sz="quarter" idx="12"/>
+          </p:nvPr>
+        </p:nvSpPr>
+        <p:spPr/>
+        <p:txBody>
+          <a:bodyPr/>
+          <a:lstStyle/>
+          <a:p>
+            <a:fld id="{D57F1E4F-1CFF-5643-939E-217C01CDF565}" type="slidenum">
+              <a:rPr lang="en-US" smtClean="0"/>
+              <a:pPr/>
+              <a:t>50</a:t>
+            </a:fld>
+            <a:endParaRPr lang="en-US" dirty="0"/>
           </a:p>
         </p:txBody>
       </p:sp>
@@ -11259,11 +14990,7 @@
             </a:r>
             <a:r>
               <a:rPr lang="tr-TR" dirty="0" smtClean="0"/>
-              <a:t>) İşletim </a:t>
-            </a:r>
-            <a:r>
-              <a:rPr lang="tr-TR" dirty="0" smtClean="0"/>
-              <a:t>Sistemi</a:t>
+              <a:t>) İşletim Sistemi</a:t>
             </a:r>
             <a:endParaRPr lang="tr-TR" dirty="0"/>
           </a:p>
@@ -11365,6 +15092,76 @@
           </a:p>
           <a:p>
             <a:endParaRPr lang="tr-TR" dirty="0"/>
+          </a:p>
+        </p:txBody>
+      </p:sp>
+      <p:sp>
+        <p:nvSpPr>
+          <p:cNvPr id="4" name="Date Placeholder 3"/>
+          <p:cNvSpPr>
+            <a:spLocks noGrp="1"/>
+          </p:cNvSpPr>
+          <p:nvPr>
+            <p:ph type="dt" sz="half" idx="10"/>
+          </p:nvPr>
+        </p:nvSpPr>
+        <p:spPr/>
+        <p:txBody>
+          <a:bodyPr/>
+          <a:lstStyle/>
+          <a:p>
+            <a:r>
+              <a:rPr lang="en-US" smtClean="0"/>
+              <a:t>1/20/2023</a:t>
+            </a:r>
+            <a:endParaRPr lang="en-US" dirty="0"/>
+          </a:p>
+        </p:txBody>
+      </p:sp>
+      <p:sp>
+        <p:nvSpPr>
+          <p:cNvPr id="5" name="Footer Placeholder 4"/>
+          <p:cNvSpPr>
+            <a:spLocks noGrp="1"/>
+          </p:cNvSpPr>
+          <p:nvPr>
+            <p:ph type="ftr" sz="quarter" idx="11"/>
+          </p:nvPr>
+        </p:nvSpPr>
+        <p:spPr/>
+        <p:txBody>
+          <a:bodyPr/>
+          <a:lstStyle/>
+          <a:p>
+            <a:r>
+              <a:rPr lang="en-US" smtClean="0"/>
+              <a:t>Sercan KÜLCÜ, Tanenbaum, Modern Operating Systems 3e kitabından faydalanılmıştır. Tüm hakları saklıdır.</a:t>
+            </a:r>
+            <a:endParaRPr lang="en-US" dirty="0"/>
+          </a:p>
+        </p:txBody>
+      </p:sp>
+      <p:sp>
+        <p:nvSpPr>
+          <p:cNvPr id="6" name="Slide Number Placeholder 5"/>
+          <p:cNvSpPr>
+            <a:spLocks noGrp="1"/>
+          </p:cNvSpPr>
+          <p:nvPr>
+            <p:ph type="sldNum" sz="quarter" idx="12"/>
+          </p:nvPr>
+        </p:nvSpPr>
+        <p:spPr/>
+        <p:txBody>
+          <a:bodyPr/>
+          <a:lstStyle/>
+          <a:p>
+            <a:fld id="{D57F1E4F-1CFF-5643-939E-217C01CDF565}" type="slidenum">
+              <a:rPr lang="en-US" smtClean="0"/>
+              <a:pPr/>
+              <a:t>51</a:t>
+            </a:fld>
+            <a:endParaRPr lang="en-US" dirty="0"/>
           </a:p>
         </p:txBody>
       </p:sp>
@@ -11430,11 +15227,7 @@
             </a:r>
             <a:r>
               <a:rPr lang="tr-TR" dirty="0" smtClean="0"/>
-              <a:t>) İşletim </a:t>
-            </a:r>
-            <a:r>
-              <a:rPr lang="tr-TR" dirty="0" smtClean="0"/>
-              <a:t>Sistemi</a:t>
+              <a:t>) İşletim Sistemi</a:t>
             </a:r>
             <a:endParaRPr lang="tr-TR" dirty="0"/>
           </a:p>
@@ -11533,6 +15326,76 @@
           </a:p>
           <a:p>
             <a:endParaRPr lang="tr-TR" dirty="0"/>
+          </a:p>
+        </p:txBody>
+      </p:sp>
+      <p:sp>
+        <p:nvSpPr>
+          <p:cNvPr id="4" name="Date Placeholder 3"/>
+          <p:cNvSpPr>
+            <a:spLocks noGrp="1"/>
+          </p:cNvSpPr>
+          <p:nvPr>
+            <p:ph type="dt" sz="half" idx="10"/>
+          </p:nvPr>
+        </p:nvSpPr>
+        <p:spPr/>
+        <p:txBody>
+          <a:bodyPr/>
+          <a:lstStyle/>
+          <a:p>
+            <a:r>
+              <a:rPr lang="en-US" smtClean="0"/>
+              <a:t>1/20/2023</a:t>
+            </a:r>
+            <a:endParaRPr lang="en-US" dirty="0"/>
+          </a:p>
+        </p:txBody>
+      </p:sp>
+      <p:sp>
+        <p:nvSpPr>
+          <p:cNvPr id="5" name="Footer Placeholder 4"/>
+          <p:cNvSpPr>
+            <a:spLocks noGrp="1"/>
+          </p:cNvSpPr>
+          <p:nvPr>
+            <p:ph type="ftr" sz="quarter" idx="11"/>
+          </p:nvPr>
+        </p:nvSpPr>
+        <p:spPr/>
+        <p:txBody>
+          <a:bodyPr/>
+          <a:lstStyle/>
+          <a:p>
+            <a:r>
+              <a:rPr lang="en-US" smtClean="0"/>
+              <a:t>Sercan KÜLCÜ, Tanenbaum, Modern Operating Systems 3e kitabından faydalanılmıştır. Tüm hakları saklıdır.</a:t>
+            </a:r>
+            <a:endParaRPr lang="en-US" dirty="0"/>
+          </a:p>
+        </p:txBody>
+      </p:sp>
+      <p:sp>
+        <p:nvSpPr>
+          <p:cNvPr id="6" name="Slide Number Placeholder 5"/>
+          <p:cNvSpPr>
+            <a:spLocks noGrp="1"/>
+          </p:cNvSpPr>
+          <p:nvPr>
+            <p:ph type="sldNum" sz="quarter" idx="12"/>
+          </p:nvPr>
+        </p:nvSpPr>
+        <p:spPr/>
+        <p:txBody>
+          <a:bodyPr/>
+          <a:lstStyle/>
+          <a:p>
+            <a:fld id="{D57F1E4F-1CFF-5643-939E-217C01CDF565}" type="slidenum">
+              <a:rPr lang="en-US" smtClean="0"/>
+              <a:pPr/>
+              <a:t>52</a:t>
+            </a:fld>
+            <a:endParaRPr lang="en-US" dirty="0"/>
           </a:p>
         </p:txBody>
       </p:sp>
@@ -11598,11 +15461,7 @@
             </a:r>
             <a:r>
               <a:rPr lang="tr-TR" dirty="0" smtClean="0"/>
-              <a:t>) İşletim </a:t>
-            </a:r>
-            <a:r>
-              <a:rPr lang="tr-TR" dirty="0" smtClean="0"/>
-              <a:t>Sistemi</a:t>
+              <a:t>) İşletim Sistemi</a:t>
             </a:r>
             <a:endParaRPr lang="tr-TR" dirty="0"/>
           </a:p>
@@ -11686,6 +15545,76 @@
           </a:p>
           <a:p>
             <a:endParaRPr lang="tr-TR" dirty="0"/>
+          </a:p>
+        </p:txBody>
+      </p:sp>
+      <p:sp>
+        <p:nvSpPr>
+          <p:cNvPr id="4" name="Date Placeholder 3"/>
+          <p:cNvSpPr>
+            <a:spLocks noGrp="1"/>
+          </p:cNvSpPr>
+          <p:nvPr>
+            <p:ph type="dt" sz="half" idx="10"/>
+          </p:nvPr>
+        </p:nvSpPr>
+        <p:spPr/>
+        <p:txBody>
+          <a:bodyPr/>
+          <a:lstStyle/>
+          <a:p>
+            <a:r>
+              <a:rPr lang="en-US" smtClean="0"/>
+              <a:t>1/20/2023</a:t>
+            </a:r>
+            <a:endParaRPr lang="en-US" dirty="0"/>
+          </a:p>
+        </p:txBody>
+      </p:sp>
+      <p:sp>
+        <p:nvSpPr>
+          <p:cNvPr id="5" name="Footer Placeholder 4"/>
+          <p:cNvSpPr>
+            <a:spLocks noGrp="1"/>
+          </p:cNvSpPr>
+          <p:nvPr>
+            <p:ph type="ftr" sz="quarter" idx="11"/>
+          </p:nvPr>
+        </p:nvSpPr>
+        <p:spPr/>
+        <p:txBody>
+          <a:bodyPr/>
+          <a:lstStyle/>
+          <a:p>
+            <a:r>
+              <a:rPr lang="en-US" smtClean="0"/>
+              <a:t>Sercan KÜLCÜ, Tanenbaum, Modern Operating Systems 3e kitabından faydalanılmıştır. Tüm hakları saklıdır.</a:t>
+            </a:r>
+            <a:endParaRPr lang="en-US" dirty="0"/>
+          </a:p>
+        </p:txBody>
+      </p:sp>
+      <p:sp>
+        <p:nvSpPr>
+          <p:cNvPr id="6" name="Slide Number Placeholder 5"/>
+          <p:cNvSpPr>
+            <a:spLocks noGrp="1"/>
+          </p:cNvSpPr>
+          <p:nvPr>
+            <p:ph type="sldNum" sz="quarter" idx="12"/>
+          </p:nvPr>
+        </p:nvSpPr>
+        <p:spPr/>
+        <p:txBody>
+          <a:bodyPr/>
+          <a:lstStyle/>
+          <a:p>
+            <a:fld id="{D57F1E4F-1CFF-5643-939E-217C01CDF565}" type="slidenum">
+              <a:rPr lang="en-US" smtClean="0"/>
+              <a:pPr/>
+              <a:t>53</a:t>
+            </a:fld>
+            <a:endParaRPr lang="en-US" dirty="0"/>
           </a:p>
         </p:txBody>
       </p:sp>
@@ -11751,11 +15680,7 @@
             </a:r>
             <a:r>
               <a:rPr lang="tr-TR" dirty="0" smtClean="0"/>
-              <a:t>) İşletim </a:t>
-            </a:r>
-            <a:r>
-              <a:rPr lang="tr-TR" dirty="0" smtClean="0"/>
-              <a:t>Sistemi</a:t>
+              <a:t>) İşletim Sistemi</a:t>
             </a:r>
             <a:endParaRPr lang="tr-TR" dirty="0"/>
           </a:p>
@@ -11864,6 +15789,76 @@
           </a:p>
           <a:p>
             <a:endParaRPr lang="tr-TR" dirty="0"/>
+          </a:p>
+        </p:txBody>
+      </p:sp>
+      <p:sp>
+        <p:nvSpPr>
+          <p:cNvPr id="4" name="Date Placeholder 3"/>
+          <p:cNvSpPr>
+            <a:spLocks noGrp="1"/>
+          </p:cNvSpPr>
+          <p:nvPr>
+            <p:ph type="dt" sz="half" idx="10"/>
+          </p:nvPr>
+        </p:nvSpPr>
+        <p:spPr/>
+        <p:txBody>
+          <a:bodyPr/>
+          <a:lstStyle/>
+          <a:p>
+            <a:r>
+              <a:rPr lang="en-US" smtClean="0"/>
+              <a:t>1/20/2023</a:t>
+            </a:r>
+            <a:endParaRPr lang="en-US" dirty="0"/>
+          </a:p>
+        </p:txBody>
+      </p:sp>
+      <p:sp>
+        <p:nvSpPr>
+          <p:cNvPr id="5" name="Footer Placeholder 4"/>
+          <p:cNvSpPr>
+            <a:spLocks noGrp="1"/>
+          </p:cNvSpPr>
+          <p:nvPr>
+            <p:ph type="ftr" sz="quarter" idx="11"/>
+          </p:nvPr>
+        </p:nvSpPr>
+        <p:spPr/>
+        <p:txBody>
+          <a:bodyPr/>
+          <a:lstStyle/>
+          <a:p>
+            <a:r>
+              <a:rPr lang="en-US" smtClean="0"/>
+              <a:t>Sercan KÜLCÜ, Tanenbaum, Modern Operating Systems 3e kitabından faydalanılmıştır. Tüm hakları saklıdır.</a:t>
+            </a:r>
+            <a:endParaRPr lang="en-US" dirty="0"/>
+          </a:p>
+        </p:txBody>
+      </p:sp>
+      <p:sp>
+        <p:nvSpPr>
+          <p:cNvPr id="6" name="Slide Number Placeholder 5"/>
+          <p:cNvSpPr>
+            <a:spLocks noGrp="1"/>
+          </p:cNvSpPr>
+          <p:nvPr>
+            <p:ph type="sldNum" sz="quarter" idx="12"/>
+          </p:nvPr>
+        </p:nvSpPr>
+        <p:spPr/>
+        <p:txBody>
+          <a:bodyPr/>
+          <a:lstStyle/>
+          <a:p>
+            <a:fld id="{D57F1E4F-1CFF-5643-939E-217C01CDF565}" type="slidenum">
+              <a:rPr lang="en-US" smtClean="0"/>
+              <a:pPr/>
+              <a:t>54</a:t>
+            </a:fld>
+            <a:endParaRPr lang="en-US" dirty="0"/>
           </a:p>
         </p:txBody>
       </p:sp>
@@ -11929,11 +15924,7 @@
             </a:r>
             <a:r>
               <a:rPr lang="tr-TR" dirty="0" smtClean="0"/>
-              <a:t>-time) İşletim </a:t>
-            </a:r>
-            <a:r>
-              <a:rPr lang="tr-TR" dirty="0" smtClean="0"/>
-              <a:t>Sistemi</a:t>
+              <a:t>-time) İşletim Sistemi</a:t>
             </a:r>
             <a:endParaRPr lang="tr-TR" dirty="0"/>
           </a:p>
@@ -12042,6 +16033,76 @@
           </a:p>
           <a:p>
             <a:endParaRPr lang="tr-TR" dirty="0"/>
+          </a:p>
+        </p:txBody>
+      </p:sp>
+      <p:sp>
+        <p:nvSpPr>
+          <p:cNvPr id="4" name="Date Placeholder 3"/>
+          <p:cNvSpPr>
+            <a:spLocks noGrp="1"/>
+          </p:cNvSpPr>
+          <p:nvPr>
+            <p:ph type="dt" sz="half" idx="10"/>
+          </p:nvPr>
+        </p:nvSpPr>
+        <p:spPr/>
+        <p:txBody>
+          <a:bodyPr/>
+          <a:lstStyle/>
+          <a:p>
+            <a:r>
+              <a:rPr lang="en-US" smtClean="0"/>
+              <a:t>1/20/2023</a:t>
+            </a:r>
+            <a:endParaRPr lang="en-US" dirty="0"/>
+          </a:p>
+        </p:txBody>
+      </p:sp>
+      <p:sp>
+        <p:nvSpPr>
+          <p:cNvPr id="5" name="Footer Placeholder 4"/>
+          <p:cNvSpPr>
+            <a:spLocks noGrp="1"/>
+          </p:cNvSpPr>
+          <p:nvPr>
+            <p:ph type="ftr" sz="quarter" idx="11"/>
+          </p:nvPr>
+        </p:nvSpPr>
+        <p:spPr/>
+        <p:txBody>
+          <a:bodyPr/>
+          <a:lstStyle/>
+          <a:p>
+            <a:r>
+              <a:rPr lang="en-US" smtClean="0"/>
+              <a:t>Sercan KÜLCÜ, Tanenbaum, Modern Operating Systems 3e kitabından faydalanılmıştır. Tüm hakları saklıdır.</a:t>
+            </a:r>
+            <a:endParaRPr lang="en-US" dirty="0"/>
+          </a:p>
+        </p:txBody>
+      </p:sp>
+      <p:sp>
+        <p:nvSpPr>
+          <p:cNvPr id="6" name="Slide Number Placeholder 5"/>
+          <p:cNvSpPr>
+            <a:spLocks noGrp="1"/>
+          </p:cNvSpPr>
+          <p:nvPr>
+            <p:ph type="sldNum" sz="quarter" idx="12"/>
+          </p:nvPr>
+        </p:nvSpPr>
+        <p:spPr/>
+        <p:txBody>
+          <a:bodyPr/>
+          <a:lstStyle/>
+          <a:p>
+            <a:fld id="{D57F1E4F-1CFF-5643-939E-217C01CDF565}" type="slidenum">
+              <a:rPr lang="en-US" smtClean="0"/>
+              <a:pPr/>
+              <a:t>55</a:t>
+            </a:fld>
+            <a:endParaRPr lang="en-US" dirty="0"/>
           </a:p>
         </p:txBody>
       </p:sp>
@@ -12115,11 +16176,7 @@
             </a:r>
             <a:r>
               <a:rPr lang="tr-TR" dirty="0" smtClean="0"/>
-              <a:t>) İşletim </a:t>
-            </a:r>
-            <a:r>
-              <a:rPr lang="tr-TR" dirty="0" smtClean="0"/>
-              <a:t>Sistemi</a:t>
+              <a:t>) İşletim Sistemi</a:t>
             </a:r>
             <a:endParaRPr lang="tr-TR" dirty="0"/>
           </a:p>
@@ -12196,7 +16253,6 @@
               <a:rPr lang="tr-TR" dirty="0"/>
               <a:t>kartları, banka kartları, yolcu uçuş kartları, kimlik kartları ve diğer kartlar için kullanılır.</a:t>
             </a:r>
-            <a:endParaRPr lang="tr-TR" dirty="0"/>
           </a:p>
           <a:p>
             <a:r>
@@ -12213,6 +16269,76 @@
           </a:p>
           <a:p>
             <a:endParaRPr lang="tr-TR" dirty="0"/>
+          </a:p>
+        </p:txBody>
+      </p:sp>
+      <p:sp>
+        <p:nvSpPr>
+          <p:cNvPr id="4" name="Date Placeholder 3"/>
+          <p:cNvSpPr>
+            <a:spLocks noGrp="1"/>
+          </p:cNvSpPr>
+          <p:nvPr>
+            <p:ph type="dt" sz="half" idx="10"/>
+          </p:nvPr>
+        </p:nvSpPr>
+        <p:spPr/>
+        <p:txBody>
+          <a:bodyPr/>
+          <a:lstStyle/>
+          <a:p>
+            <a:r>
+              <a:rPr lang="en-US" smtClean="0"/>
+              <a:t>1/20/2023</a:t>
+            </a:r>
+            <a:endParaRPr lang="en-US" dirty="0"/>
+          </a:p>
+        </p:txBody>
+      </p:sp>
+      <p:sp>
+        <p:nvSpPr>
+          <p:cNvPr id="5" name="Footer Placeholder 4"/>
+          <p:cNvSpPr>
+            <a:spLocks noGrp="1"/>
+          </p:cNvSpPr>
+          <p:nvPr>
+            <p:ph type="ftr" sz="quarter" idx="11"/>
+          </p:nvPr>
+        </p:nvSpPr>
+        <p:spPr/>
+        <p:txBody>
+          <a:bodyPr/>
+          <a:lstStyle/>
+          <a:p>
+            <a:r>
+              <a:rPr lang="en-US" smtClean="0"/>
+              <a:t>Sercan KÜLCÜ, Tanenbaum, Modern Operating Systems 3e kitabından faydalanılmıştır. Tüm hakları saklıdır.</a:t>
+            </a:r>
+            <a:endParaRPr lang="en-US" dirty="0"/>
+          </a:p>
+        </p:txBody>
+      </p:sp>
+      <p:sp>
+        <p:nvSpPr>
+          <p:cNvPr id="6" name="Slide Number Placeholder 5"/>
+          <p:cNvSpPr>
+            <a:spLocks noGrp="1"/>
+          </p:cNvSpPr>
+          <p:nvPr>
+            <p:ph type="sldNum" sz="quarter" idx="12"/>
+          </p:nvPr>
+        </p:nvSpPr>
+        <p:spPr/>
+        <p:txBody>
+          <a:bodyPr/>
+          <a:lstStyle/>
+          <a:p>
+            <a:fld id="{D57F1E4F-1CFF-5643-939E-217C01CDF565}" type="slidenum">
+              <a:rPr lang="en-US" smtClean="0"/>
+              <a:pPr/>
+              <a:t>56</a:t>
+            </a:fld>
+            <a:endParaRPr lang="en-US" dirty="0"/>
           </a:p>
         </p:txBody>
       </p:sp>
@@ -12322,59 +16448,46 @@
           <a:p>
             <a:r>
               <a:rPr lang="tr-TR" dirty="0" smtClean="0"/>
-              <a:t>Bir programın çalıştırılabilmesi için gerekli tüm bilgiyi tutan konteyner olarak düşünülebilir. </a:t>
-            </a:r>
-            <a:r>
-              <a:rPr lang="tr-TR" dirty="0" smtClean="0"/>
-              <a:t>Süreç tablosunda tutulurlar.</a:t>
+              <a:t>Bir programın çalıştırılabilmesi için gerekli tüm bilgiyi tutan konteyner olarak düşünülebilir. Süreç tablosunda tutulurlar.</a:t>
+            </a:r>
+          </a:p>
+          <a:p>
+            <a:r>
+              <a:rPr lang="tr-TR" dirty="0" smtClean="0"/>
+              <a:t>İşletim sistemi tarafından atanmış kaynaklar </a:t>
+            </a:r>
+            <a:r>
+              <a:rPr lang="tr-TR" dirty="0"/>
+              <a:t>(örneğin bellek, CPU) </a:t>
+            </a:r>
+            <a:r>
+              <a:rPr lang="tr-TR" dirty="0" smtClean="0"/>
+              <a:t>ile ilişkilidir. Diğer süreçlerle konuşabilirler (IPC).</a:t>
+            </a:r>
+            <a:endParaRPr lang="tr-TR" dirty="0"/>
+          </a:p>
+          <a:p>
+            <a:r>
+              <a:rPr lang="tr-TR" dirty="0" smtClean="0"/>
+              <a:t>Bellekte </a:t>
+            </a:r>
+            <a:r>
+              <a:rPr lang="tr-TR" dirty="0"/>
+              <a:t>saklanır ve </a:t>
+            </a:r>
+            <a:r>
+              <a:rPr lang="tr-TR" dirty="0" smtClean="0"/>
+              <a:t>yürütülürler. </a:t>
+            </a:r>
+            <a:r>
+              <a:rPr lang="tr-TR" dirty="0"/>
+              <a:t>Adres uzayı ile ilişkilidir. </a:t>
             </a:r>
             <a:endParaRPr lang="tr-TR" dirty="0" smtClean="0"/>
           </a:p>
           <a:p>
             <a:r>
               <a:rPr lang="tr-TR" dirty="0" smtClean="0"/>
-              <a:t>İşletim sistemi tarafından atanmış kaynaklar </a:t>
-            </a:r>
-            <a:r>
-              <a:rPr lang="tr-TR" dirty="0"/>
-              <a:t>(örneğin bellek, CPU) </a:t>
-            </a:r>
-            <a:r>
-              <a:rPr lang="tr-TR" dirty="0" smtClean="0"/>
-              <a:t>ile ilişkilidir</a:t>
-            </a:r>
-            <a:r>
-              <a:rPr lang="tr-TR" dirty="0" smtClean="0"/>
-              <a:t>. Diğer süreçlerle konuşabilirler (IPC).</a:t>
-            </a:r>
-            <a:endParaRPr lang="tr-TR" dirty="0"/>
-          </a:p>
-          <a:p>
-            <a:r>
-              <a:rPr lang="tr-TR" dirty="0" smtClean="0"/>
-              <a:t>Bellekte </a:t>
-            </a:r>
-            <a:r>
-              <a:rPr lang="tr-TR" dirty="0"/>
-              <a:t>saklanır ve </a:t>
-            </a:r>
-            <a:r>
-              <a:rPr lang="tr-TR" dirty="0" smtClean="0"/>
-              <a:t>yürütülürler. </a:t>
-            </a:r>
-            <a:r>
-              <a:rPr lang="tr-TR" dirty="0"/>
-              <a:t>Adres uzayı ile ilişkilidir</a:t>
-            </a:r>
-            <a:r>
-              <a:rPr lang="tr-TR" dirty="0"/>
-              <a:t>. </a:t>
-            </a:r>
-            <a:endParaRPr lang="tr-TR" dirty="0" smtClean="0"/>
-          </a:p>
-          <a:p>
-            <a:r>
-              <a:rPr lang="tr-TR" dirty="0" smtClean="0"/>
               <a:t>Adres uzayı: 0-4G, </a:t>
             </a:r>
             <a:r>
@@ -12409,6 +16522,76 @@
           </a:p>
           <a:p>
             <a:endParaRPr lang="tr-TR" dirty="0"/>
+          </a:p>
+        </p:txBody>
+      </p:sp>
+      <p:sp>
+        <p:nvSpPr>
+          <p:cNvPr id="4" name="Date Placeholder 3"/>
+          <p:cNvSpPr>
+            <a:spLocks noGrp="1"/>
+          </p:cNvSpPr>
+          <p:nvPr>
+            <p:ph type="dt" sz="half" idx="10"/>
+          </p:nvPr>
+        </p:nvSpPr>
+        <p:spPr/>
+        <p:txBody>
+          <a:bodyPr/>
+          <a:lstStyle/>
+          <a:p>
+            <a:r>
+              <a:rPr lang="en-US" smtClean="0"/>
+              <a:t>1/20/2023</a:t>
+            </a:r>
+            <a:endParaRPr lang="en-US" dirty="0"/>
+          </a:p>
+        </p:txBody>
+      </p:sp>
+      <p:sp>
+        <p:nvSpPr>
+          <p:cNvPr id="5" name="Footer Placeholder 4"/>
+          <p:cNvSpPr>
+            <a:spLocks noGrp="1"/>
+          </p:cNvSpPr>
+          <p:nvPr>
+            <p:ph type="ftr" sz="quarter" idx="11"/>
+          </p:nvPr>
+        </p:nvSpPr>
+        <p:spPr/>
+        <p:txBody>
+          <a:bodyPr/>
+          <a:lstStyle/>
+          <a:p>
+            <a:r>
+              <a:rPr lang="en-US" smtClean="0"/>
+              <a:t>Sercan KÜLCÜ, Tanenbaum, Modern Operating Systems 3e kitabından faydalanılmıştır. Tüm hakları saklıdır.</a:t>
+            </a:r>
+            <a:endParaRPr lang="en-US" dirty="0"/>
+          </a:p>
+        </p:txBody>
+      </p:sp>
+      <p:sp>
+        <p:nvSpPr>
+          <p:cNvPr id="6" name="Slide Number Placeholder 5"/>
+          <p:cNvSpPr>
+            <a:spLocks noGrp="1"/>
+          </p:cNvSpPr>
+          <p:nvPr>
+            <p:ph type="sldNum" sz="quarter" idx="12"/>
+          </p:nvPr>
+        </p:nvSpPr>
+        <p:spPr/>
+        <p:txBody>
+          <a:bodyPr/>
+          <a:lstStyle/>
+          <a:p>
+            <a:fld id="{D57F1E4F-1CFF-5643-939E-217C01CDF565}" type="slidenum">
+              <a:rPr lang="en-US" smtClean="0"/>
+              <a:pPr/>
+              <a:t>57</a:t>
+            </a:fld>
+            <a:endParaRPr lang="en-US" dirty="0"/>
           </a:p>
         </p:txBody>
       </p:sp>
@@ -12571,6 +16754,76 @@
           </a:extLst>
         </p:spPr>
       </p:pic>
+      <p:sp>
+        <p:nvSpPr>
+          <p:cNvPr id="5" name="Date Placeholder 4"/>
+          <p:cNvSpPr>
+            <a:spLocks noGrp="1"/>
+          </p:cNvSpPr>
+          <p:nvPr>
+            <p:ph type="dt" sz="half" idx="10"/>
+          </p:nvPr>
+        </p:nvSpPr>
+        <p:spPr/>
+        <p:txBody>
+          <a:bodyPr/>
+          <a:lstStyle/>
+          <a:p>
+            <a:r>
+              <a:rPr lang="en-US" smtClean="0"/>
+              <a:t>1/20/2023</a:t>
+            </a:r>
+            <a:endParaRPr lang="en-US" dirty="0"/>
+          </a:p>
+        </p:txBody>
+      </p:sp>
+      <p:sp>
+        <p:nvSpPr>
+          <p:cNvPr id="6" name="Footer Placeholder 5"/>
+          <p:cNvSpPr>
+            <a:spLocks noGrp="1"/>
+          </p:cNvSpPr>
+          <p:nvPr>
+            <p:ph type="ftr" sz="quarter" idx="11"/>
+          </p:nvPr>
+        </p:nvSpPr>
+        <p:spPr/>
+        <p:txBody>
+          <a:bodyPr/>
+          <a:lstStyle/>
+          <a:p>
+            <a:r>
+              <a:rPr lang="en-US" smtClean="0"/>
+              <a:t>Sercan KÜLCÜ, Tanenbaum, Modern Operating Systems 3e kitabından faydalanılmıştır. Tüm hakları saklıdır.</a:t>
+            </a:r>
+            <a:endParaRPr lang="en-US" dirty="0"/>
+          </a:p>
+        </p:txBody>
+      </p:sp>
+      <p:sp>
+        <p:nvSpPr>
+          <p:cNvPr id="7" name="Slide Number Placeholder 6"/>
+          <p:cNvSpPr>
+            <a:spLocks noGrp="1"/>
+          </p:cNvSpPr>
+          <p:nvPr>
+            <p:ph type="sldNum" sz="quarter" idx="12"/>
+          </p:nvPr>
+        </p:nvSpPr>
+        <p:spPr/>
+        <p:txBody>
+          <a:bodyPr/>
+          <a:lstStyle/>
+          <a:p>
+            <a:fld id="{D57F1E4F-1CFF-5643-939E-217C01CDF565}" type="slidenum">
+              <a:rPr lang="en-US" smtClean="0"/>
+              <a:pPr/>
+              <a:t>58</a:t>
+            </a:fld>
+            <a:endParaRPr lang="en-US" dirty="0"/>
+          </a:p>
+        </p:txBody>
+      </p:sp>
     </p:spTree>
     <p:extLst>
       <p:ext uri="{BB962C8B-B14F-4D97-AF65-F5344CB8AC3E}">
@@ -12705,16 +16958,85 @@
               <a:rPr lang="tr-TR" dirty="0" smtClean="0"/>
               <a:t>bellek devreye girer.</a:t>
             </a:r>
-            <a:endParaRPr lang="tr-TR" dirty="0" smtClean="0"/>
-          </a:p>
-          <a:p>
-            <a:endParaRPr lang="tr-TR" dirty="0"/>
-          </a:p>
-          <a:p>
-            <a:endParaRPr lang="tr-TR" dirty="0"/>
-          </a:p>
-          <a:p>
-            <a:endParaRPr lang="tr-TR" dirty="0"/>
+          </a:p>
+          <a:p>
+            <a:endParaRPr lang="tr-TR" dirty="0"/>
+          </a:p>
+          <a:p>
+            <a:endParaRPr lang="tr-TR" dirty="0"/>
+          </a:p>
+          <a:p>
+            <a:endParaRPr lang="tr-TR" dirty="0"/>
+          </a:p>
+        </p:txBody>
+      </p:sp>
+      <p:sp>
+        <p:nvSpPr>
+          <p:cNvPr id="4" name="Date Placeholder 3"/>
+          <p:cNvSpPr>
+            <a:spLocks noGrp="1"/>
+          </p:cNvSpPr>
+          <p:nvPr>
+            <p:ph type="dt" sz="half" idx="10"/>
+          </p:nvPr>
+        </p:nvSpPr>
+        <p:spPr/>
+        <p:txBody>
+          <a:bodyPr/>
+          <a:lstStyle/>
+          <a:p>
+            <a:r>
+              <a:rPr lang="en-US" smtClean="0"/>
+              <a:t>1/20/2023</a:t>
+            </a:r>
+            <a:endParaRPr lang="en-US" dirty="0"/>
+          </a:p>
+        </p:txBody>
+      </p:sp>
+      <p:sp>
+        <p:nvSpPr>
+          <p:cNvPr id="5" name="Footer Placeholder 4"/>
+          <p:cNvSpPr>
+            <a:spLocks noGrp="1"/>
+          </p:cNvSpPr>
+          <p:nvPr>
+            <p:ph type="ftr" sz="quarter" idx="11"/>
+          </p:nvPr>
+        </p:nvSpPr>
+        <p:spPr/>
+        <p:txBody>
+          <a:bodyPr/>
+          <a:lstStyle/>
+          <a:p>
+            <a:r>
+              <a:rPr lang="en-US" smtClean="0"/>
+              <a:t>Sercan KÜLCÜ, Tanenbaum, Modern Operating Systems 3e kitabından faydalanılmıştır. Tüm hakları saklıdır.</a:t>
+            </a:r>
+            <a:endParaRPr lang="en-US" dirty="0"/>
+          </a:p>
+        </p:txBody>
+      </p:sp>
+      <p:sp>
+        <p:nvSpPr>
+          <p:cNvPr id="6" name="Slide Number Placeholder 5"/>
+          <p:cNvSpPr>
+            <a:spLocks noGrp="1"/>
+          </p:cNvSpPr>
+          <p:nvPr>
+            <p:ph type="sldNum" sz="quarter" idx="12"/>
+          </p:nvPr>
+        </p:nvSpPr>
+        <p:spPr/>
+        <p:txBody>
+          <a:bodyPr/>
+          <a:lstStyle/>
+          <a:p>
+            <a:fld id="{D57F1E4F-1CFF-5643-939E-217C01CDF565}" type="slidenum">
+              <a:rPr lang="en-US" smtClean="0"/>
+              <a:pPr/>
+              <a:t>59</a:t>
+            </a:fld>
+            <a:endParaRPr lang="en-US" dirty="0"/>
           </a:p>
         </p:txBody>
       </p:sp>
@@ -12863,6 +17185,76 @@
           </a:extLst>
         </p:spPr>
       </p:pic>
+      <p:sp>
+        <p:nvSpPr>
+          <p:cNvPr id="4" name="Date Placeholder 3"/>
+          <p:cNvSpPr>
+            <a:spLocks noGrp="1"/>
+          </p:cNvSpPr>
+          <p:nvPr>
+            <p:ph type="dt" sz="half" idx="10"/>
+          </p:nvPr>
+        </p:nvSpPr>
+        <p:spPr/>
+        <p:txBody>
+          <a:bodyPr/>
+          <a:lstStyle/>
+          <a:p>
+            <a:r>
+              <a:rPr lang="en-US" smtClean="0"/>
+              <a:t>1/20/2023</a:t>
+            </a:r>
+            <a:endParaRPr lang="en-US" dirty="0"/>
+          </a:p>
+        </p:txBody>
+      </p:sp>
+      <p:sp>
+        <p:nvSpPr>
+          <p:cNvPr id="6" name="Footer Placeholder 5"/>
+          <p:cNvSpPr>
+            <a:spLocks noGrp="1"/>
+          </p:cNvSpPr>
+          <p:nvPr>
+            <p:ph type="ftr" sz="quarter" idx="11"/>
+          </p:nvPr>
+        </p:nvSpPr>
+        <p:spPr/>
+        <p:txBody>
+          <a:bodyPr/>
+          <a:lstStyle/>
+          <a:p>
+            <a:r>
+              <a:rPr lang="en-US" smtClean="0"/>
+              <a:t>Sercan KÜLCÜ, Tanenbaum, Modern Operating Systems 3e kitabından faydalanılmıştır. Tüm hakları saklıdır.</a:t>
+            </a:r>
+            <a:endParaRPr lang="en-US" dirty="0"/>
+          </a:p>
+        </p:txBody>
+      </p:sp>
+      <p:sp>
+        <p:nvSpPr>
+          <p:cNvPr id="7" name="Slide Number Placeholder 6"/>
+          <p:cNvSpPr>
+            <a:spLocks noGrp="1"/>
+          </p:cNvSpPr>
+          <p:nvPr>
+            <p:ph type="sldNum" sz="quarter" idx="12"/>
+          </p:nvPr>
+        </p:nvSpPr>
+        <p:spPr/>
+        <p:txBody>
+          <a:bodyPr/>
+          <a:lstStyle/>
+          <a:p>
+            <a:fld id="{D57F1E4F-1CFF-5643-939E-217C01CDF565}" type="slidenum">
+              <a:rPr lang="en-US" smtClean="0"/>
+              <a:pPr/>
+              <a:t>6</a:t>
+            </a:fld>
+            <a:endParaRPr lang="en-US" dirty="0"/>
+          </a:p>
+        </p:txBody>
+      </p:sp>
     </p:spTree>
     <p:extLst>
       <p:ext uri="{BB962C8B-B14F-4D97-AF65-F5344CB8AC3E}">
@@ -13014,6 +17406,76 @@
           </a:p>
           <a:p>
             <a:endParaRPr lang="tr-TR" dirty="0"/>
+          </a:p>
+        </p:txBody>
+      </p:sp>
+      <p:sp>
+        <p:nvSpPr>
+          <p:cNvPr id="4" name="Date Placeholder 3"/>
+          <p:cNvSpPr>
+            <a:spLocks noGrp="1"/>
+          </p:cNvSpPr>
+          <p:nvPr>
+            <p:ph type="dt" sz="half" idx="10"/>
+          </p:nvPr>
+        </p:nvSpPr>
+        <p:spPr/>
+        <p:txBody>
+          <a:bodyPr/>
+          <a:lstStyle/>
+          <a:p>
+            <a:r>
+              <a:rPr lang="en-US" smtClean="0"/>
+              <a:t>1/20/2023</a:t>
+            </a:r>
+            <a:endParaRPr lang="en-US" dirty="0"/>
+          </a:p>
+        </p:txBody>
+      </p:sp>
+      <p:sp>
+        <p:nvSpPr>
+          <p:cNvPr id="5" name="Footer Placeholder 4"/>
+          <p:cNvSpPr>
+            <a:spLocks noGrp="1"/>
+          </p:cNvSpPr>
+          <p:nvPr>
+            <p:ph type="ftr" sz="quarter" idx="11"/>
+          </p:nvPr>
+        </p:nvSpPr>
+        <p:spPr/>
+        <p:txBody>
+          <a:bodyPr/>
+          <a:lstStyle/>
+          <a:p>
+            <a:r>
+              <a:rPr lang="en-US" smtClean="0"/>
+              <a:t>Sercan KÜLCÜ, Tanenbaum, Modern Operating Systems 3e kitabından faydalanılmıştır. Tüm hakları saklıdır.</a:t>
+            </a:r>
+            <a:endParaRPr lang="en-US" dirty="0"/>
+          </a:p>
+        </p:txBody>
+      </p:sp>
+      <p:sp>
+        <p:nvSpPr>
+          <p:cNvPr id="6" name="Slide Number Placeholder 5"/>
+          <p:cNvSpPr>
+            <a:spLocks noGrp="1"/>
+          </p:cNvSpPr>
+          <p:nvPr>
+            <p:ph type="sldNum" sz="quarter" idx="12"/>
+          </p:nvPr>
+        </p:nvSpPr>
+        <p:spPr/>
+        <p:txBody>
+          <a:bodyPr/>
+          <a:lstStyle/>
+          <a:p>
+            <a:fld id="{D57F1E4F-1CFF-5643-939E-217C01CDF565}" type="slidenum">
+              <a:rPr lang="en-US" smtClean="0"/>
+              <a:pPr/>
+              <a:t>60</a:t>
+            </a:fld>
+            <a:endParaRPr lang="en-US" dirty="0"/>
           </a:p>
         </p:txBody>
       </p:sp>
@@ -13170,6 +17632,76 @@
           </a:extLst>
         </p:spPr>
       </p:pic>
+      <p:sp>
+        <p:nvSpPr>
+          <p:cNvPr id="5" name="Date Placeholder 4"/>
+          <p:cNvSpPr>
+            <a:spLocks noGrp="1"/>
+          </p:cNvSpPr>
+          <p:nvPr>
+            <p:ph type="dt" sz="half" idx="10"/>
+          </p:nvPr>
+        </p:nvSpPr>
+        <p:spPr/>
+        <p:txBody>
+          <a:bodyPr/>
+          <a:lstStyle/>
+          <a:p>
+            <a:r>
+              <a:rPr lang="en-US" smtClean="0"/>
+              <a:t>1/20/2023</a:t>
+            </a:r>
+            <a:endParaRPr lang="en-US" dirty="0"/>
+          </a:p>
+        </p:txBody>
+      </p:sp>
+      <p:sp>
+        <p:nvSpPr>
+          <p:cNvPr id="6" name="Footer Placeholder 5"/>
+          <p:cNvSpPr>
+            <a:spLocks noGrp="1"/>
+          </p:cNvSpPr>
+          <p:nvPr>
+            <p:ph type="ftr" sz="quarter" idx="11"/>
+          </p:nvPr>
+        </p:nvSpPr>
+        <p:spPr/>
+        <p:txBody>
+          <a:bodyPr/>
+          <a:lstStyle/>
+          <a:p>
+            <a:r>
+              <a:rPr lang="en-US" smtClean="0"/>
+              <a:t>Sercan KÜLCÜ, Tanenbaum, Modern Operating Systems 3e kitabından faydalanılmıştır. Tüm hakları saklıdır.</a:t>
+            </a:r>
+            <a:endParaRPr lang="en-US" dirty="0"/>
+          </a:p>
+        </p:txBody>
+      </p:sp>
+      <p:sp>
+        <p:nvSpPr>
+          <p:cNvPr id="7" name="Slide Number Placeholder 6"/>
+          <p:cNvSpPr>
+            <a:spLocks noGrp="1"/>
+          </p:cNvSpPr>
+          <p:nvPr>
+            <p:ph type="sldNum" sz="quarter" idx="12"/>
+          </p:nvPr>
+        </p:nvSpPr>
+        <p:spPr/>
+        <p:txBody>
+          <a:bodyPr/>
+          <a:lstStyle/>
+          <a:p>
+            <a:fld id="{D57F1E4F-1CFF-5643-939E-217C01CDF565}" type="slidenum">
+              <a:rPr lang="en-US" smtClean="0"/>
+              <a:pPr/>
+              <a:t>61</a:t>
+            </a:fld>
+            <a:endParaRPr lang="en-US" dirty="0"/>
+          </a:p>
+        </p:txBody>
+      </p:sp>
     </p:spTree>
     <p:extLst>
       <p:ext uri="{BB962C8B-B14F-4D97-AF65-F5344CB8AC3E}">
@@ -13351,6 +17883,76 @@
           </a:extLst>
         </p:spPr>
       </p:pic>
+      <p:sp>
+        <p:nvSpPr>
+          <p:cNvPr id="5" name="Date Placeholder 4"/>
+          <p:cNvSpPr>
+            <a:spLocks noGrp="1"/>
+          </p:cNvSpPr>
+          <p:nvPr>
+            <p:ph type="dt" sz="half" idx="10"/>
+          </p:nvPr>
+        </p:nvSpPr>
+        <p:spPr/>
+        <p:txBody>
+          <a:bodyPr/>
+          <a:lstStyle/>
+          <a:p>
+            <a:r>
+              <a:rPr lang="en-US" smtClean="0"/>
+              <a:t>1/20/2023</a:t>
+            </a:r>
+            <a:endParaRPr lang="en-US" dirty="0"/>
+          </a:p>
+        </p:txBody>
+      </p:sp>
+      <p:sp>
+        <p:nvSpPr>
+          <p:cNvPr id="6" name="Footer Placeholder 5"/>
+          <p:cNvSpPr>
+            <a:spLocks noGrp="1"/>
+          </p:cNvSpPr>
+          <p:nvPr>
+            <p:ph type="ftr" sz="quarter" idx="11"/>
+          </p:nvPr>
+        </p:nvSpPr>
+        <p:spPr/>
+        <p:txBody>
+          <a:bodyPr/>
+          <a:lstStyle/>
+          <a:p>
+            <a:r>
+              <a:rPr lang="en-US" smtClean="0"/>
+              <a:t>Sercan KÜLCÜ, Tanenbaum, Modern Operating Systems 3e kitabından faydalanılmıştır. Tüm hakları saklıdır.</a:t>
+            </a:r>
+            <a:endParaRPr lang="en-US" dirty="0"/>
+          </a:p>
+        </p:txBody>
+      </p:sp>
+      <p:sp>
+        <p:nvSpPr>
+          <p:cNvPr id="7" name="Slide Number Placeholder 6"/>
+          <p:cNvSpPr>
+            <a:spLocks noGrp="1"/>
+          </p:cNvSpPr>
+          <p:nvPr>
+            <p:ph type="sldNum" sz="quarter" idx="12"/>
+          </p:nvPr>
+        </p:nvSpPr>
+        <p:spPr/>
+        <p:txBody>
+          <a:bodyPr/>
+          <a:lstStyle/>
+          <a:p>
+            <a:fld id="{D57F1E4F-1CFF-5643-939E-217C01CDF565}" type="slidenum">
+              <a:rPr lang="en-US" smtClean="0"/>
+              <a:pPr/>
+              <a:t>62</a:t>
+            </a:fld>
+            <a:endParaRPr lang="en-US" dirty="0"/>
+          </a:p>
+        </p:txBody>
+      </p:sp>
     </p:spTree>
     <p:extLst>
       <p:ext uri="{BB962C8B-B14F-4D97-AF65-F5344CB8AC3E}">
@@ -13512,6 +18114,76 @@
           </a:extLst>
         </p:spPr>
       </p:pic>
+      <p:sp>
+        <p:nvSpPr>
+          <p:cNvPr id="5" name="Date Placeholder 4"/>
+          <p:cNvSpPr>
+            <a:spLocks noGrp="1"/>
+          </p:cNvSpPr>
+          <p:nvPr>
+            <p:ph type="dt" sz="half" idx="10"/>
+          </p:nvPr>
+        </p:nvSpPr>
+        <p:spPr/>
+        <p:txBody>
+          <a:bodyPr/>
+          <a:lstStyle/>
+          <a:p>
+            <a:r>
+              <a:rPr lang="en-US" smtClean="0"/>
+              <a:t>1/20/2023</a:t>
+            </a:r>
+            <a:endParaRPr lang="en-US" dirty="0"/>
+          </a:p>
+        </p:txBody>
+      </p:sp>
+      <p:sp>
+        <p:nvSpPr>
+          <p:cNvPr id="6" name="Footer Placeholder 5"/>
+          <p:cNvSpPr>
+            <a:spLocks noGrp="1"/>
+          </p:cNvSpPr>
+          <p:nvPr>
+            <p:ph type="ftr" sz="quarter" idx="11"/>
+          </p:nvPr>
+        </p:nvSpPr>
+        <p:spPr/>
+        <p:txBody>
+          <a:bodyPr/>
+          <a:lstStyle/>
+          <a:p>
+            <a:r>
+              <a:rPr lang="en-US" smtClean="0"/>
+              <a:t>Sercan KÜLCÜ, Tanenbaum, Modern Operating Systems 3e kitabından faydalanılmıştır. Tüm hakları saklıdır.</a:t>
+            </a:r>
+            <a:endParaRPr lang="en-US" dirty="0"/>
+          </a:p>
+        </p:txBody>
+      </p:sp>
+      <p:sp>
+        <p:nvSpPr>
+          <p:cNvPr id="7" name="Slide Number Placeholder 6"/>
+          <p:cNvSpPr>
+            <a:spLocks noGrp="1"/>
+          </p:cNvSpPr>
+          <p:nvPr>
+            <p:ph type="sldNum" sz="quarter" idx="12"/>
+          </p:nvPr>
+        </p:nvSpPr>
+        <p:spPr/>
+        <p:txBody>
+          <a:bodyPr/>
+          <a:lstStyle/>
+          <a:p>
+            <a:fld id="{D57F1E4F-1CFF-5643-939E-217C01CDF565}" type="slidenum">
+              <a:rPr lang="en-US" smtClean="0"/>
+              <a:pPr/>
+              <a:t>63</a:t>
+            </a:fld>
+            <a:endParaRPr lang="en-US" dirty="0"/>
+          </a:p>
+        </p:txBody>
+      </p:sp>
     </p:spTree>
     <p:extLst>
       <p:ext uri="{BB962C8B-B14F-4D97-AF65-F5344CB8AC3E}">
@@ -13636,13 +18308,82 @@
               <a:rPr lang="tr-TR" dirty="0"/>
               <a:t>Sistem çağrıları sistemden sisteme değişir, ancak temel kavramlar benzerdir.</a:t>
             </a:r>
-            <a:endParaRPr lang="tr-TR" dirty="0"/>
-          </a:p>
-          <a:p>
-            <a:endParaRPr lang="tr-TR" dirty="0"/>
-          </a:p>
-          <a:p>
-            <a:endParaRPr lang="tr-TR" dirty="0"/>
+          </a:p>
+          <a:p>
+            <a:endParaRPr lang="tr-TR" dirty="0"/>
+          </a:p>
+          <a:p>
+            <a:endParaRPr lang="tr-TR" dirty="0"/>
+          </a:p>
+        </p:txBody>
+      </p:sp>
+      <p:sp>
+        <p:nvSpPr>
+          <p:cNvPr id="4" name="Date Placeholder 3"/>
+          <p:cNvSpPr>
+            <a:spLocks noGrp="1"/>
+          </p:cNvSpPr>
+          <p:nvPr>
+            <p:ph type="dt" sz="half" idx="10"/>
+          </p:nvPr>
+        </p:nvSpPr>
+        <p:spPr/>
+        <p:txBody>
+          <a:bodyPr/>
+          <a:lstStyle/>
+          <a:p>
+            <a:r>
+              <a:rPr lang="en-US" smtClean="0"/>
+              <a:t>1/20/2023</a:t>
+            </a:r>
+            <a:endParaRPr lang="en-US" dirty="0"/>
+          </a:p>
+        </p:txBody>
+      </p:sp>
+      <p:sp>
+        <p:nvSpPr>
+          <p:cNvPr id="5" name="Footer Placeholder 4"/>
+          <p:cNvSpPr>
+            <a:spLocks noGrp="1"/>
+          </p:cNvSpPr>
+          <p:nvPr>
+            <p:ph type="ftr" sz="quarter" idx="11"/>
+          </p:nvPr>
+        </p:nvSpPr>
+        <p:spPr/>
+        <p:txBody>
+          <a:bodyPr/>
+          <a:lstStyle/>
+          <a:p>
+            <a:r>
+              <a:rPr lang="en-US" smtClean="0"/>
+              <a:t>Sercan KÜLCÜ, Tanenbaum, Modern Operating Systems 3e kitabından faydalanılmıştır. Tüm hakları saklıdır.</a:t>
+            </a:r>
+            <a:endParaRPr lang="en-US" dirty="0"/>
+          </a:p>
+        </p:txBody>
+      </p:sp>
+      <p:sp>
+        <p:nvSpPr>
+          <p:cNvPr id="6" name="Slide Number Placeholder 5"/>
+          <p:cNvSpPr>
+            <a:spLocks noGrp="1"/>
+          </p:cNvSpPr>
+          <p:nvPr>
+            <p:ph type="sldNum" sz="quarter" idx="12"/>
+          </p:nvPr>
+        </p:nvSpPr>
+        <p:spPr/>
+        <p:txBody>
+          <a:bodyPr/>
+          <a:lstStyle/>
+          <a:p>
+            <a:fld id="{D57F1E4F-1CFF-5643-939E-217C01CDF565}" type="slidenum">
+              <a:rPr lang="en-US" smtClean="0"/>
+              <a:pPr/>
+              <a:t>64</a:t>
+            </a:fld>
+            <a:endParaRPr lang="en-US" dirty="0"/>
           </a:p>
         </p:txBody>
       </p:sp>
@@ -13830,6 +18571,76 @@
           </a:extLst>
         </p:spPr>
       </p:pic>
+      <p:sp>
+        <p:nvSpPr>
+          <p:cNvPr id="5" name="Date Placeholder 4"/>
+          <p:cNvSpPr>
+            <a:spLocks noGrp="1"/>
+          </p:cNvSpPr>
+          <p:nvPr>
+            <p:ph type="dt" sz="half" idx="10"/>
+          </p:nvPr>
+        </p:nvSpPr>
+        <p:spPr/>
+        <p:txBody>
+          <a:bodyPr/>
+          <a:lstStyle/>
+          <a:p>
+            <a:r>
+              <a:rPr lang="en-US" smtClean="0"/>
+              <a:t>1/20/2023</a:t>
+            </a:r>
+            <a:endParaRPr lang="en-US" dirty="0"/>
+          </a:p>
+        </p:txBody>
+      </p:sp>
+      <p:sp>
+        <p:nvSpPr>
+          <p:cNvPr id="6" name="Footer Placeholder 5"/>
+          <p:cNvSpPr>
+            <a:spLocks noGrp="1"/>
+          </p:cNvSpPr>
+          <p:nvPr>
+            <p:ph type="ftr" sz="quarter" idx="11"/>
+          </p:nvPr>
+        </p:nvSpPr>
+        <p:spPr/>
+        <p:txBody>
+          <a:bodyPr/>
+          <a:lstStyle/>
+          <a:p>
+            <a:r>
+              <a:rPr lang="en-US" smtClean="0"/>
+              <a:t>Sercan KÜLCÜ, Tanenbaum, Modern Operating Systems 3e kitabından faydalanılmıştır. Tüm hakları saklıdır.</a:t>
+            </a:r>
+            <a:endParaRPr lang="en-US" dirty="0"/>
+          </a:p>
+        </p:txBody>
+      </p:sp>
+      <p:sp>
+        <p:nvSpPr>
+          <p:cNvPr id="7" name="Slide Number Placeholder 6"/>
+          <p:cNvSpPr>
+            <a:spLocks noGrp="1"/>
+          </p:cNvSpPr>
+          <p:nvPr>
+            <p:ph type="sldNum" sz="quarter" idx="12"/>
+          </p:nvPr>
+        </p:nvSpPr>
+        <p:spPr/>
+        <p:txBody>
+          <a:bodyPr/>
+          <a:lstStyle/>
+          <a:p>
+            <a:fld id="{D57F1E4F-1CFF-5643-939E-217C01CDF565}" type="slidenum">
+              <a:rPr lang="en-US" smtClean="0"/>
+              <a:pPr/>
+              <a:t>65</a:t>
+            </a:fld>
+            <a:endParaRPr lang="en-US" dirty="0"/>
+          </a:p>
+        </p:txBody>
+      </p:sp>
     </p:spTree>
     <p:extLst>
       <p:ext uri="{BB962C8B-B14F-4D97-AF65-F5344CB8AC3E}">
@@ -14005,6 +18816,76 @@
           </a:extLst>
         </p:spPr>
       </p:pic>
+      <p:sp>
+        <p:nvSpPr>
+          <p:cNvPr id="5" name="Date Placeholder 4"/>
+          <p:cNvSpPr>
+            <a:spLocks noGrp="1"/>
+          </p:cNvSpPr>
+          <p:nvPr>
+            <p:ph type="dt" sz="half" idx="10"/>
+          </p:nvPr>
+        </p:nvSpPr>
+        <p:spPr/>
+        <p:txBody>
+          <a:bodyPr/>
+          <a:lstStyle/>
+          <a:p>
+            <a:r>
+              <a:rPr lang="en-US" smtClean="0"/>
+              <a:t>1/20/2023</a:t>
+            </a:r>
+            <a:endParaRPr lang="en-US" dirty="0"/>
+          </a:p>
+        </p:txBody>
+      </p:sp>
+      <p:sp>
+        <p:nvSpPr>
+          <p:cNvPr id="6" name="Footer Placeholder 5"/>
+          <p:cNvSpPr>
+            <a:spLocks noGrp="1"/>
+          </p:cNvSpPr>
+          <p:nvPr>
+            <p:ph type="ftr" sz="quarter" idx="11"/>
+          </p:nvPr>
+        </p:nvSpPr>
+        <p:spPr/>
+        <p:txBody>
+          <a:bodyPr/>
+          <a:lstStyle/>
+          <a:p>
+            <a:r>
+              <a:rPr lang="en-US" smtClean="0"/>
+              <a:t>Sercan KÜLCÜ, Tanenbaum, Modern Operating Systems 3e kitabından faydalanılmıştır. Tüm hakları saklıdır.</a:t>
+            </a:r>
+            <a:endParaRPr lang="en-US" dirty="0"/>
+          </a:p>
+        </p:txBody>
+      </p:sp>
+      <p:sp>
+        <p:nvSpPr>
+          <p:cNvPr id="7" name="Slide Number Placeholder 6"/>
+          <p:cNvSpPr>
+            <a:spLocks noGrp="1"/>
+          </p:cNvSpPr>
+          <p:nvPr>
+            <p:ph type="sldNum" sz="quarter" idx="12"/>
+          </p:nvPr>
+        </p:nvSpPr>
+        <p:spPr/>
+        <p:txBody>
+          <a:bodyPr/>
+          <a:lstStyle/>
+          <a:p>
+            <a:fld id="{D57F1E4F-1CFF-5643-939E-217C01CDF565}" type="slidenum">
+              <a:rPr lang="en-US" smtClean="0"/>
+              <a:pPr/>
+              <a:t>66</a:t>
+            </a:fld>
+            <a:endParaRPr lang="en-US" dirty="0"/>
+          </a:p>
+        </p:txBody>
+      </p:sp>
     </p:spTree>
     <p:extLst>
       <p:ext uri="{BB962C8B-B14F-4D97-AF65-F5344CB8AC3E}">
@@ -14194,6 +19075,76 @@
           </a:extLst>
         </p:spPr>
       </p:pic>
+      <p:sp>
+        <p:nvSpPr>
+          <p:cNvPr id="5" name="Date Placeholder 4"/>
+          <p:cNvSpPr>
+            <a:spLocks noGrp="1"/>
+          </p:cNvSpPr>
+          <p:nvPr>
+            <p:ph type="dt" sz="half" idx="10"/>
+          </p:nvPr>
+        </p:nvSpPr>
+        <p:spPr/>
+        <p:txBody>
+          <a:bodyPr/>
+          <a:lstStyle/>
+          <a:p>
+            <a:r>
+              <a:rPr lang="en-US" smtClean="0"/>
+              <a:t>1/20/2023</a:t>
+            </a:r>
+            <a:endParaRPr lang="en-US" dirty="0"/>
+          </a:p>
+        </p:txBody>
+      </p:sp>
+      <p:sp>
+        <p:nvSpPr>
+          <p:cNvPr id="6" name="Footer Placeholder 5"/>
+          <p:cNvSpPr>
+            <a:spLocks noGrp="1"/>
+          </p:cNvSpPr>
+          <p:nvPr>
+            <p:ph type="ftr" sz="quarter" idx="11"/>
+          </p:nvPr>
+        </p:nvSpPr>
+        <p:spPr/>
+        <p:txBody>
+          <a:bodyPr/>
+          <a:lstStyle/>
+          <a:p>
+            <a:r>
+              <a:rPr lang="en-US" smtClean="0"/>
+              <a:t>Sercan KÜLCÜ, Tanenbaum, Modern Operating Systems 3e kitabından faydalanılmıştır. Tüm hakları saklıdır.</a:t>
+            </a:r>
+            <a:endParaRPr lang="en-US" dirty="0"/>
+          </a:p>
+        </p:txBody>
+      </p:sp>
+      <p:sp>
+        <p:nvSpPr>
+          <p:cNvPr id="7" name="Slide Number Placeholder 6"/>
+          <p:cNvSpPr>
+            <a:spLocks noGrp="1"/>
+          </p:cNvSpPr>
+          <p:nvPr>
+            <p:ph type="sldNum" sz="quarter" idx="12"/>
+          </p:nvPr>
+        </p:nvSpPr>
+        <p:spPr/>
+        <p:txBody>
+          <a:bodyPr/>
+          <a:lstStyle/>
+          <a:p>
+            <a:fld id="{D57F1E4F-1CFF-5643-939E-217C01CDF565}" type="slidenum">
+              <a:rPr lang="en-US" smtClean="0"/>
+              <a:pPr/>
+              <a:t>67</a:t>
+            </a:fld>
+            <a:endParaRPr lang="en-US" dirty="0"/>
+          </a:p>
+        </p:txBody>
+      </p:sp>
     </p:spTree>
     <p:extLst>
       <p:ext uri="{BB962C8B-B14F-4D97-AF65-F5344CB8AC3E}">
@@ -14342,6 +19293,76 @@
           </a:extLst>
         </p:spPr>
       </p:pic>
+      <p:sp>
+        <p:nvSpPr>
+          <p:cNvPr id="5" name="Date Placeholder 4"/>
+          <p:cNvSpPr>
+            <a:spLocks noGrp="1"/>
+          </p:cNvSpPr>
+          <p:nvPr>
+            <p:ph type="dt" sz="half" idx="10"/>
+          </p:nvPr>
+        </p:nvSpPr>
+        <p:spPr/>
+        <p:txBody>
+          <a:bodyPr/>
+          <a:lstStyle/>
+          <a:p>
+            <a:r>
+              <a:rPr lang="en-US" smtClean="0"/>
+              <a:t>1/20/2023</a:t>
+            </a:r>
+            <a:endParaRPr lang="en-US" dirty="0"/>
+          </a:p>
+        </p:txBody>
+      </p:sp>
+      <p:sp>
+        <p:nvSpPr>
+          <p:cNvPr id="6" name="Footer Placeholder 5"/>
+          <p:cNvSpPr>
+            <a:spLocks noGrp="1"/>
+          </p:cNvSpPr>
+          <p:nvPr>
+            <p:ph type="ftr" sz="quarter" idx="11"/>
+          </p:nvPr>
+        </p:nvSpPr>
+        <p:spPr/>
+        <p:txBody>
+          <a:bodyPr/>
+          <a:lstStyle/>
+          <a:p>
+            <a:r>
+              <a:rPr lang="en-US" smtClean="0"/>
+              <a:t>Sercan KÜLCÜ, Tanenbaum, Modern Operating Systems 3e kitabından faydalanılmıştır. Tüm hakları saklıdır.</a:t>
+            </a:r>
+            <a:endParaRPr lang="en-US" dirty="0"/>
+          </a:p>
+        </p:txBody>
+      </p:sp>
+      <p:sp>
+        <p:nvSpPr>
+          <p:cNvPr id="7" name="Slide Number Placeholder 6"/>
+          <p:cNvSpPr>
+            <a:spLocks noGrp="1"/>
+          </p:cNvSpPr>
+          <p:nvPr>
+            <p:ph type="sldNum" sz="quarter" idx="12"/>
+          </p:nvPr>
+        </p:nvSpPr>
+        <p:spPr/>
+        <p:txBody>
+          <a:bodyPr/>
+          <a:lstStyle/>
+          <a:p>
+            <a:fld id="{D57F1E4F-1CFF-5643-939E-217C01CDF565}" type="slidenum">
+              <a:rPr lang="en-US" smtClean="0"/>
+              <a:pPr/>
+              <a:t>68</a:t>
+            </a:fld>
+            <a:endParaRPr lang="en-US" dirty="0"/>
+          </a:p>
+        </p:txBody>
+      </p:sp>
     </p:spTree>
     <p:extLst>
       <p:ext uri="{BB962C8B-B14F-4D97-AF65-F5344CB8AC3E}">
@@ -14501,6 +19522,76 @@
           </a:extLst>
         </p:spPr>
       </p:pic>
+      <p:sp>
+        <p:nvSpPr>
+          <p:cNvPr id="5" name="Date Placeholder 4"/>
+          <p:cNvSpPr>
+            <a:spLocks noGrp="1"/>
+          </p:cNvSpPr>
+          <p:nvPr>
+            <p:ph type="dt" sz="half" idx="10"/>
+          </p:nvPr>
+        </p:nvSpPr>
+        <p:spPr/>
+        <p:txBody>
+          <a:bodyPr/>
+          <a:lstStyle/>
+          <a:p>
+            <a:r>
+              <a:rPr lang="en-US" smtClean="0"/>
+              <a:t>1/20/2023</a:t>
+            </a:r>
+            <a:endParaRPr lang="en-US" dirty="0"/>
+          </a:p>
+        </p:txBody>
+      </p:sp>
+      <p:sp>
+        <p:nvSpPr>
+          <p:cNvPr id="6" name="Footer Placeholder 5"/>
+          <p:cNvSpPr>
+            <a:spLocks noGrp="1"/>
+          </p:cNvSpPr>
+          <p:nvPr>
+            <p:ph type="ftr" sz="quarter" idx="11"/>
+          </p:nvPr>
+        </p:nvSpPr>
+        <p:spPr/>
+        <p:txBody>
+          <a:bodyPr/>
+          <a:lstStyle/>
+          <a:p>
+            <a:r>
+              <a:rPr lang="en-US" smtClean="0"/>
+              <a:t>Sercan KÜLCÜ, Tanenbaum, Modern Operating Systems 3e kitabından faydalanılmıştır. Tüm hakları saklıdır.</a:t>
+            </a:r>
+            <a:endParaRPr lang="en-US" dirty="0"/>
+          </a:p>
+        </p:txBody>
+      </p:sp>
+      <p:sp>
+        <p:nvSpPr>
+          <p:cNvPr id="7" name="Slide Number Placeholder 6"/>
+          <p:cNvSpPr>
+            <a:spLocks noGrp="1"/>
+          </p:cNvSpPr>
+          <p:nvPr>
+            <p:ph type="sldNum" sz="quarter" idx="12"/>
+          </p:nvPr>
+        </p:nvSpPr>
+        <p:spPr/>
+        <p:txBody>
+          <a:bodyPr/>
+          <a:lstStyle/>
+          <a:p>
+            <a:fld id="{D57F1E4F-1CFF-5643-939E-217C01CDF565}" type="slidenum">
+              <a:rPr lang="en-US" smtClean="0"/>
+              <a:pPr/>
+              <a:t>69</a:t>
+            </a:fld>
+            <a:endParaRPr lang="en-US" dirty="0"/>
+          </a:p>
+        </p:txBody>
+      </p:sp>
     </p:spTree>
     <p:extLst>
       <p:ext uri="{BB962C8B-B14F-4D97-AF65-F5344CB8AC3E}">
@@ -14698,6 +19789,76 @@
           </a:p>
           <a:p>
             <a:endParaRPr lang="tr-TR" dirty="0"/>
+          </a:p>
+        </p:txBody>
+      </p:sp>
+      <p:sp>
+        <p:nvSpPr>
+          <p:cNvPr id="4" name="Date Placeholder 3"/>
+          <p:cNvSpPr>
+            <a:spLocks noGrp="1"/>
+          </p:cNvSpPr>
+          <p:nvPr>
+            <p:ph type="dt" sz="half" idx="10"/>
+          </p:nvPr>
+        </p:nvSpPr>
+        <p:spPr/>
+        <p:txBody>
+          <a:bodyPr/>
+          <a:lstStyle/>
+          <a:p>
+            <a:r>
+              <a:rPr lang="en-US" smtClean="0"/>
+              <a:t>1/20/2023</a:t>
+            </a:r>
+            <a:endParaRPr lang="en-US" dirty="0"/>
+          </a:p>
+        </p:txBody>
+      </p:sp>
+      <p:sp>
+        <p:nvSpPr>
+          <p:cNvPr id="5" name="Footer Placeholder 4"/>
+          <p:cNvSpPr>
+            <a:spLocks noGrp="1"/>
+          </p:cNvSpPr>
+          <p:nvPr>
+            <p:ph type="ftr" sz="quarter" idx="11"/>
+          </p:nvPr>
+        </p:nvSpPr>
+        <p:spPr/>
+        <p:txBody>
+          <a:bodyPr/>
+          <a:lstStyle/>
+          <a:p>
+            <a:r>
+              <a:rPr lang="en-US" smtClean="0"/>
+              <a:t>Sercan KÜLCÜ, Tanenbaum, Modern Operating Systems 3e kitabından faydalanılmıştır. Tüm hakları saklıdır.</a:t>
+            </a:r>
+            <a:endParaRPr lang="en-US" dirty="0"/>
+          </a:p>
+        </p:txBody>
+      </p:sp>
+      <p:sp>
+        <p:nvSpPr>
+          <p:cNvPr id="6" name="Slide Number Placeholder 5"/>
+          <p:cNvSpPr>
+            <a:spLocks noGrp="1"/>
+          </p:cNvSpPr>
+          <p:nvPr>
+            <p:ph type="sldNum" sz="quarter" idx="12"/>
+          </p:nvPr>
+        </p:nvSpPr>
+        <p:spPr/>
+        <p:txBody>
+          <a:bodyPr/>
+          <a:lstStyle/>
+          <a:p>
+            <a:fld id="{D57F1E4F-1CFF-5643-939E-217C01CDF565}" type="slidenum">
+              <a:rPr lang="en-US" smtClean="0"/>
+              <a:pPr/>
+              <a:t>7</a:t>
+            </a:fld>
+            <a:endParaRPr lang="en-US" dirty="0"/>
           </a:p>
         </p:txBody>
       </p:sp>
@@ -14850,6 +20011,76 @@
           </a:extLst>
         </p:spPr>
       </p:pic>
+      <p:sp>
+        <p:nvSpPr>
+          <p:cNvPr id="5" name="Date Placeholder 4"/>
+          <p:cNvSpPr>
+            <a:spLocks noGrp="1"/>
+          </p:cNvSpPr>
+          <p:nvPr>
+            <p:ph type="dt" sz="half" idx="10"/>
+          </p:nvPr>
+        </p:nvSpPr>
+        <p:spPr/>
+        <p:txBody>
+          <a:bodyPr/>
+          <a:lstStyle/>
+          <a:p>
+            <a:r>
+              <a:rPr lang="en-US" smtClean="0"/>
+              <a:t>1/20/2023</a:t>
+            </a:r>
+            <a:endParaRPr lang="en-US" dirty="0"/>
+          </a:p>
+        </p:txBody>
+      </p:sp>
+      <p:sp>
+        <p:nvSpPr>
+          <p:cNvPr id="6" name="Footer Placeholder 5"/>
+          <p:cNvSpPr>
+            <a:spLocks noGrp="1"/>
+          </p:cNvSpPr>
+          <p:nvPr>
+            <p:ph type="ftr" sz="quarter" idx="11"/>
+          </p:nvPr>
+        </p:nvSpPr>
+        <p:spPr/>
+        <p:txBody>
+          <a:bodyPr/>
+          <a:lstStyle/>
+          <a:p>
+            <a:r>
+              <a:rPr lang="en-US" smtClean="0"/>
+              <a:t>Sercan KÜLCÜ, Tanenbaum, Modern Operating Systems 3e kitabından faydalanılmıştır. Tüm hakları saklıdır.</a:t>
+            </a:r>
+            <a:endParaRPr lang="en-US" dirty="0"/>
+          </a:p>
+        </p:txBody>
+      </p:sp>
+      <p:sp>
+        <p:nvSpPr>
+          <p:cNvPr id="7" name="Slide Number Placeholder 6"/>
+          <p:cNvSpPr>
+            <a:spLocks noGrp="1"/>
+          </p:cNvSpPr>
+          <p:nvPr>
+            <p:ph type="sldNum" sz="quarter" idx="12"/>
+          </p:nvPr>
+        </p:nvSpPr>
+        <p:spPr/>
+        <p:txBody>
+          <a:bodyPr/>
+          <a:lstStyle/>
+          <a:p>
+            <a:fld id="{D57F1E4F-1CFF-5643-939E-217C01CDF565}" type="slidenum">
+              <a:rPr lang="en-US" smtClean="0"/>
+              <a:pPr/>
+              <a:t>70</a:t>
+            </a:fld>
+            <a:endParaRPr lang="en-US" dirty="0"/>
+          </a:p>
+        </p:txBody>
+      </p:sp>
     </p:spTree>
     <p:extLst>
       <p:ext uri="{BB962C8B-B14F-4D97-AF65-F5344CB8AC3E}">
@@ -14934,11 +20165,7 @@
           <a:p>
             <a:r>
               <a:rPr lang="tr-TR" dirty="0" smtClean="0"/>
-              <a:t>Süreçler 3 kesime sahiptir. metin, veri, </a:t>
-            </a:r>
-            <a:r>
-              <a:rPr lang="tr-TR" dirty="0" smtClean="0"/>
-              <a:t>yığın</a:t>
+              <a:t>Süreçler 3 kesime sahiptir. metin, veri, yığın</a:t>
             </a:r>
             <a:endParaRPr lang="tr-TR" dirty="0"/>
           </a:p>
@@ -15004,6 +20231,76 @@
           </a:extLst>
         </p:spPr>
       </p:pic>
+      <p:sp>
+        <p:nvSpPr>
+          <p:cNvPr id="5" name="Date Placeholder 4"/>
+          <p:cNvSpPr>
+            <a:spLocks noGrp="1"/>
+          </p:cNvSpPr>
+          <p:nvPr>
+            <p:ph type="dt" sz="half" idx="10"/>
+          </p:nvPr>
+        </p:nvSpPr>
+        <p:spPr/>
+        <p:txBody>
+          <a:bodyPr/>
+          <a:lstStyle/>
+          <a:p>
+            <a:r>
+              <a:rPr lang="en-US" smtClean="0"/>
+              <a:t>1/20/2023</a:t>
+            </a:r>
+            <a:endParaRPr lang="en-US" dirty="0"/>
+          </a:p>
+        </p:txBody>
+      </p:sp>
+      <p:sp>
+        <p:nvSpPr>
+          <p:cNvPr id="6" name="Footer Placeholder 5"/>
+          <p:cNvSpPr>
+            <a:spLocks noGrp="1"/>
+          </p:cNvSpPr>
+          <p:nvPr>
+            <p:ph type="ftr" sz="quarter" idx="11"/>
+          </p:nvPr>
+        </p:nvSpPr>
+        <p:spPr/>
+        <p:txBody>
+          <a:bodyPr/>
+          <a:lstStyle/>
+          <a:p>
+            <a:r>
+              <a:rPr lang="en-US" smtClean="0"/>
+              <a:t>Sercan KÜLCÜ, Tanenbaum, Modern Operating Systems 3e kitabından faydalanılmıştır. Tüm hakları saklıdır.</a:t>
+            </a:r>
+            <a:endParaRPr lang="en-US" dirty="0"/>
+          </a:p>
+        </p:txBody>
+      </p:sp>
+      <p:sp>
+        <p:nvSpPr>
+          <p:cNvPr id="7" name="Slide Number Placeholder 6"/>
+          <p:cNvSpPr>
+            <a:spLocks noGrp="1"/>
+          </p:cNvSpPr>
+          <p:nvPr>
+            <p:ph type="sldNum" sz="quarter" idx="12"/>
+          </p:nvPr>
+        </p:nvSpPr>
+        <p:spPr/>
+        <p:txBody>
+          <a:bodyPr/>
+          <a:lstStyle/>
+          <a:p>
+            <a:fld id="{D57F1E4F-1CFF-5643-939E-217C01CDF565}" type="slidenum">
+              <a:rPr lang="en-US" smtClean="0"/>
+              <a:pPr/>
+              <a:t>71</a:t>
+            </a:fld>
+            <a:endParaRPr lang="en-US" dirty="0"/>
+          </a:p>
+        </p:txBody>
+      </p:sp>
     </p:spTree>
     <p:extLst>
       <p:ext uri="{BB962C8B-B14F-4D97-AF65-F5344CB8AC3E}">
@@ -15201,6 +20498,76 @@
           </a:extLst>
         </p:spPr>
       </p:pic>
+      <p:sp>
+        <p:nvSpPr>
+          <p:cNvPr id="5" name="Date Placeholder 4"/>
+          <p:cNvSpPr>
+            <a:spLocks noGrp="1"/>
+          </p:cNvSpPr>
+          <p:nvPr>
+            <p:ph type="dt" sz="half" idx="10"/>
+          </p:nvPr>
+        </p:nvSpPr>
+        <p:spPr/>
+        <p:txBody>
+          <a:bodyPr/>
+          <a:lstStyle/>
+          <a:p>
+            <a:r>
+              <a:rPr lang="en-US" smtClean="0"/>
+              <a:t>1/20/2023</a:t>
+            </a:r>
+            <a:endParaRPr lang="en-US" dirty="0"/>
+          </a:p>
+        </p:txBody>
+      </p:sp>
+      <p:sp>
+        <p:nvSpPr>
+          <p:cNvPr id="6" name="Footer Placeholder 5"/>
+          <p:cNvSpPr>
+            <a:spLocks noGrp="1"/>
+          </p:cNvSpPr>
+          <p:nvPr>
+            <p:ph type="ftr" sz="quarter" idx="11"/>
+          </p:nvPr>
+        </p:nvSpPr>
+        <p:spPr/>
+        <p:txBody>
+          <a:bodyPr/>
+          <a:lstStyle/>
+          <a:p>
+            <a:r>
+              <a:rPr lang="en-US" smtClean="0"/>
+              <a:t>Sercan KÜLCÜ, Tanenbaum, Modern Operating Systems 3e kitabından faydalanılmıştır. Tüm hakları saklıdır.</a:t>
+            </a:r>
+            <a:endParaRPr lang="en-US" dirty="0"/>
+          </a:p>
+        </p:txBody>
+      </p:sp>
+      <p:sp>
+        <p:nvSpPr>
+          <p:cNvPr id="7" name="Slide Number Placeholder 6"/>
+          <p:cNvSpPr>
+            <a:spLocks noGrp="1"/>
+          </p:cNvSpPr>
+          <p:nvPr>
+            <p:ph type="sldNum" sz="quarter" idx="12"/>
+          </p:nvPr>
+        </p:nvSpPr>
+        <p:spPr/>
+        <p:txBody>
+          <a:bodyPr/>
+          <a:lstStyle/>
+          <a:p>
+            <a:fld id="{D57F1E4F-1CFF-5643-939E-217C01CDF565}" type="slidenum">
+              <a:rPr lang="en-US" smtClean="0"/>
+              <a:pPr/>
+              <a:t>72</a:t>
+            </a:fld>
+            <a:endParaRPr lang="en-US" dirty="0"/>
+          </a:p>
+        </p:txBody>
+      </p:sp>
     </p:spTree>
     <p:extLst>
       <p:ext uri="{BB962C8B-B14F-4D97-AF65-F5344CB8AC3E}">
@@ -15365,6 +20732,76 @@
           </a:extLst>
         </p:spPr>
       </p:pic>
+      <p:sp>
+        <p:nvSpPr>
+          <p:cNvPr id="5" name="Date Placeholder 4"/>
+          <p:cNvSpPr>
+            <a:spLocks noGrp="1"/>
+          </p:cNvSpPr>
+          <p:nvPr>
+            <p:ph type="dt" sz="half" idx="10"/>
+          </p:nvPr>
+        </p:nvSpPr>
+        <p:spPr/>
+        <p:txBody>
+          <a:bodyPr/>
+          <a:lstStyle/>
+          <a:p>
+            <a:r>
+              <a:rPr lang="en-US" smtClean="0"/>
+              <a:t>1/20/2023</a:t>
+            </a:r>
+            <a:endParaRPr lang="en-US" dirty="0"/>
+          </a:p>
+        </p:txBody>
+      </p:sp>
+      <p:sp>
+        <p:nvSpPr>
+          <p:cNvPr id="6" name="Footer Placeholder 5"/>
+          <p:cNvSpPr>
+            <a:spLocks noGrp="1"/>
+          </p:cNvSpPr>
+          <p:nvPr>
+            <p:ph type="ftr" sz="quarter" idx="11"/>
+          </p:nvPr>
+        </p:nvSpPr>
+        <p:spPr/>
+        <p:txBody>
+          <a:bodyPr/>
+          <a:lstStyle/>
+          <a:p>
+            <a:r>
+              <a:rPr lang="en-US" smtClean="0"/>
+              <a:t>Sercan KÜLCÜ, Tanenbaum, Modern Operating Systems 3e kitabından faydalanılmıştır. Tüm hakları saklıdır.</a:t>
+            </a:r>
+            <a:endParaRPr lang="en-US" dirty="0"/>
+          </a:p>
+        </p:txBody>
+      </p:sp>
+      <p:sp>
+        <p:nvSpPr>
+          <p:cNvPr id="7" name="Slide Number Placeholder 6"/>
+          <p:cNvSpPr>
+            <a:spLocks noGrp="1"/>
+          </p:cNvSpPr>
+          <p:nvPr>
+            <p:ph type="sldNum" sz="quarter" idx="12"/>
+          </p:nvPr>
+        </p:nvSpPr>
+        <p:spPr/>
+        <p:txBody>
+          <a:bodyPr/>
+          <a:lstStyle/>
+          <a:p>
+            <a:fld id="{D57F1E4F-1CFF-5643-939E-217C01CDF565}" type="slidenum">
+              <a:rPr lang="en-US" smtClean="0"/>
+              <a:pPr/>
+              <a:t>73</a:t>
+            </a:fld>
+            <a:endParaRPr lang="en-US" dirty="0"/>
+          </a:p>
+        </p:txBody>
+      </p:sp>
     </p:spTree>
     <p:extLst>
       <p:ext uri="{BB962C8B-B14F-4D97-AF65-F5344CB8AC3E}">
@@ -15462,7 +20899,6 @@
               <a:rPr lang="tr-TR" dirty="0" smtClean="0"/>
               <a:t>Potansiyel kilitlenme</a:t>
             </a:r>
-            <a:endParaRPr lang="tr-TR" dirty="0" smtClean="0"/>
           </a:p>
           <a:p>
             <a:pPr marL="514350" indent="-514350">
@@ -15549,6 +20985,76 @@
           </a:extLst>
         </p:spPr>
       </p:pic>
+      <p:sp>
+        <p:nvSpPr>
+          <p:cNvPr id="4" name="Date Placeholder 3"/>
+          <p:cNvSpPr>
+            <a:spLocks noGrp="1"/>
+          </p:cNvSpPr>
+          <p:nvPr>
+            <p:ph type="dt" sz="half" idx="10"/>
+          </p:nvPr>
+        </p:nvSpPr>
+        <p:spPr/>
+        <p:txBody>
+          <a:bodyPr/>
+          <a:lstStyle/>
+          <a:p>
+            <a:r>
+              <a:rPr lang="en-US" smtClean="0"/>
+              <a:t>1/20/2023</a:t>
+            </a:r>
+            <a:endParaRPr lang="en-US" dirty="0"/>
+          </a:p>
+        </p:txBody>
+      </p:sp>
+      <p:sp>
+        <p:nvSpPr>
+          <p:cNvPr id="6" name="Footer Placeholder 5"/>
+          <p:cNvSpPr>
+            <a:spLocks noGrp="1"/>
+          </p:cNvSpPr>
+          <p:nvPr>
+            <p:ph type="ftr" sz="quarter" idx="11"/>
+          </p:nvPr>
+        </p:nvSpPr>
+        <p:spPr/>
+        <p:txBody>
+          <a:bodyPr/>
+          <a:lstStyle/>
+          <a:p>
+            <a:r>
+              <a:rPr lang="en-US" smtClean="0"/>
+              <a:t>Sercan KÜLCÜ, Tanenbaum, Modern Operating Systems 3e kitabından faydalanılmıştır. Tüm hakları saklıdır.</a:t>
+            </a:r>
+            <a:endParaRPr lang="en-US" dirty="0"/>
+          </a:p>
+        </p:txBody>
+      </p:sp>
+      <p:sp>
+        <p:nvSpPr>
+          <p:cNvPr id="7" name="Slide Number Placeholder 6"/>
+          <p:cNvSpPr>
+            <a:spLocks noGrp="1"/>
+          </p:cNvSpPr>
+          <p:nvPr>
+            <p:ph type="sldNum" sz="quarter" idx="12"/>
+          </p:nvPr>
+        </p:nvSpPr>
+        <p:spPr/>
+        <p:txBody>
+          <a:bodyPr/>
+          <a:lstStyle/>
+          <a:p>
+            <a:fld id="{D57F1E4F-1CFF-5643-939E-217C01CDF565}" type="slidenum">
+              <a:rPr lang="en-US" smtClean="0"/>
+              <a:pPr/>
+              <a:t>74</a:t>
+            </a:fld>
+            <a:endParaRPr lang="en-US" dirty="0"/>
+          </a:p>
+        </p:txBody>
+      </p:sp>
     </p:spTree>
     <p:extLst>
       <p:ext uri="{BB962C8B-B14F-4D97-AF65-F5344CB8AC3E}">
@@ -15701,6 +21207,76 @@
           </a:extLst>
         </p:spPr>
       </p:pic>
+      <p:sp>
+        <p:nvSpPr>
+          <p:cNvPr id="5" name="Date Placeholder 4"/>
+          <p:cNvSpPr>
+            <a:spLocks noGrp="1"/>
+          </p:cNvSpPr>
+          <p:nvPr>
+            <p:ph type="dt" sz="half" idx="10"/>
+          </p:nvPr>
+        </p:nvSpPr>
+        <p:spPr/>
+        <p:txBody>
+          <a:bodyPr/>
+          <a:lstStyle/>
+          <a:p>
+            <a:r>
+              <a:rPr lang="en-US" smtClean="0"/>
+              <a:t>1/20/2023</a:t>
+            </a:r>
+            <a:endParaRPr lang="en-US" dirty="0"/>
+          </a:p>
+        </p:txBody>
+      </p:sp>
+      <p:sp>
+        <p:nvSpPr>
+          <p:cNvPr id="6" name="Footer Placeholder 5"/>
+          <p:cNvSpPr>
+            <a:spLocks noGrp="1"/>
+          </p:cNvSpPr>
+          <p:nvPr>
+            <p:ph type="ftr" sz="quarter" idx="11"/>
+          </p:nvPr>
+        </p:nvSpPr>
+        <p:spPr/>
+        <p:txBody>
+          <a:bodyPr/>
+          <a:lstStyle/>
+          <a:p>
+            <a:r>
+              <a:rPr lang="en-US" smtClean="0"/>
+              <a:t>Sercan KÜLCÜ, Tanenbaum, Modern Operating Systems 3e kitabından faydalanılmıştır. Tüm hakları saklıdır.</a:t>
+            </a:r>
+            <a:endParaRPr lang="en-US" dirty="0"/>
+          </a:p>
+        </p:txBody>
+      </p:sp>
+      <p:sp>
+        <p:nvSpPr>
+          <p:cNvPr id="7" name="Slide Number Placeholder 6"/>
+          <p:cNvSpPr>
+            <a:spLocks noGrp="1"/>
+          </p:cNvSpPr>
+          <p:nvPr>
+            <p:ph type="sldNum" sz="quarter" idx="12"/>
+          </p:nvPr>
+        </p:nvSpPr>
+        <p:spPr/>
+        <p:txBody>
+          <a:bodyPr/>
+          <a:lstStyle/>
+          <a:p>
+            <a:fld id="{D57F1E4F-1CFF-5643-939E-217C01CDF565}" type="slidenum">
+              <a:rPr lang="en-US" smtClean="0"/>
+              <a:pPr/>
+              <a:t>75</a:t>
+            </a:fld>
+            <a:endParaRPr lang="en-US" dirty="0"/>
+          </a:p>
+        </p:txBody>
+      </p:sp>
     </p:spTree>
     <p:extLst>
       <p:ext uri="{BB962C8B-B14F-4D97-AF65-F5344CB8AC3E}">
@@ -15853,6 +21429,76 @@
           </a:extLst>
         </p:spPr>
       </p:pic>
+      <p:sp>
+        <p:nvSpPr>
+          <p:cNvPr id="5" name="Date Placeholder 4"/>
+          <p:cNvSpPr>
+            <a:spLocks noGrp="1"/>
+          </p:cNvSpPr>
+          <p:nvPr>
+            <p:ph type="dt" sz="half" idx="10"/>
+          </p:nvPr>
+        </p:nvSpPr>
+        <p:spPr/>
+        <p:txBody>
+          <a:bodyPr/>
+          <a:lstStyle/>
+          <a:p>
+            <a:r>
+              <a:rPr lang="en-US" smtClean="0"/>
+              <a:t>1/20/2023</a:t>
+            </a:r>
+            <a:endParaRPr lang="en-US" dirty="0"/>
+          </a:p>
+        </p:txBody>
+      </p:sp>
+      <p:sp>
+        <p:nvSpPr>
+          <p:cNvPr id="6" name="Footer Placeholder 5"/>
+          <p:cNvSpPr>
+            <a:spLocks noGrp="1"/>
+          </p:cNvSpPr>
+          <p:nvPr>
+            <p:ph type="ftr" sz="quarter" idx="11"/>
+          </p:nvPr>
+        </p:nvSpPr>
+        <p:spPr/>
+        <p:txBody>
+          <a:bodyPr/>
+          <a:lstStyle/>
+          <a:p>
+            <a:r>
+              <a:rPr lang="en-US" smtClean="0"/>
+              <a:t>Sercan KÜLCÜ, Tanenbaum, Modern Operating Systems 3e kitabından faydalanılmıştır. Tüm hakları saklıdır.</a:t>
+            </a:r>
+            <a:endParaRPr lang="en-US" dirty="0"/>
+          </a:p>
+        </p:txBody>
+      </p:sp>
+      <p:sp>
+        <p:nvSpPr>
+          <p:cNvPr id="7" name="Slide Number Placeholder 6"/>
+          <p:cNvSpPr>
+            <a:spLocks noGrp="1"/>
+          </p:cNvSpPr>
+          <p:nvPr>
+            <p:ph type="sldNum" sz="quarter" idx="12"/>
+          </p:nvPr>
+        </p:nvSpPr>
+        <p:spPr/>
+        <p:txBody>
+          <a:bodyPr/>
+          <a:lstStyle/>
+          <a:p>
+            <a:fld id="{D57F1E4F-1CFF-5643-939E-217C01CDF565}" type="slidenum">
+              <a:rPr lang="en-US" smtClean="0"/>
+              <a:pPr/>
+              <a:t>76</a:t>
+            </a:fld>
+            <a:endParaRPr lang="en-US" dirty="0"/>
+          </a:p>
+        </p:txBody>
+      </p:sp>
     </p:spTree>
     <p:extLst>
       <p:ext uri="{BB962C8B-B14F-4D97-AF65-F5344CB8AC3E}">
@@ -15996,6 +21642,76 @@
           </a:p>
           <a:p>
             <a:endParaRPr lang="tr-TR" dirty="0"/>
+          </a:p>
+        </p:txBody>
+      </p:sp>
+      <p:sp>
+        <p:nvSpPr>
+          <p:cNvPr id="4" name="Date Placeholder 3"/>
+          <p:cNvSpPr>
+            <a:spLocks noGrp="1"/>
+          </p:cNvSpPr>
+          <p:nvPr>
+            <p:ph type="dt" sz="half" idx="10"/>
+          </p:nvPr>
+        </p:nvSpPr>
+        <p:spPr/>
+        <p:txBody>
+          <a:bodyPr/>
+          <a:lstStyle/>
+          <a:p>
+            <a:r>
+              <a:rPr lang="en-US" smtClean="0"/>
+              <a:t>1/20/2023</a:t>
+            </a:r>
+            <a:endParaRPr lang="en-US" dirty="0"/>
+          </a:p>
+        </p:txBody>
+      </p:sp>
+      <p:sp>
+        <p:nvSpPr>
+          <p:cNvPr id="5" name="Footer Placeholder 4"/>
+          <p:cNvSpPr>
+            <a:spLocks noGrp="1"/>
+          </p:cNvSpPr>
+          <p:nvPr>
+            <p:ph type="ftr" sz="quarter" idx="11"/>
+          </p:nvPr>
+        </p:nvSpPr>
+        <p:spPr/>
+        <p:txBody>
+          <a:bodyPr/>
+          <a:lstStyle/>
+          <a:p>
+            <a:r>
+              <a:rPr lang="en-US" smtClean="0"/>
+              <a:t>Sercan KÜLCÜ, Tanenbaum, Modern Operating Systems 3e kitabından faydalanılmıştır. Tüm hakları saklıdır.</a:t>
+            </a:r>
+            <a:endParaRPr lang="en-US" dirty="0"/>
+          </a:p>
+        </p:txBody>
+      </p:sp>
+      <p:sp>
+        <p:nvSpPr>
+          <p:cNvPr id="6" name="Slide Number Placeholder 5"/>
+          <p:cNvSpPr>
+            <a:spLocks noGrp="1"/>
+          </p:cNvSpPr>
+          <p:nvPr>
+            <p:ph type="sldNum" sz="quarter" idx="12"/>
+          </p:nvPr>
+        </p:nvSpPr>
+        <p:spPr/>
+        <p:txBody>
+          <a:bodyPr/>
+          <a:lstStyle/>
+          <a:p>
+            <a:fld id="{D57F1E4F-1CFF-5643-939E-217C01CDF565}" type="slidenum">
+              <a:rPr lang="en-US" smtClean="0"/>
+              <a:pPr/>
+              <a:t>77</a:t>
+            </a:fld>
+            <a:endParaRPr lang="en-US" dirty="0"/>
           </a:p>
         </p:txBody>
       </p:sp>
@@ -16152,6 +21868,76 @@
           </a:extLst>
         </p:spPr>
       </p:pic>
+      <p:sp>
+        <p:nvSpPr>
+          <p:cNvPr id="5" name="Date Placeholder 4"/>
+          <p:cNvSpPr>
+            <a:spLocks noGrp="1"/>
+          </p:cNvSpPr>
+          <p:nvPr>
+            <p:ph type="dt" sz="half" idx="10"/>
+          </p:nvPr>
+        </p:nvSpPr>
+        <p:spPr/>
+        <p:txBody>
+          <a:bodyPr/>
+          <a:lstStyle/>
+          <a:p>
+            <a:r>
+              <a:rPr lang="en-US" smtClean="0"/>
+              <a:t>1/20/2023</a:t>
+            </a:r>
+            <a:endParaRPr lang="en-US" dirty="0"/>
+          </a:p>
+        </p:txBody>
+      </p:sp>
+      <p:sp>
+        <p:nvSpPr>
+          <p:cNvPr id="6" name="Footer Placeholder 5"/>
+          <p:cNvSpPr>
+            <a:spLocks noGrp="1"/>
+          </p:cNvSpPr>
+          <p:nvPr>
+            <p:ph type="ftr" sz="quarter" idx="11"/>
+          </p:nvPr>
+        </p:nvSpPr>
+        <p:spPr/>
+        <p:txBody>
+          <a:bodyPr/>
+          <a:lstStyle/>
+          <a:p>
+            <a:r>
+              <a:rPr lang="en-US" smtClean="0"/>
+              <a:t>Sercan KÜLCÜ, Tanenbaum, Modern Operating Systems 3e kitabından faydalanılmıştır. Tüm hakları saklıdır.</a:t>
+            </a:r>
+            <a:endParaRPr lang="en-US" dirty="0"/>
+          </a:p>
+        </p:txBody>
+      </p:sp>
+      <p:sp>
+        <p:nvSpPr>
+          <p:cNvPr id="7" name="Slide Number Placeholder 6"/>
+          <p:cNvSpPr>
+            <a:spLocks noGrp="1"/>
+          </p:cNvSpPr>
+          <p:nvPr>
+            <p:ph type="sldNum" sz="quarter" idx="12"/>
+          </p:nvPr>
+        </p:nvSpPr>
+        <p:spPr/>
+        <p:txBody>
+          <a:bodyPr/>
+          <a:lstStyle/>
+          <a:p>
+            <a:fld id="{D57F1E4F-1CFF-5643-939E-217C01CDF565}" type="slidenum">
+              <a:rPr lang="en-US" smtClean="0"/>
+              <a:pPr/>
+              <a:t>78</a:t>
+            </a:fld>
+            <a:endParaRPr lang="en-US" dirty="0"/>
+          </a:p>
+        </p:txBody>
+      </p:sp>
     </p:spTree>
     <p:extLst>
       <p:ext uri="{BB962C8B-B14F-4D97-AF65-F5344CB8AC3E}">
@@ -16301,6 +22087,76 @@
           </a:extLst>
         </p:spPr>
       </p:pic>
+      <p:sp>
+        <p:nvSpPr>
+          <p:cNvPr id="5" name="Date Placeholder 4"/>
+          <p:cNvSpPr>
+            <a:spLocks noGrp="1"/>
+          </p:cNvSpPr>
+          <p:nvPr>
+            <p:ph type="dt" sz="half" idx="10"/>
+          </p:nvPr>
+        </p:nvSpPr>
+        <p:spPr/>
+        <p:txBody>
+          <a:bodyPr/>
+          <a:lstStyle/>
+          <a:p>
+            <a:r>
+              <a:rPr lang="en-US" smtClean="0"/>
+              <a:t>1/20/2023</a:t>
+            </a:r>
+            <a:endParaRPr lang="en-US" dirty="0"/>
+          </a:p>
+        </p:txBody>
+      </p:sp>
+      <p:sp>
+        <p:nvSpPr>
+          <p:cNvPr id="6" name="Footer Placeholder 5"/>
+          <p:cNvSpPr>
+            <a:spLocks noGrp="1"/>
+          </p:cNvSpPr>
+          <p:nvPr>
+            <p:ph type="ftr" sz="quarter" idx="11"/>
+          </p:nvPr>
+        </p:nvSpPr>
+        <p:spPr/>
+        <p:txBody>
+          <a:bodyPr/>
+          <a:lstStyle/>
+          <a:p>
+            <a:r>
+              <a:rPr lang="en-US" smtClean="0"/>
+              <a:t>Sercan KÜLCÜ, Tanenbaum, Modern Operating Systems 3e kitabından faydalanılmıştır. Tüm hakları saklıdır.</a:t>
+            </a:r>
+            <a:endParaRPr lang="en-US" dirty="0"/>
+          </a:p>
+        </p:txBody>
+      </p:sp>
+      <p:sp>
+        <p:nvSpPr>
+          <p:cNvPr id="7" name="Slide Number Placeholder 6"/>
+          <p:cNvSpPr>
+            <a:spLocks noGrp="1"/>
+          </p:cNvSpPr>
+          <p:nvPr>
+            <p:ph type="sldNum" sz="quarter" idx="12"/>
+          </p:nvPr>
+        </p:nvSpPr>
+        <p:spPr/>
+        <p:txBody>
+          <a:bodyPr/>
+          <a:lstStyle/>
+          <a:p>
+            <a:fld id="{D57F1E4F-1CFF-5643-939E-217C01CDF565}" type="slidenum">
+              <a:rPr lang="en-US" smtClean="0"/>
+              <a:pPr/>
+              <a:t>79</a:t>
+            </a:fld>
+            <a:endParaRPr lang="en-US" dirty="0"/>
+          </a:p>
+        </p:txBody>
+      </p:sp>
     </p:spTree>
     <p:extLst>
       <p:ext uri="{BB962C8B-B14F-4D97-AF65-F5344CB8AC3E}">
@@ -16496,6 +22352,76 @@
           </a:p>
         </p:txBody>
       </p:sp>
+      <p:sp>
+        <p:nvSpPr>
+          <p:cNvPr id="4" name="Date Placeholder 3"/>
+          <p:cNvSpPr>
+            <a:spLocks noGrp="1"/>
+          </p:cNvSpPr>
+          <p:nvPr>
+            <p:ph type="dt" sz="half" idx="10"/>
+          </p:nvPr>
+        </p:nvSpPr>
+        <p:spPr/>
+        <p:txBody>
+          <a:bodyPr/>
+          <a:lstStyle/>
+          <a:p>
+            <a:r>
+              <a:rPr lang="en-US" smtClean="0"/>
+              <a:t>1/20/2023</a:t>
+            </a:r>
+            <a:endParaRPr lang="en-US" dirty="0"/>
+          </a:p>
+        </p:txBody>
+      </p:sp>
+      <p:sp>
+        <p:nvSpPr>
+          <p:cNvPr id="5" name="Footer Placeholder 4"/>
+          <p:cNvSpPr>
+            <a:spLocks noGrp="1"/>
+          </p:cNvSpPr>
+          <p:nvPr>
+            <p:ph type="ftr" sz="quarter" idx="11"/>
+          </p:nvPr>
+        </p:nvSpPr>
+        <p:spPr/>
+        <p:txBody>
+          <a:bodyPr/>
+          <a:lstStyle/>
+          <a:p>
+            <a:r>
+              <a:rPr lang="en-US" smtClean="0"/>
+              <a:t>Sercan KÜLCÜ, Tanenbaum, Modern Operating Systems 3e kitabından faydalanılmıştır. Tüm hakları saklıdır.</a:t>
+            </a:r>
+            <a:endParaRPr lang="en-US" dirty="0"/>
+          </a:p>
+        </p:txBody>
+      </p:sp>
+      <p:sp>
+        <p:nvSpPr>
+          <p:cNvPr id="6" name="Slide Number Placeholder 5"/>
+          <p:cNvSpPr>
+            <a:spLocks noGrp="1"/>
+          </p:cNvSpPr>
+          <p:nvPr>
+            <p:ph type="sldNum" sz="quarter" idx="12"/>
+          </p:nvPr>
+        </p:nvSpPr>
+        <p:spPr/>
+        <p:txBody>
+          <a:bodyPr/>
+          <a:lstStyle/>
+          <a:p>
+            <a:fld id="{D57F1E4F-1CFF-5643-939E-217C01CDF565}" type="slidenum">
+              <a:rPr lang="en-US" smtClean="0"/>
+              <a:pPr/>
+              <a:t>8</a:t>
+            </a:fld>
+            <a:endParaRPr lang="en-US" dirty="0"/>
+          </a:p>
+        </p:txBody>
+      </p:sp>
     </p:spTree>
     <p:extLst>
       <p:ext uri="{BB962C8B-B14F-4D97-AF65-F5344CB8AC3E}">
@@ -16682,6 +22608,76 @@
           </a:p>
           <a:p>
             <a:endParaRPr lang="tr-TR" dirty="0"/>
+          </a:p>
+        </p:txBody>
+      </p:sp>
+      <p:sp>
+        <p:nvSpPr>
+          <p:cNvPr id="4" name="Date Placeholder 3"/>
+          <p:cNvSpPr>
+            <a:spLocks noGrp="1"/>
+          </p:cNvSpPr>
+          <p:nvPr>
+            <p:ph type="dt" sz="half" idx="10"/>
+          </p:nvPr>
+        </p:nvSpPr>
+        <p:spPr/>
+        <p:txBody>
+          <a:bodyPr/>
+          <a:lstStyle/>
+          <a:p>
+            <a:r>
+              <a:rPr lang="en-US" smtClean="0"/>
+              <a:t>1/20/2023</a:t>
+            </a:r>
+            <a:endParaRPr lang="en-US" dirty="0"/>
+          </a:p>
+        </p:txBody>
+      </p:sp>
+      <p:sp>
+        <p:nvSpPr>
+          <p:cNvPr id="5" name="Footer Placeholder 4"/>
+          <p:cNvSpPr>
+            <a:spLocks noGrp="1"/>
+          </p:cNvSpPr>
+          <p:nvPr>
+            <p:ph type="ftr" sz="quarter" idx="11"/>
+          </p:nvPr>
+        </p:nvSpPr>
+        <p:spPr/>
+        <p:txBody>
+          <a:bodyPr/>
+          <a:lstStyle/>
+          <a:p>
+            <a:r>
+              <a:rPr lang="en-US" smtClean="0"/>
+              <a:t>Sercan KÜLCÜ, Tanenbaum, Modern Operating Systems 3e kitabından faydalanılmıştır. Tüm hakları saklıdır.</a:t>
+            </a:r>
+            <a:endParaRPr lang="en-US" dirty="0"/>
+          </a:p>
+        </p:txBody>
+      </p:sp>
+      <p:sp>
+        <p:nvSpPr>
+          <p:cNvPr id="6" name="Slide Number Placeholder 5"/>
+          <p:cNvSpPr>
+            <a:spLocks noGrp="1"/>
+          </p:cNvSpPr>
+          <p:nvPr>
+            <p:ph type="sldNum" sz="quarter" idx="12"/>
+          </p:nvPr>
+        </p:nvSpPr>
+        <p:spPr/>
+        <p:txBody>
+          <a:bodyPr/>
+          <a:lstStyle/>
+          <a:p>
+            <a:fld id="{D57F1E4F-1CFF-5643-939E-217C01CDF565}" type="slidenum">
+              <a:rPr lang="en-US" smtClean="0"/>
+              <a:pPr/>
+              <a:t>80</a:t>
+            </a:fld>
+            <a:endParaRPr lang="en-US" dirty="0"/>
           </a:p>
         </p:txBody>
       </p:sp>
@@ -16842,6 +22838,76 @@
           </a:extLst>
         </p:spPr>
       </p:pic>
+      <p:sp>
+        <p:nvSpPr>
+          <p:cNvPr id="5" name="Date Placeholder 4"/>
+          <p:cNvSpPr>
+            <a:spLocks noGrp="1"/>
+          </p:cNvSpPr>
+          <p:nvPr>
+            <p:ph type="dt" sz="half" idx="10"/>
+          </p:nvPr>
+        </p:nvSpPr>
+        <p:spPr/>
+        <p:txBody>
+          <a:bodyPr/>
+          <a:lstStyle/>
+          <a:p>
+            <a:r>
+              <a:rPr lang="en-US" smtClean="0"/>
+              <a:t>1/20/2023</a:t>
+            </a:r>
+            <a:endParaRPr lang="en-US" dirty="0"/>
+          </a:p>
+        </p:txBody>
+      </p:sp>
+      <p:sp>
+        <p:nvSpPr>
+          <p:cNvPr id="6" name="Footer Placeholder 5"/>
+          <p:cNvSpPr>
+            <a:spLocks noGrp="1"/>
+          </p:cNvSpPr>
+          <p:nvPr>
+            <p:ph type="ftr" sz="quarter" idx="11"/>
+          </p:nvPr>
+        </p:nvSpPr>
+        <p:spPr/>
+        <p:txBody>
+          <a:bodyPr/>
+          <a:lstStyle/>
+          <a:p>
+            <a:r>
+              <a:rPr lang="en-US" smtClean="0"/>
+              <a:t>Sercan KÜLCÜ, Tanenbaum, Modern Operating Systems 3e kitabından faydalanılmıştır. Tüm hakları saklıdır.</a:t>
+            </a:r>
+            <a:endParaRPr lang="en-US" dirty="0"/>
+          </a:p>
+        </p:txBody>
+      </p:sp>
+      <p:sp>
+        <p:nvSpPr>
+          <p:cNvPr id="7" name="Slide Number Placeholder 6"/>
+          <p:cNvSpPr>
+            <a:spLocks noGrp="1"/>
+          </p:cNvSpPr>
+          <p:nvPr>
+            <p:ph type="sldNum" sz="quarter" idx="12"/>
+          </p:nvPr>
+        </p:nvSpPr>
+        <p:spPr/>
+        <p:txBody>
+          <a:bodyPr/>
+          <a:lstStyle/>
+          <a:p>
+            <a:fld id="{D57F1E4F-1CFF-5643-939E-217C01CDF565}" type="slidenum">
+              <a:rPr lang="en-US" smtClean="0"/>
+              <a:pPr/>
+              <a:t>81</a:t>
+            </a:fld>
+            <a:endParaRPr lang="en-US" dirty="0"/>
+          </a:p>
+        </p:txBody>
+      </p:sp>
     </p:spTree>
     <p:extLst>
       <p:ext uri="{BB962C8B-B14F-4D97-AF65-F5344CB8AC3E}">
@@ -16991,6 +23057,76 @@
           </a:extLst>
         </p:spPr>
       </p:pic>
+      <p:sp>
+        <p:nvSpPr>
+          <p:cNvPr id="5" name="Date Placeholder 4"/>
+          <p:cNvSpPr>
+            <a:spLocks noGrp="1"/>
+          </p:cNvSpPr>
+          <p:nvPr>
+            <p:ph type="dt" sz="half" idx="10"/>
+          </p:nvPr>
+        </p:nvSpPr>
+        <p:spPr/>
+        <p:txBody>
+          <a:bodyPr/>
+          <a:lstStyle/>
+          <a:p>
+            <a:r>
+              <a:rPr lang="en-US" smtClean="0"/>
+              <a:t>1/20/2023</a:t>
+            </a:r>
+            <a:endParaRPr lang="en-US" dirty="0"/>
+          </a:p>
+        </p:txBody>
+      </p:sp>
+      <p:sp>
+        <p:nvSpPr>
+          <p:cNvPr id="6" name="Footer Placeholder 5"/>
+          <p:cNvSpPr>
+            <a:spLocks noGrp="1"/>
+          </p:cNvSpPr>
+          <p:nvPr>
+            <p:ph type="ftr" sz="quarter" idx="11"/>
+          </p:nvPr>
+        </p:nvSpPr>
+        <p:spPr/>
+        <p:txBody>
+          <a:bodyPr/>
+          <a:lstStyle/>
+          <a:p>
+            <a:r>
+              <a:rPr lang="en-US" smtClean="0"/>
+              <a:t>Sercan KÜLCÜ, Tanenbaum, Modern Operating Systems 3e kitabından faydalanılmıştır. Tüm hakları saklıdır.</a:t>
+            </a:r>
+            <a:endParaRPr lang="en-US" dirty="0"/>
+          </a:p>
+        </p:txBody>
+      </p:sp>
+      <p:sp>
+        <p:nvSpPr>
+          <p:cNvPr id="7" name="Slide Number Placeholder 6"/>
+          <p:cNvSpPr>
+            <a:spLocks noGrp="1"/>
+          </p:cNvSpPr>
+          <p:nvPr>
+            <p:ph type="sldNum" sz="quarter" idx="12"/>
+          </p:nvPr>
+        </p:nvSpPr>
+        <p:spPr/>
+        <p:txBody>
+          <a:bodyPr/>
+          <a:lstStyle/>
+          <a:p>
+            <a:fld id="{D57F1E4F-1CFF-5643-939E-217C01CDF565}" type="slidenum">
+              <a:rPr lang="en-US" smtClean="0"/>
+              <a:pPr/>
+              <a:t>82</a:t>
+            </a:fld>
+            <a:endParaRPr lang="en-US" dirty="0"/>
+          </a:p>
+        </p:txBody>
+      </p:sp>
     </p:spTree>
     <p:extLst>
       <p:ext uri="{BB962C8B-B14F-4D97-AF65-F5344CB8AC3E}">
@@ -17140,6 +23276,76 @@
           </a:extLst>
         </p:spPr>
       </p:pic>
+      <p:sp>
+        <p:nvSpPr>
+          <p:cNvPr id="5" name="Date Placeholder 4"/>
+          <p:cNvSpPr>
+            <a:spLocks noGrp="1"/>
+          </p:cNvSpPr>
+          <p:nvPr>
+            <p:ph type="dt" sz="half" idx="10"/>
+          </p:nvPr>
+        </p:nvSpPr>
+        <p:spPr/>
+        <p:txBody>
+          <a:bodyPr/>
+          <a:lstStyle/>
+          <a:p>
+            <a:r>
+              <a:rPr lang="en-US" smtClean="0"/>
+              <a:t>1/20/2023</a:t>
+            </a:r>
+            <a:endParaRPr lang="en-US" dirty="0"/>
+          </a:p>
+        </p:txBody>
+      </p:sp>
+      <p:sp>
+        <p:nvSpPr>
+          <p:cNvPr id="6" name="Footer Placeholder 5"/>
+          <p:cNvSpPr>
+            <a:spLocks noGrp="1"/>
+          </p:cNvSpPr>
+          <p:nvPr>
+            <p:ph type="ftr" sz="quarter" idx="11"/>
+          </p:nvPr>
+        </p:nvSpPr>
+        <p:spPr/>
+        <p:txBody>
+          <a:bodyPr/>
+          <a:lstStyle/>
+          <a:p>
+            <a:r>
+              <a:rPr lang="en-US" smtClean="0"/>
+              <a:t>Sercan KÜLCÜ, Tanenbaum, Modern Operating Systems 3e kitabından faydalanılmıştır. Tüm hakları saklıdır.</a:t>
+            </a:r>
+            <a:endParaRPr lang="en-US" dirty="0"/>
+          </a:p>
+        </p:txBody>
+      </p:sp>
+      <p:sp>
+        <p:nvSpPr>
+          <p:cNvPr id="7" name="Slide Number Placeholder 6"/>
+          <p:cNvSpPr>
+            <a:spLocks noGrp="1"/>
+          </p:cNvSpPr>
+          <p:nvPr>
+            <p:ph type="sldNum" sz="quarter" idx="12"/>
+          </p:nvPr>
+        </p:nvSpPr>
+        <p:spPr/>
+        <p:txBody>
+          <a:bodyPr/>
+          <a:lstStyle/>
+          <a:p>
+            <a:fld id="{D57F1E4F-1CFF-5643-939E-217C01CDF565}" type="slidenum">
+              <a:rPr lang="en-US" smtClean="0"/>
+              <a:pPr/>
+              <a:t>83</a:t>
+            </a:fld>
+            <a:endParaRPr lang="en-US" dirty="0"/>
+          </a:p>
+        </p:txBody>
+      </p:sp>
     </p:spTree>
     <p:extLst>
       <p:ext uri="{BB962C8B-B14F-4D97-AF65-F5344CB8AC3E}">
@@ -17334,6 +23540,76 @@
           </a:extLst>
         </p:spPr>
       </p:pic>
+      <p:sp>
+        <p:nvSpPr>
+          <p:cNvPr id="5" name="Date Placeholder 4"/>
+          <p:cNvSpPr>
+            <a:spLocks noGrp="1"/>
+          </p:cNvSpPr>
+          <p:nvPr>
+            <p:ph type="dt" sz="half" idx="10"/>
+          </p:nvPr>
+        </p:nvSpPr>
+        <p:spPr/>
+        <p:txBody>
+          <a:bodyPr/>
+          <a:lstStyle/>
+          <a:p>
+            <a:r>
+              <a:rPr lang="en-US" smtClean="0"/>
+              <a:t>1/20/2023</a:t>
+            </a:r>
+            <a:endParaRPr lang="en-US" dirty="0"/>
+          </a:p>
+        </p:txBody>
+      </p:sp>
+      <p:sp>
+        <p:nvSpPr>
+          <p:cNvPr id="6" name="Footer Placeholder 5"/>
+          <p:cNvSpPr>
+            <a:spLocks noGrp="1"/>
+          </p:cNvSpPr>
+          <p:nvPr>
+            <p:ph type="ftr" sz="quarter" idx="11"/>
+          </p:nvPr>
+        </p:nvSpPr>
+        <p:spPr/>
+        <p:txBody>
+          <a:bodyPr/>
+          <a:lstStyle/>
+          <a:p>
+            <a:r>
+              <a:rPr lang="en-US" smtClean="0"/>
+              <a:t>Sercan KÜLCÜ, Tanenbaum, Modern Operating Systems 3e kitabından faydalanılmıştır. Tüm hakları saklıdır.</a:t>
+            </a:r>
+            <a:endParaRPr lang="en-US" dirty="0"/>
+          </a:p>
+        </p:txBody>
+      </p:sp>
+      <p:sp>
+        <p:nvSpPr>
+          <p:cNvPr id="7" name="Slide Number Placeholder 6"/>
+          <p:cNvSpPr>
+            <a:spLocks noGrp="1"/>
+          </p:cNvSpPr>
+          <p:nvPr>
+            <p:ph type="sldNum" sz="quarter" idx="12"/>
+          </p:nvPr>
+        </p:nvSpPr>
+        <p:spPr/>
+        <p:txBody>
+          <a:bodyPr/>
+          <a:lstStyle/>
+          <a:p>
+            <a:fld id="{D57F1E4F-1CFF-5643-939E-217C01CDF565}" type="slidenum">
+              <a:rPr lang="en-US" smtClean="0"/>
+              <a:pPr/>
+              <a:t>84</a:t>
+            </a:fld>
+            <a:endParaRPr lang="en-US" dirty="0"/>
+          </a:p>
+        </p:txBody>
+      </p:sp>
     </p:spTree>
     <p:extLst>
       <p:ext uri="{BB962C8B-B14F-4D97-AF65-F5344CB8AC3E}">
@@ -17388,11 +23664,7 @@
           <a:p>
             <a:r>
               <a:rPr lang="tr-TR" dirty="0" smtClean="0"/>
-              <a:t>Yürütülebilir Dosya </a:t>
-            </a:r>
-            <a:r>
-              <a:rPr lang="tr-TR" dirty="0" smtClean="0"/>
-              <a:t>Oluşturma</a:t>
+              <a:t>Yürütülebilir Dosya Oluşturma</a:t>
             </a:r>
             <a:endParaRPr lang="tr-TR" dirty="0"/>
           </a:p>
@@ -17487,6 +23759,76 @@
           </a:extLst>
         </p:spPr>
       </p:pic>
+      <p:sp>
+        <p:nvSpPr>
+          <p:cNvPr id="5" name="Date Placeholder 4"/>
+          <p:cNvSpPr>
+            <a:spLocks noGrp="1"/>
+          </p:cNvSpPr>
+          <p:nvPr>
+            <p:ph type="dt" sz="half" idx="10"/>
+          </p:nvPr>
+        </p:nvSpPr>
+        <p:spPr/>
+        <p:txBody>
+          <a:bodyPr/>
+          <a:lstStyle/>
+          <a:p>
+            <a:r>
+              <a:rPr lang="en-US" smtClean="0"/>
+              <a:t>1/20/2023</a:t>
+            </a:r>
+            <a:endParaRPr lang="en-US" dirty="0"/>
+          </a:p>
+        </p:txBody>
+      </p:sp>
+      <p:sp>
+        <p:nvSpPr>
+          <p:cNvPr id="6" name="Footer Placeholder 5"/>
+          <p:cNvSpPr>
+            <a:spLocks noGrp="1"/>
+          </p:cNvSpPr>
+          <p:nvPr>
+            <p:ph type="ftr" sz="quarter" idx="11"/>
+          </p:nvPr>
+        </p:nvSpPr>
+        <p:spPr/>
+        <p:txBody>
+          <a:bodyPr/>
+          <a:lstStyle/>
+          <a:p>
+            <a:r>
+              <a:rPr lang="en-US" smtClean="0"/>
+              <a:t>Sercan KÜLCÜ, Tanenbaum, Modern Operating Systems 3e kitabından faydalanılmıştır. Tüm hakları saklıdır.</a:t>
+            </a:r>
+            <a:endParaRPr lang="en-US" dirty="0"/>
+          </a:p>
+        </p:txBody>
+      </p:sp>
+      <p:sp>
+        <p:nvSpPr>
+          <p:cNvPr id="7" name="Slide Number Placeholder 6"/>
+          <p:cNvSpPr>
+            <a:spLocks noGrp="1"/>
+          </p:cNvSpPr>
+          <p:nvPr>
+            <p:ph type="sldNum" sz="quarter" idx="12"/>
+          </p:nvPr>
+        </p:nvSpPr>
+        <p:spPr/>
+        <p:txBody>
+          <a:bodyPr/>
+          <a:lstStyle/>
+          <a:p>
+            <a:fld id="{D57F1E4F-1CFF-5643-939E-217C01CDF565}" type="slidenum">
+              <a:rPr lang="en-US" smtClean="0"/>
+              <a:pPr/>
+              <a:t>85</a:t>
+            </a:fld>
+            <a:endParaRPr lang="en-US" dirty="0"/>
+          </a:p>
+        </p:txBody>
+      </p:sp>
     </p:spTree>
     <p:extLst>
       <p:ext uri="{BB962C8B-B14F-4D97-AF65-F5344CB8AC3E}">
@@ -17541,11 +23883,7 @@
           <a:p>
             <a:r>
               <a:rPr lang="tr-TR" dirty="0" smtClean="0"/>
-              <a:t>Yürütülebilir Dosya </a:t>
-            </a:r>
-            <a:r>
-              <a:rPr lang="tr-TR" dirty="0" smtClean="0"/>
-              <a:t>Oluşturma</a:t>
+              <a:t>Yürütülebilir Dosya Oluşturma</a:t>
             </a:r>
             <a:endParaRPr lang="tr-TR" dirty="0"/>
           </a:p>
@@ -17707,6 +24045,76 @@
           </a:p>
           <a:p>
             <a:endParaRPr lang="tr-TR" dirty="0"/>
+          </a:p>
+        </p:txBody>
+      </p:sp>
+      <p:sp>
+        <p:nvSpPr>
+          <p:cNvPr id="4" name="Date Placeholder 3"/>
+          <p:cNvSpPr>
+            <a:spLocks noGrp="1"/>
+          </p:cNvSpPr>
+          <p:nvPr>
+            <p:ph type="dt" sz="half" idx="10"/>
+          </p:nvPr>
+        </p:nvSpPr>
+        <p:spPr/>
+        <p:txBody>
+          <a:bodyPr/>
+          <a:lstStyle/>
+          <a:p>
+            <a:r>
+              <a:rPr lang="en-US" smtClean="0"/>
+              <a:t>1/20/2023</a:t>
+            </a:r>
+            <a:endParaRPr lang="en-US" dirty="0"/>
+          </a:p>
+        </p:txBody>
+      </p:sp>
+      <p:sp>
+        <p:nvSpPr>
+          <p:cNvPr id="5" name="Footer Placeholder 4"/>
+          <p:cNvSpPr>
+            <a:spLocks noGrp="1"/>
+          </p:cNvSpPr>
+          <p:nvPr>
+            <p:ph type="ftr" sz="quarter" idx="11"/>
+          </p:nvPr>
+        </p:nvSpPr>
+        <p:spPr/>
+        <p:txBody>
+          <a:bodyPr/>
+          <a:lstStyle/>
+          <a:p>
+            <a:r>
+              <a:rPr lang="en-US" smtClean="0"/>
+              <a:t>Sercan KÜLCÜ, Tanenbaum, Modern Operating Systems 3e kitabından faydalanılmıştır. Tüm hakları saklıdır.</a:t>
+            </a:r>
+            <a:endParaRPr lang="en-US" dirty="0"/>
+          </a:p>
+        </p:txBody>
+      </p:sp>
+      <p:sp>
+        <p:nvSpPr>
+          <p:cNvPr id="6" name="Slide Number Placeholder 5"/>
+          <p:cNvSpPr>
+            <a:spLocks noGrp="1"/>
+          </p:cNvSpPr>
+          <p:nvPr>
+            <p:ph type="sldNum" sz="quarter" idx="12"/>
+          </p:nvPr>
+        </p:nvSpPr>
+        <p:spPr/>
+        <p:txBody>
+          <a:bodyPr/>
+          <a:lstStyle/>
+          <a:p>
+            <a:fld id="{D57F1E4F-1CFF-5643-939E-217C01CDF565}" type="slidenum">
+              <a:rPr lang="en-US" smtClean="0"/>
+              <a:pPr/>
+              <a:t>86</a:t>
+            </a:fld>
+            <a:endParaRPr lang="en-US" dirty="0"/>
           </a:p>
         </p:txBody>
       </p:sp>
@@ -17859,6 +24267,76 @@
           </a:extLst>
         </p:spPr>
       </p:pic>
+      <p:sp>
+        <p:nvSpPr>
+          <p:cNvPr id="5" name="Date Placeholder 4"/>
+          <p:cNvSpPr>
+            <a:spLocks noGrp="1"/>
+          </p:cNvSpPr>
+          <p:nvPr>
+            <p:ph type="dt" sz="half" idx="10"/>
+          </p:nvPr>
+        </p:nvSpPr>
+        <p:spPr/>
+        <p:txBody>
+          <a:bodyPr/>
+          <a:lstStyle/>
+          <a:p>
+            <a:r>
+              <a:rPr lang="en-US" smtClean="0"/>
+              <a:t>1/20/2023</a:t>
+            </a:r>
+            <a:endParaRPr lang="en-US" dirty="0"/>
+          </a:p>
+        </p:txBody>
+      </p:sp>
+      <p:sp>
+        <p:nvSpPr>
+          <p:cNvPr id="6" name="Footer Placeholder 5"/>
+          <p:cNvSpPr>
+            <a:spLocks noGrp="1"/>
+          </p:cNvSpPr>
+          <p:nvPr>
+            <p:ph type="ftr" sz="quarter" idx="11"/>
+          </p:nvPr>
+        </p:nvSpPr>
+        <p:spPr/>
+        <p:txBody>
+          <a:bodyPr/>
+          <a:lstStyle/>
+          <a:p>
+            <a:r>
+              <a:rPr lang="en-US" smtClean="0"/>
+              <a:t>Sercan KÜLCÜ, Tanenbaum, Modern Operating Systems 3e kitabından faydalanılmıştır. Tüm hakları saklıdır.</a:t>
+            </a:r>
+            <a:endParaRPr lang="en-US" dirty="0"/>
+          </a:p>
+        </p:txBody>
+      </p:sp>
+      <p:sp>
+        <p:nvSpPr>
+          <p:cNvPr id="7" name="Slide Number Placeholder 6"/>
+          <p:cNvSpPr>
+            <a:spLocks noGrp="1"/>
+          </p:cNvSpPr>
+          <p:nvPr>
+            <p:ph type="sldNum" sz="quarter" idx="12"/>
+          </p:nvPr>
+        </p:nvSpPr>
+        <p:spPr/>
+        <p:txBody>
+          <a:bodyPr/>
+          <a:lstStyle/>
+          <a:p>
+            <a:fld id="{D57F1E4F-1CFF-5643-939E-217C01CDF565}" type="slidenum">
+              <a:rPr lang="en-US" smtClean="0"/>
+              <a:pPr/>
+              <a:t>87</a:t>
+            </a:fld>
+            <a:endParaRPr lang="en-US" dirty="0"/>
+          </a:p>
+        </p:txBody>
+      </p:sp>
     </p:spTree>
     <p:extLst>
       <p:ext uri="{BB962C8B-B14F-4D97-AF65-F5344CB8AC3E}">
@@ -17963,6 +24441,76 @@
           </a:p>
           <a:p>
             <a:endParaRPr lang="tr-TR" dirty="0"/>
+          </a:p>
+        </p:txBody>
+      </p:sp>
+      <p:sp>
+        <p:nvSpPr>
+          <p:cNvPr id="4" name="Date Placeholder 3"/>
+          <p:cNvSpPr>
+            <a:spLocks noGrp="1"/>
+          </p:cNvSpPr>
+          <p:nvPr>
+            <p:ph type="dt" sz="half" idx="10"/>
+          </p:nvPr>
+        </p:nvSpPr>
+        <p:spPr/>
+        <p:txBody>
+          <a:bodyPr/>
+          <a:lstStyle/>
+          <a:p>
+            <a:r>
+              <a:rPr lang="en-US" smtClean="0"/>
+              <a:t>1/20/2023</a:t>
+            </a:r>
+            <a:endParaRPr lang="en-US" dirty="0"/>
+          </a:p>
+        </p:txBody>
+      </p:sp>
+      <p:sp>
+        <p:nvSpPr>
+          <p:cNvPr id="5" name="Footer Placeholder 4"/>
+          <p:cNvSpPr>
+            <a:spLocks noGrp="1"/>
+          </p:cNvSpPr>
+          <p:nvPr>
+            <p:ph type="ftr" sz="quarter" idx="11"/>
+          </p:nvPr>
+        </p:nvSpPr>
+        <p:spPr/>
+        <p:txBody>
+          <a:bodyPr/>
+          <a:lstStyle/>
+          <a:p>
+            <a:r>
+              <a:rPr lang="en-US" smtClean="0"/>
+              <a:t>Sercan KÜLCÜ, Tanenbaum, Modern Operating Systems 3e kitabından faydalanılmıştır. Tüm hakları saklıdır.</a:t>
+            </a:r>
+            <a:endParaRPr lang="en-US" dirty="0"/>
+          </a:p>
+        </p:txBody>
+      </p:sp>
+      <p:sp>
+        <p:nvSpPr>
+          <p:cNvPr id="6" name="Slide Number Placeholder 5"/>
+          <p:cNvSpPr>
+            <a:spLocks noGrp="1"/>
+          </p:cNvSpPr>
+          <p:nvPr>
+            <p:ph type="sldNum" sz="quarter" idx="12"/>
+          </p:nvPr>
+        </p:nvSpPr>
+        <p:spPr/>
+        <p:txBody>
+          <a:bodyPr/>
+          <a:lstStyle/>
+          <a:p>
+            <a:fld id="{D57F1E4F-1CFF-5643-939E-217C01CDF565}" type="slidenum">
+              <a:rPr lang="en-US" smtClean="0"/>
+              <a:pPr/>
+              <a:t>88</a:t>
+            </a:fld>
+            <a:endParaRPr lang="en-US" dirty="0"/>
           </a:p>
         </p:txBody>
       </p:sp>
@@ -18131,6 +24679,76 @@
           </a:extLst>
         </p:spPr>
       </p:pic>
+      <p:sp>
+        <p:nvSpPr>
+          <p:cNvPr id="5" name="Date Placeholder 4"/>
+          <p:cNvSpPr>
+            <a:spLocks noGrp="1"/>
+          </p:cNvSpPr>
+          <p:nvPr>
+            <p:ph type="dt" sz="half" idx="10"/>
+          </p:nvPr>
+        </p:nvSpPr>
+        <p:spPr/>
+        <p:txBody>
+          <a:bodyPr/>
+          <a:lstStyle/>
+          <a:p>
+            <a:r>
+              <a:rPr lang="en-US" smtClean="0"/>
+              <a:t>1/20/2023</a:t>
+            </a:r>
+            <a:endParaRPr lang="en-US" dirty="0"/>
+          </a:p>
+        </p:txBody>
+      </p:sp>
+      <p:sp>
+        <p:nvSpPr>
+          <p:cNvPr id="6" name="Footer Placeholder 5"/>
+          <p:cNvSpPr>
+            <a:spLocks noGrp="1"/>
+          </p:cNvSpPr>
+          <p:nvPr>
+            <p:ph type="ftr" sz="quarter" idx="11"/>
+          </p:nvPr>
+        </p:nvSpPr>
+        <p:spPr/>
+        <p:txBody>
+          <a:bodyPr/>
+          <a:lstStyle/>
+          <a:p>
+            <a:r>
+              <a:rPr lang="en-US" smtClean="0"/>
+              <a:t>Sercan KÜLCÜ, Tanenbaum, Modern Operating Systems 3e kitabından faydalanılmıştır. Tüm hakları saklıdır.</a:t>
+            </a:r>
+            <a:endParaRPr lang="en-US" dirty="0"/>
+          </a:p>
+        </p:txBody>
+      </p:sp>
+      <p:sp>
+        <p:nvSpPr>
+          <p:cNvPr id="7" name="Slide Number Placeholder 6"/>
+          <p:cNvSpPr>
+            <a:spLocks noGrp="1"/>
+          </p:cNvSpPr>
+          <p:nvPr>
+            <p:ph type="sldNum" sz="quarter" idx="12"/>
+          </p:nvPr>
+        </p:nvSpPr>
+        <p:spPr/>
+        <p:txBody>
+          <a:bodyPr/>
+          <a:lstStyle/>
+          <a:p>
+            <a:fld id="{D57F1E4F-1CFF-5643-939E-217C01CDF565}" type="slidenum">
+              <a:rPr lang="en-US" smtClean="0"/>
+              <a:pPr/>
+              <a:t>9</a:t>
+            </a:fld>
+            <a:endParaRPr lang="en-US" dirty="0"/>
+          </a:p>
+        </p:txBody>
+      </p:sp>
     </p:spTree>
     <p:extLst>
       <p:ext uri="{BB962C8B-B14F-4D97-AF65-F5344CB8AC3E}">
@@ -18410,4 +25028,265 @@
     </a:ext>
   </a:extLst>
 </a:theme>
+</file>
+
+<file path=ppt/theme/theme2.xml><?xml version="1.0" encoding="utf-8"?>
+<a:theme xmlns:a="http://schemas.openxmlformats.org/drawingml/2006/main" name="Office Theme">
+  <a:themeElements>
+    <a:clrScheme name="Office">
+      <a:dk1>
+        <a:sysClr val="windowText" lastClr="000000"/>
+      </a:dk1>
+      <a:lt1>
+        <a:sysClr val="window" lastClr="FFFFFF"/>
+      </a:lt1>
+      <a:dk2>
+        <a:srgbClr val="44546A"/>
+      </a:dk2>
+      <a:lt2>
+        <a:srgbClr val="E7E6E6"/>
+      </a:lt2>
+      <a:accent1>
+        <a:srgbClr val="5B9BD5"/>
+      </a:accent1>
+      <a:accent2>
+        <a:srgbClr val="ED7D31"/>
+      </a:accent2>
+      <a:accent3>
+        <a:srgbClr val="A5A5A5"/>
+      </a:accent3>
+      <a:accent4>
+        <a:srgbClr val="FFC000"/>
+      </a:accent4>
+      <a:accent5>
+        <a:srgbClr val="4472C4"/>
+      </a:accent5>
+      <a:accent6>
+        <a:srgbClr val="70AD47"/>
+      </a:accent6>
+      <a:hlink>
+        <a:srgbClr val="0563C1"/>
+      </a:hlink>
+      <a:folHlink>
+        <a:srgbClr val="954F72"/>
+      </a:folHlink>
+    </a:clrScheme>
+    <a:fontScheme name="Office">
+      <a:majorFont>
+        <a:latin typeface="Calibri Light" panose="020F0302020204030204"/>
+        <a:ea typeface=""/>
+        <a:cs typeface=""/>
+        <a:font script="Jpan" typeface="ＭＳ Ｐゴシック"/>
+        <a:font script="Hang" typeface="맑은 고딕"/>
+        <a:font script="Hans" typeface="宋体"/>
+        <a:font script="Hant" typeface="新細明體"/>
+        <a:font script="Arab" typeface="Times New Roman"/>
+        <a:font script="Hebr" typeface="Times New Roman"/>
+        <a:font script="Thai" typeface="Angsana New"/>
+        <a:font script="Ethi" typeface="Nyala"/>
+        <a:font script="Beng" typeface="Vrinda"/>
+        <a:font script="Gujr" typeface="Shruti"/>
+        <a:font script="Khmr" typeface="MoolBoran"/>
+        <a:font script="Knda" typeface="Tunga"/>
+        <a:font script="Guru" typeface="Raavi"/>
+        <a:font script="Cans" typeface="Euphemia"/>
+        <a:font script="Cher" typeface="Plantagenet Cherokee"/>
+        <a:font script="Yiii" typeface="Microsoft Yi Baiti"/>
+        <a:font script="Tibt" typeface="Microsoft Himalaya"/>
+        <a:font script="Thaa" typeface="MV Boli"/>
+        <a:font script="Deva" typeface="Mangal"/>
+        <a:font script="Telu" typeface="Gautami"/>
+        <a:font script="Taml" typeface="Latha"/>
+        <a:font script="Syrc" typeface="Estrangelo Edessa"/>
+        <a:font script="Orya" typeface="Kalinga"/>
+        <a:font script="Mlym" typeface="Kartika"/>
+        <a:font script="Laoo" typeface="DokChampa"/>
+        <a:font script="Sinh" typeface="Iskoola Pota"/>
+        <a:font script="Mong" typeface="Mongolian Baiti"/>
+        <a:font script="Viet" typeface="Times New Roman"/>
+        <a:font script="Uigh" typeface="Microsoft Uighur"/>
+        <a:font script="Geor" typeface="Sylfaen"/>
+      </a:majorFont>
+      <a:minorFont>
+        <a:latin typeface="Calibri" panose="020F0502020204030204"/>
+        <a:ea typeface=""/>
+        <a:cs typeface=""/>
+        <a:font script="Jpan" typeface="ＭＳ Ｐゴシック"/>
+        <a:font script="Hang" typeface="맑은 고딕"/>
+        <a:font script="Hans" typeface="宋体"/>
+        <a:font script="Hant" typeface="新細明體"/>
+        <a:font script="Arab" typeface="Arial"/>
+        <a:font script="Hebr" typeface="Arial"/>
+        <a:font script="Thai" typeface="Cordia New"/>
+        <a:font script="Ethi" typeface="Nyala"/>
+        <a:font script="Beng" typeface="Vrinda"/>
+        <a:font script="Gujr" typeface="Shruti"/>
+        <a:font script="Khmr" typeface="DaunPenh"/>
+        <a:font script="Knda" typeface="Tunga"/>
+        <a:font script="Guru" typeface="Raavi"/>
+        <a:font script="Cans" typeface="Euphemia"/>
+        <a:font script="Cher" typeface="Plantagenet Cherokee"/>
+        <a:font script="Yiii" typeface="Microsoft Yi Baiti"/>
+        <a:font script="Tibt" typeface="Microsoft Himalaya"/>
+        <a:font script="Thaa" typeface="MV Boli"/>
+        <a:font script="Deva" typeface="Mangal"/>
+        <a:font script="Telu" typeface="Gautami"/>
+        <a:font script="Taml" typeface="Latha"/>
+        <a:font script="Syrc" typeface="Estrangelo Edessa"/>
+        <a:font script="Orya" typeface="Kalinga"/>
+        <a:font script="Mlym" typeface="Kartika"/>
+        <a:font script="Laoo" typeface="DokChampa"/>
+        <a:font script="Sinh" typeface="Iskoola Pota"/>
+        <a:font script="Mong" typeface="Mongolian Baiti"/>
+        <a:font script="Viet" typeface="Arial"/>
+        <a:font script="Uigh" typeface="Microsoft Uighur"/>
+        <a:font script="Geor" typeface="Sylfaen"/>
+      </a:minorFont>
+    </a:fontScheme>
+    <a:fmtScheme name="Office">
+      <a:fillStyleLst>
+        <a:solidFill>
+          <a:schemeClr val="phClr"/>
+        </a:solidFill>
+        <a:gradFill rotWithShape="1">
+          <a:gsLst>
+            <a:gs pos="0">
+              <a:schemeClr val="phClr">
+                <a:lumMod val="110000"/>
+                <a:satMod val="105000"/>
+                <a:tint val="67000"/>
+              </a:schemeClr>
+            </a:gs>
+            <a:gs pos="50000">
+              <a:schemeClr val="phClr">
+                <a:lumMod val="105000"/>
+                <a:satMod val="103000"/>
+                <a:tint val="73000"/>
+              </a:schemeClr>
+            </a:gs>
+            <a:gs pos="100000">
+              <a:schemeClr val="phClr">
+                <a:lumMod val="105000"/>
+                <a:satMod val="109000"/>
+                <a:tint val="81000"/>
+              </a:schemeClr>
+            </a:gs>
+          </a:gsLst>
+          <a:lin ang="5400000" scaled="0"/>
+        </a:gradFill>
+        <a:gradFill rotWithShape="1">
+          <a:gsLst>
+            <a:gs pos="0">
+              <a:schemeClr val="phClr">
+                <a:satMod val="103000"/>
+                <a:lumMod val="102000"/>
+                <a:tint val="94000"/>
+              </a:schemeClr>
+            </a:gs>
+            <a:gs pos="50000">
+              <a:schemeClr val="phClr">
+                <a:satMod val="110000"/>
+                <a:lumMod val="100000"/>
+                <a:shade val="100000"/>
+              </a:schemeClr>
+            </a:gs>
+            <a:gs pos="100000">
+              <a:schemeClr val="phClr">
+                <a:lumMod val="99000"/>
+                <a:satMod val="120000"/>
+                <a:shade val="78000"/>
+              </a:schemeClr>
+            </a:gs>
+          </a:gsLst>
+          <a:lin ang="5400000" scaled="0"/>
+        </a:gradFill>
+      </a:fillStyleLst>
+      <a:lnStyleLst>
+        <a:ln w="6350" cap="flat" cmpd="sng" algn="ctr">
+          <a:solidFill>
+            <a:schemeClr val="phClr"/>
+          </a:solidFill>
+          <a:prstDash val="solid"/>
+          <a:miter lim="800000"/>
+        </a:ln>
+        <a:ln w="12700" cap="flat" cmpd="sng" algn="ctr">
+          <a:solidFill>
+            <a:schemeClr val="phClr"/>
+          </a:solidFill>
+          <a:prstDash val="solid"/>
+          <a:miter lim="800000"/>
+        </a:ln>
+        <a:ln w="19050" cap="flat" cmpd="sng" algn="ctr">
+          <a:solidFill>
+            <a:schemeClr val="phClr"/>
+          </a:solidFill>
+          <a:prstDash val="solid"/>
+          <a:miter lim="800000"/>
+        </a:ln>
+      </a:lnStyleLst>
+      <a:effectStyleLst>
+        <a:effectStyle>
+          <a:effectLst/>
+        </a:effectStyle>
+        <a:effectStyle>
+          <a:effectLst/>
+        </a:effectStyle>
+        <a:effectStyle>
+          <a:effectLst>
+            <a:outerShdw blurRad="57150" dist="19050" dir="5400000" algn="ctr" rotWithShape="0">
+              <a:srgbClr val="000000">
+                <a:alpha val="63000"/>
+              </a:srgbClr>
+            </a:outerShdw>
+          </a:effectLst>
+        </a:effectStyle>
+      </a:effectStyleLst>
+      <a:bgFillStyleLst>
+        <a:solidFill>
+          <a:schemeClr val="phClr"/>
+        </a:solidFill>
+        <a:solidFill>
+          <a:schemeClr val="phClr">
+            <a:tint val="95000"/>
+            <a:satMod val="170000"/>
+          </a:schemeClr>
+        </a:solidFill>
+        <a:gradFill rotWithShape="1">
+          <a:gsLst>
+            <a:gs pos="0">
+              <a:schemeClr val="phClr">
+                <a:tint val="93000"/>
+                <a:satMod val="150000"/>
+                <a:shade val="98000"/>
+                <a:lumMod val="102000"/>
+              </a:schemeClr>
+            </a:gs>
+            <a:gs pos="50000">
+              <a:schemeClr val="phClr">
+                <a:tint val="98000"/>
+                <a:satMod val="130000"/>
+                <a:shade val="90000"/>
+                <a:lumMod val="103000"/>
+              </a:schemeClr>
+            </a:gs>
+            <a:gs pos="100000">
+              <a:schemeClr val="phClr">
+                <a:shade val="63000"/>
+                <a:satMod val="120000"/>
+              </a:schemeClr>
+            </a:gs>
+          </a:gsLst>
+          <a:lin ang="5400000" scaled="0"/>
+        </a:gradFill>
+      </a:bgFillStyleLst>
+    </a:fmtScheme>
+  </a:themeElements>
+  <a:objectDefaults/>
+  <a:extraClrSchemeLst/>
+  <a:extLst>
+    <a:ext uri="{05A4C25C-085E-4340-85A3-A5531E510DB2}">
+      <thm15:themeFamily xmlns:thm15="http://schemas.microsoft.com/office/thememl/2012/main" name="Office Theme" id="{62F939B6-93AF-4DB8-9C6B-D6C7DFDC589F}" vid="{4A3C46E8-61CC-4603-A589-7422A47A8E4A}"/>
+    </a:ext>
+  </a:extLst>
+</a:theme>
 </file>
--- a/files/os/1_Bolum_1_Giris.pptx
+++ b/files/os/1_Bolum_1_Giris.pptx
@@ -1227,7 +1227,7 @@
             <a:lvl1pPr>
               <a:defRPr b="1" i="0" baseline="0">
                 <a:solidFill>
-                  <a:srgbClr val="0070C0"/>
+                  <a:srgbClr val="C00000"/>
                 </a:solidFill>
               </a:defRPr>
             </a:lvl1pPr>
@@ -1254,39 +1254,75 @@
         <p:spPr/>
         <p:txBody>
           <a:bodyPr/>
-          <a:lstStyle/>
+          <a:lstStyle>
+            <a:lvl1pPr>
+              <a:defRPr baseline="0">
+                <a:solidFill>
+                  <a:srgbClr val="002060"/>
+                </a:solidFill>
+              </a:defRPr>
+            </a:lvl1pPr>
+            <a:lvl2pPr>
+              <a:defRPr baseline="0">
+                <a:solidFill>
+                  <a:srgbClr val="002060"/>
+                </a:solidFill>
+              </a:defRPr>
+            </a:lvl2pPr>
+            <a:lvl3pPr>
+              <a:defRPr baseline="0">
+                <a:solidFill>
+                  <a:srgbClr val="002060"/>
+                </a:solidFill>
+              </a:defRPr>
+            </a:lvl3pPr>
+            <a:lvl4pPr>
+              <a:defRPr baseline="0">
+                <a:solidFill>
+                  <a:srgbClr val="002060"/>
+                </a:solidFill>
+              </a:defRPr>
+            </a:lvl4pPr>
+            <a:lvl5pPr>
+              <a:defRPr baseline="0">
+                <a:solidFill>
+                  <a:srgbClr val="002060"/>
+                </a:solidFill>
+              </a:defRPr>
+            </a:lvl5pPr>
+          </a:lstStyle>
           <a:p>
             <a:pPr lvl="0"/>
             <a:r>
-              <a:rPr lang="en-US" smtClean="0"/>
+              <a:rPr lang="en-US" dirty="0" smtClean="0"/>
               <a:t>Click to edit Master text styles</a:t>
             </a:r>
           </a:p>
           <a:p>
             <a:pPr lvl="1"/>
             <a:r>
-              <a:rPr lang="en-US" smtClean="0"/>
+              <a:rPr lang="en-US" dirty="0" smtClean="0"/>
               <a:t>Second level</a:t>
             </a:r>
           </a:p>
           <a:p>
             <a:pPr lvl="2"/>
             <a:r>
-              <a:rPr lang="en-US" smtClean="0"/>
+              <a:rPr lang="en-US" dirty="0" smtClean="0"/>
               <a:t>Third level</a:t>
             </a:r>
           </a:p>
           <a:p>
             <a:pPr lvl="3"/>
             <a:r>
-              <a:rPr lang="en-US" smtClean="0"/>
+              <a:rPr lang="en-US" dirty="0" smtClean="0"/>
               <a:t>Fourth level</a:t>
             </a:r>
           </a:p>
           <a:p>
             <a:pPr lvl="4"/>
             <a:r>
-              <a:rPr lang="en-US" smtClean="0"/>
+              <a:rPr lang="en-US" dirty="0" smtClean="0"/>
               <a:t>Fifth level</a:t>
             </a:r>
             <a:endParaRPr lang="en-US" dirty="0"/>
